--- a/docs/Honors Thesis Presentation.pptx
+++ b/docs/Honors Thesis Presentation.pptx
@@ -7238,7 +7238,7 @@
           <a:noFill/>
           <a:extLst>
             <a:ext uri="{909E8E84-426E-40dd-AFC4-6F175D3DCCD1}">
-              <a14:hiddenFill xmlns="" xmlns:a14="http://schemas.microsoft.com/office/drawing/2010/main">
+              <a14:hiddenFill xmlns:a14="http://schemas.microsoft.com/office/drawing/2010/main" xmlns="">
                 <a:solidFill>
                   <a:srgbClr val="FFFFFF"/>
                 </a:solidFill>
@@ -7297,7 +7297,7 @@
             </a:ln>
             <a:extLst>
               <a:ext uri="{91240B29-F687-4f45-9708-019B960494DF}">
-                <a14:hiddenLine xmlns="" xmlns:a14="http://schemas.microsoft.com/office/drawing/2010/main" w="9525">
+                <a14:hiddenLine xmlns:a14="http://schemas.microsoft.com/office/drawing/2010/main" xmlns="" w="9525">
                   <a:solidFill>
                     <a:srgbClr val="000000"/>
                   </a:solidFill>
@@ -7387,7 +7387,7 @@
             </a:ln>
             <a:extLst>
               <a:ext uri="{91240B29-F687-4f45-9708-019B960494DF}">
-                <a14:hiddenLine xmlns="" xmlns:a14="http://schemas.microsoft.com/office/drawing/2010/main" w="9525">
+                <a14:hiddenLine xmlns:a14="http://schemas.microsoft.com/office/drawing/2010/main" xmlns="" w="9525">
                   <a:solidFill>
                     <a:srgbClr val="000000"/>
                   </a:solidFill>
@@ -7477,7 +7477,7 @@
             </a:ln>
             <a:extLst>
               <a:ext uri="{91240B29-F687-4f45-9708-019B960494DF}">
-                <a14:hiddenLine xmlns="" xmlns:a14="http://schemas.microsoft.com/office/drawing/2010/main" w="9525">
+                <a14:hiddenLine xmlns:a14="http://schemas.microsoft.com/office/drawing/2010/main" xmlns="" w="9525">
                   <a:solidFill>
                     <a:srgbClr val="000000"/>
                   </a:solidFill>
@@ -7511,7 +7511,7 @@
             </a:ln>
             <a:extLst>
               <a:ext uri="{91240B29-F687-4f45-9708-019B960494DF}">
-                <a14:hiddenLine xmlns="" xmlns:a14="http://schemas.microsoft.com/office/drawing/2010/main" w="9525">
+                <a14:hiddenLine xmlns:a14="http://schemas.microsoft.com/office/drawing/2010/main" xmlns="" w="9525">
                   <a:solidFill>
                     <a:srgbClr val="000000"/>
                   </a:solidFill>
@@ -7601,7 +7601,7 @@
             </a:ln>
             <a:extLst>
               <a:ext uri="{91240B29-F687-4f45-9708-019B960494DF}">
-                <a14:hiddenLine xmlns="" xmlns:a14="http://schemas.microsoft.com/office/drawing/2010/main" w="9525">
+                <a14:hiddenLine xmlns:a14="http://schemas.microsoft.com/office/drawing/2010/main" xmlns="" w="9525">
                   <a:solidFill>
                     <a:srgbClr val="000000"/>
                   </a:solidFill>
@@ -7663,7 +7663,7 @@
             </a:ln>
             <a:extLst>
               <a:ext uri="{91240B29-F687-4f45-9708-019B960494DF}">
-                <a14:hiddenLine xmlns="" xmlns:a14="http://schemas.microsoft.com/office/drawing/2010/main" w="9525">
+                <a14:hiddenLine xmlns:a14="http://schemas.microsoft.com/office/drawing/2010/main" xmlns="" w="9525">
                   <a:solidFill>
                     <a:srgbClr val="000000"/>
                   </a:solidFill>
@@ -7725,7 +7725,7 @@
             </a:ln>
             <a:extLst>
               <a:ext uri="{91240B29-F687-4f45-9708-019B960494DF}">
-                <a14:hiddenLine xmlns="" xmlns:a14="http://schemas.microsoft.com/office/drawing/2010/main" w="9525">
+                <a14:hiddenLine xmlns:a14="http://schemas.microsoft.com/office/drawing/2010/main" xmlns="" w="9525">
                   <a:solidFill>
                     <a:srgbClr val="000000"/>
                   </a:solidFill>
@@ -7815,7 +7815,7 @@
             </a:ln>
             <a:extLst>
               <a:ext uri="{91240B29-F687-4f45-9708-019B960494DF}">
-                <a14:hiddenLine xmlns="" xmlns:a14="http://schemas.microsoft.com/office/drawing/2010/main" w="9525">
+                <a14:hiddenLine xmlns:a14="http://schemas.microsoft.com/office/drawing/2010/main" xmlns="" w="9525">
                   <a:solidFill>
                     <a:srgbClr val="000000"/>
                   </a:solidFill>
@@ -7877,7 +7877,7 @@
             </a:ln>
             <a:extLst>
               <a:ext uri="{91240B29-F687-4f45-9708-019B960494DF}">
-                <a14:hiddenLine xmlns="" xmlns:a14="http://schemas.microsoft.com/office/drawing/2010/main" w="9525">
+                <a14:hiddenLine xmlns:a14="http://schemas.microsoft.com/office/drawing/2010/main" xmlns="" w="9525">
                   <a:solidFill>
                     <a:srgbClr val="000000"/>
                   </a:solidFill>
@@ -7939,7 +7939,7 @@
             </a:ln>
             <a:extLst>
               <a:ext uri="{91240B29-F687-4f45-9708-019B960494DF}">
-                <a14:hiddenLine xmlns="" xmlns:a14="http://schemas.microsoft.com/office/drawing/2010/main" w="9525">
+                <a14:hiddenLine xmlns:a14="http://schemas.microsoft.com/office/drawing/2010/main" xmlns="" w="9525">
                   <a:solidFill>
                     <a:srgbClr val="000000"/>
                   </a:solidFill>
@@ -8029,7 +8029,7 @@
             </a:ln>
             <a:extLst>
               <a:ext uri="{91240B29-F687-4f45-9708-019B960494DF}">
-                <a14:hiddenLine xmlns="" xmlns:a14="http://schemas.microsoft.com/office/drawing/2010/main" w="9525">
+                <a14:hiddenLine xmlns:a14="http://schemas.microsoft.com/office/drawing/2010/main" xmlns="" w="9525">
                   <a:solidFill>
                     <a:srgbClr val="000000"/>
                   </a:solidFill>
@@ -8119,7 +8119,7 @@
             </a:ln>
             <a:extLst>
               <a:ext uri="{91240B29-F687-4f45-9708-019B960494DF}">
-                <a14:hiddenLine xmlns="" xmlns:a14="http://schemas.microsoft.com/office/drawing/2010/main" w="9525">
+                <a14:hiddenLine xmlns:a14="http://schemas.microsoft.com/office/drawing/2010/main" xmlns="" w="9525">
                   <a:solidFill>
                     <a:srgbClr val="000000"/>
                   </a:solidFill>
@@ -8181,7 +8181,7 @@
             </a:ln>
             <a:extLst>
               <a:ext uri="{91240B29-F687-4f45-9708-019B960494DF}">
-                <a14:hiddenLine xmlns="" xmlns:a14="http://schemas.microsoft.com/office/drawing/2010/main" w="9525">
+                <a14:hiddenLine xmlns:a14="http://schemas.microsoft.com/office/drawing/2010/main" xmlns="" w="9525">
                   <a:solidFill>
                     <a:srgbClr val="000000"/>
                   </a:solidFill>
@@ -8291,7 +8291,7 @@
             </a:ln>
             <a:extLst>
               <a:ext uri="{91240B29-F687-4f45-9708-019B960494DF}">
-                <a14:hiddenLine xmlns="" xmlns:a14="http://schemas.microsoft.com/office/drawing/2010/main" w="9525">
+                <a14:hiddenLine xmlns:a14="http://schemas.microsoft.com/office/drawing/2010/main" xmlns="" w="9525">
                   <a:solidFill>
                     <a:srgbClr val="000000"/>
                   </a:solidFill>
@@ -8353,7 +8353,7 @@
             </a:ln>
             <a:extLst>
               <a:ext uri="{91240B29-F687-4f45-9708-019B960494DF}">
-                <a14:hiddenLine xmlns="" xmlns:a14="http://schemas.microsoft.com/office/drawing/2010/main" w="9525">
+                <a14:hiddenLine xmlns:a14="http://schemas.microsoft.com/office/drawing/2010/main" xmlns="" w="9525">
                   <a:solidFill>
                     <a:srgbClr val="000000"/>
                   </a:solidFill>
@@ -8443,7 +8443,7 @@
             </a:ln>
             <a:extLst>
               <a:ext uri="{91240B29-F687-4f45-9708-019B960494DF}">
-                <a14:hiddenLine xmlns="" xmlns:a14="http://schemas.microsoft.com/office/drawing/2010/main" w="9525">
+                <a14:hiddenLine xmlns:a14="http://schemas.microsoft.com/office/drawing/2010/main" xmlns="" w="9525">
                   <a:solidFill>
                     <a:srgbClr val="000000"/>
                   </a:solidFill>
@@ -8533,7 +8533,7 @@
             </a:ln>
             <a:extLst>
               <a:ext uri="{91240B29-F687-4f45-9708-019B960494DF}">
-                <a14:hiddenLine xmlns="" xmlns:a14="http://schemas.microsoft.com/office/drawing/2010/main" w="9525">
+                <a14:hiddenLine xmlns:a14="http://schemas.microsoft.com/office/drawing/2010/main" xmlns="" w="9525">
                   <a:solidFill>
                     <a:srgbClr val="000000"/>
                   </a:solidFill>
@@ -8595,7 +8595,7 @@
             </a:ln>
             <a:extLst>
               <a:ext uri="{91240B29-F687-4f45-9708-019B960494DF}">
-                <a14:hiddenLine xmlns="" xmlns:a14="http://schemas.microsoft.com/office/drawing/2010/main" w="9525">
+                <a14:hiddenLine xmlns:a14="http://schemas.microsoft.com/office/drawing/2010/main" xmlns="" w="9525">
                   <a:solidFill>
                     <a:srgbClr val="000000"/>
                   </a:solidFill>
@@ -8685,7 +8685,7 @@
             </a:ln>
             <a:extLst>
               <a:ext uri="{91240B29-F687-4f45-9708-019B960494DF}">
-                <a14:hiddenLine xmlns="" xmlns:a14="http://schemas.microsoft.com/office/drawing/2010/main" w="9525">
+                <a14:hiddenLine xmlns:a14="http://schemas.microsoft.com/office/drawing/2010/main" xmlns="" w="9525">
                   <a:solidFill>
                     <a:srgbClr val="000000"/>
                   </a:solidFill>
@@ -8775,7 +8775,7 @@
             </a:ln>
             <a:extLst>
               <a:ext uri="{91240B29-F687-4f45-9708-019B960494DF}">
-                <a14:hiddenLine xmlns="" xmlns:a14="http://schemas.microsoft.com/office/drawing/2010/main" w="9525">
+                <a14:hiddenLine xmlns:a14="http://schemas.microsoft.com/office/drawing/2010/main" xmlns="" w="9525">
                   <a:solidFill>
                     <a:srgbClr val="000000"/>
                   </a:solidFill>
@@ -8831,7 +8831,7 @@
             </a:ln>
             <a:extLst>
               <a:ext uri="{91240B29-F687-4f45-9708-019B960494DF}">
-                <a14:hiddenLine xmlns="" xmlns:a14="http://schemas.microsoft.com/office/drawing/2010/main" w="9525">
+                <a14:hiddenLine xmlns:a14="http://schemas.microsoft.com/office/drawing/2010/main" xmlns="" w="9525">
                   <a:solidFill>
                     <a:srgbClr val="000000"/>
                   </a:solidFill>
@@ -8921,7 +8921,7 @@
             </a:ln>
             <a:extLst>
               <a:ext uri="{91240B29-F687-4f45-9708-019B960494DF}">
-                <a14:hiddenLine xmlns="" xmlns:a14="http://schemas.microsoft.com/office/drawing/2010/main" w="9525">
+                <a14:hiddenLine xmlns:a14="http://schemas.microsoft.com/office/drawing/2010/main" xmlns="" w="9525">
                   <a:solidFill>
                     <a:srgbClr val="000000"/>
                   </a:solidFill>
@@ -8977,7 +8977,7 @@
             </a:ln>
             <a:extLst>
               <a:ext uri="{91240B29-F687-4f45-9708-019B960494DF}">
-                <a14:hiddenLine xmlns="" xmlns:a14="http://schemas.microsoft.com/office/drawing/2010/main" w="9525">
+                <a14:hiddenLine xmlns:a14="http://schemas.microsoft.com/office/drawing/2010/main" xmlns="" w="9525">
                   <a:solidFill>
                     <a:srgbClr val="000000"/>
                   </a:solidFill>
@@ -9067,7 +9067,7 @@
             </a:ln>
             <a:extLst>
               <a:ext uri="{91240B29-F687-4f45-9708-019B960494DF}">
-                <a14:hiddenLine xmlns="" xmlns:a14="http://schemas.microsoft.com/office/drawing/2010/main" w="9525">
+                <a14:hiddenLine xmlns:a14="http://schemas.microsoft.com/office/drawing/2010/main" xmlns="" w="9525">
                   <a:solidFill>
                     <a:srgbClr val="000000"/>
                   </a:solidFill>
@@ -9135,7 +9135,7 @@
             </a:ln>
             <a:extLst>
               <a:ext uri="{91240B29-F687-4f45-9708-019B960494DF}">
-                <a14:hiddenLine xmlns="" xmlns:a14="http://schemas.microsoft.com/office/drawing/2010/main" w="9525">
+                <a14:hiddenLine xmlns:a14="http://schemas.microsoft.com/office/drawing/2010/main" xmlns="" w="9525">
                   <a:solidFill>
                     <a:srgbClr val="000000"/>
                   </a:solidFill>
@@ -9225,7 +9225,7 @@
             </a:ln>
             <a:extLst>
               <a:ext uri="{91240B29-F687-4f45-9708-019B960494DF}">
-                <a14:hiddenLine xmlns="" xmlns:a14="http://schemas.microsoft.com/office/drawing/2010/main" w="9525">
+                <a14:hiddenLine xmlns:a14="http://schemas.microsoft.com/office/drawing/2010/main" xmlns="" w="9525">
                   <a:solidFill>
                     <a:srgbClr val="000000"/>
                   </a:solidFill>
@@ -9293,7 +9293,7 @@
             </a:ln>
             <a:extLst>
               <a:ext uri="{91240B29-F687-4f45-9708-019B960494DF}">
-                <a14:hiddenLine xmlns="" xmlns:a14="http://schemas.microsoft.com/office/drawing/2010/main" w="9525">
+                <a14:hiddenLine xmlns:a14="http://schemas.microsoft.com/office/drawing/2010/main" xmlns="" w="9525">
                   <a:solidFill>
                     <a:srgbClr val="000000"/>
                   </a:solidFill>
@@ -9383,7 +9383,7 @@
             </a:ln>
             <a:extLst>
               <a:ext uri="{91240B29-F687-4f45-9708-019B960494DF}">
-                <a14:hiddenLine xmlns="" xmlns:a14="http://schemas.microsoft.com/office/drawing/2010/main" w="9525">
+                <a14:hiddenLine xmlns:a14="http://schemas.microsoft.com/office/drawing/2010/main" xmlns="" w="9525">
                   <a:solidFill>
                     <a:srgbClr val="000000"/>
                   </a:solidFill>
@@ -9417,7 +9417,7 @@
             </a:ln>
             <a:extLst>
               <a:ext uri="{91240B29-F687-4f45-9708-019B960494DF}">
-                <a14:hiddenLine xmlns="" xmlns:a14="http://schemas.microsoft.com/office/drawing/2010/main" w="9525">
+                <a14:hiddenLine xmlns:a14="http://schemas.microsoft.com/office/drawing/2010/main" xmlns="" w="9525">
                   <a:solidFill>
                     <a:srgbClr val="000000"/>
                   </a:solidFill>
@@ -9507,7 +9507,7 @@
             </a:ln>
             <a:extLst>
               <a:ext uri="{91240B29-F687-4f45-9708-019B960494DF}">
-                <a14:hiddenLine xmlns="" xmlns:a14="http://schemas.microsoft.com/office/drawing/2010/main" w="9525">
+                <a14:hiddenLine xmlns:a14="http://schemas.microsoft.com/office/drawing/2010/main" xmlns="" w="9525">
                   <a:solidFill>
                     <a:srgbClr val="000000"/>
                   </a:solidFill>
@@ -9569,7 +9569,7 @@
             </a:ln>
             <a:extLst>
               <a:ext uri="{91240B29-F687-4f45-9708-019B960494DF}">
-                <a14:hiddenLine xmlns="" xmlns:a14="http://schemas.microsoft.com/office/drawing/2010/main" w="9525">
+                <a14:hiddenLine xmlns:a14="http://schemas.microsoft.com/office/drawing/2010/main" xmlns="" w="9525">
                   <a:solidFill>
                     <a:srgbClr val="000000"/>
                   </a:solidFill>
@@ -9631,7 +9631,7 @@
             </a:ln>
             <a:extLst>
               <a:ext uri="{91240B29-F687-4f45-9708-019B960494DF}">
-                <a14:hiddenLine xmlns="" xmlns:a14="http://schemas.microsoft.com/office/drawing/2010/main" w="9525">
+                <a14:hiddenLine xmlns:a14="http://schemas.microsoft.com/office/drawing/2010/main" xmlns="" w="9525">
                   <a:solidFill>
                     <a:srgbClr val="000000"/>
                   </a:solidFill>
@@ -9721,7 +9721,7 @@
             </a:ln>
             <a:extLst>
               <a:ext uri="{91240B29-F687-4f45-9708-019B960494DF}">
-                <a14:hiddenLine xmlns="" xmlns:a14="http://schemas.microsoft.com/office/drawing/2010/main" w="9525">
+                <a14:hiddenLine xmlns:a14="http://schemas.microsoft.com/office/drawing/2010/main" xmlns="" w="9525">
                   <a:solidFill>
                     <a:srgbClr val="000000"/>
                   </a:solidFill>
@@ -9789,7 +9789,7 @@
             </a:ln>
             <a:extLst>
               <a:ext uri="{91240B29-F687-4f45-9708-019B960494DF}">
-                <a14:hiddenLine xmlns="" xmlns:a14="http://schemas.microsoft.com/office/drawing/2010/main" w="9525">
+                <a14:hiddenLine xmlns:a14="http://schemas.microsoft.com/office/drawing/2010/main" xmlns="" w="9525">
                   <a:solidFill>
                     <a:srgbClr val="000000"/>
                   </a:solidFill>
@@ -9851,7 +9851,7 @@
             </a:ln>
             <a:extLst>
               <a:ext uri="{91240B29-F687-4f45-9708-019B960494DF}">
-                <a14:hiddenLine xmlns="" xmlns:a14="http://schemas.microsoft.com/office/drawing/2010/main" w="9525">
+                <a14:hiddenLine xmlns:a14="http://schemas.microsoft.com/office/drawing/2010/main" xmlns="" w="9525">
                   <a:solidFill>
                     <a:srgbClr val="000000"/>
                   </a:solidFill>
@@ -9941,7 +9941,7 @@
             </a:ln>
             <a:extLst>
               <a:ext uri="{91240B29-F687-4f45-9708-019B960494DF}">
-                <a14:hiddenLine xmlns="" xmlns:a14="http://schemas.microsoft.com/office/drawing/2010/main" w="9525">
+                <a14:hiddenLine xmlns:a14="http://schemas.microsoft.com/office/drawing/2010/main" xmlns="" w="9525">
                   <a:solidFill>
                     <a:srgbClr val="000000"/>
                   </a:solidFill>
@@ -10003,7 +10003,7 @@
             </a:ln>
             <a:extLst>
               <a:ext uri="{91240B29-F687-4f45-9708-019B960494DF}">
-                <a14:hiddenLine xmlns="" xmlns:a14="http://schemas.microsoft.com/office/drawing/2010/main" w="9525">
+                <a14:hiddenLine xmlns:a14="http://schemas.microsoft.com/office/drawing/2010/main" xmlns="" w="9525">
                   <a:solidFill>
                     <a:srgbClr val="000000"/>
                   </a:solidFill>
@@ -10093,7 +10093,7 @@
             </a:ln>
             <a:extLst>
               <a:ext uri="{91240B29-F687-4f45-9708-019B960494DF}">
-                <a14:hiddenLine xmlns="" xmlns:a14="http://schemas.microsoft.com/office/drawing/2010/main" w="9525">
+                <a14:hiddenLine xmlns:a14="http://schemas.microsoft.com/office/drawing/2010/main" xmlns="" w="9525">
                   <a:solidFill>
                     <a:srgbClr val="000000"/>
                   </a:solidFill>
@@ -10155,7 +10155,7 @@
             </a:ln>
             <a:extLst>
               <a:ext uri="{91240B29-F687-4f45-9708-019B960494DF}">
-                <a14:hiddenLine xmlns="" xmlns:a14="http://schemas.microsoft.com/office/drawing/2010/main" w="9525">
+                <a14:hiddenLine xmlns:a14="http://schemas.microsoft.com/office/drawing/2010/main" xmlns="" w="9525">
                   <a:solidFill>
                     <a:srgbClr val="000000"/>
                   </a:solidFill>
@@ -10245,7 +10245,7 @@
             </a:ln>
             <a:extLst>
               <a:ext uri="{91240B29-F687-4f45-9708-019B960494DF}">
-                <a14:hiddenLine xmlns="" xmlns:a14="http://schemas.microsoft.com/office/drawing/2010/main" w="9525">
+                <a14:hiddenLine xmlns:a14="http://schemas.microsoft.com/office/drawing/2010/main" xmlns="" w="9525">
                   <a:solidFill>
                     <a:srgbClr val="000000"/>
                   </a:solidFill>
@@ -10279,7 +10279,7 @@
             </a:ln>
             <a:extLst>
               <a:ext uri="{91240B29-F687-4f45-9708-019B960494DF}">
-                <a14:hiddenLine xmlns="" xmlns:a14="http://schemas.microsoft.com/office/drawing/2010/main" w="9525">
+                <a14:hiddenLine xmlns:a14="http://schemas.microsoft.com/office/drawing/2010/main" xmlns="" w="9525">
                   <a:solidFill>
                     <a:srgbClr val="000000"/>
                   </a:solidFill>
@@ -10344,7 +10344,7 @@
             </a:ln>
             <a:extLst>
               <a:ext uri="{91240B29-F687-4f45-9708-019B960494DF}">
-                <a14:hiddenLine xmlns="" xmlns:a14="http://schemas.microsoft.com/office/drawing/2010/main" w="9525">
+                <a14:hiddenLine xmlns:a14="http://schemas.microsoft.com/office/drawing/2010/main" xmlns="" w="9525">
                   <a:solidFill>
                     <a:srgbClr val="000000"/>
                   </a:solidFill>
@@ -10434,7 +10434,7 @@
             </a:ln>
             <a:extLst>
               <a:ext uri="{91240B29-F687-4f45-9708-019B960494DF}">
-                <a14:hiddenLine xmlns="" xmlns:a14="http://schemas.microsoft.com/office/drawing/2010/main" w="9525">
+                <a14:hiddenLine xmlns:a14="http://schemas.microsoft.com/office/drawing/2010/main" xmlns="" w="9525">
                   <a:solidFill>
                     <a:srgbClr val="000000"/>
                   </a:solidFill>
@@ -10496,7 +10496,7 @@
             </a:ln>
             <a:extLst>
               <a:ext uri="{91240B29-F687-4f45-9708-019B960494DF}">
-                <a14:hiddenLine xmlns="" xmlns:a14="http://schemas.microsoft.com/office/drawing/2010/main" w="9525">
+                <a14:hiddenLine xmlns:a14="http://schemas.microsoft.com/office/drawing/2010/main" xmlns="" w="9525">
                   <a:solidFill>
                     <a:srgbClr val="000000"/>
                   </a:solidFill>
@@ -10586,7 +10586,7 @@
             </a:ln>
             <a:extLst>
               <a:ext uri="{91240B29-F687-4f45-9708-019B960494DF}">
-                <a14:hiddenLine xmlns="" xmlns:a14="http://schemas.microsoft.com/office/drawing/2010/main" w="9525">
+                <a14:hiddenLine xmlns:a14="http://schemas.microsoft.com/office/drawing/2010/main" xmlns="" w="9525">
                   <a:solidFill>
                     <a:srgbClr val="000000"/>
                   </a:solidFill>
@@ -10676,7 +10676,7 @@
             </a:ln>
             <a:extLst>
               <a:ext uri="{91240B29-F687-4f45-9708-019B960494DF}">
-                <a14:hiddenLine xmlns="" xmlns:a14="http://schemas.microsoft.com/office/drawing/2010/main" w="9525">
+                <a14:hiddenLine xmlns:a14="http://schemas.microsoft.com/office/drawing/2010/main" xmlns="" w="9525">
                   <a:solidFill>
                     <a:srgbClr val="000000"/>
                   </a:solidFill>
@@ -10741,7 +10741,7 @@
             </a:ln>
             <a:extLst>
               <a:ext uri="{91240B29-F687-4f45-9708-019B960494DF}">
-                <a14:hiddenLine xmlns="" xmlns:a14="http://schemas.microsoft.com/office/drawing/2010/main" w="9525">
+                <a14:hiddenLine xmlns:a14="http://schemas.microsoft.com/office/drawing/2010/main" xmlns="" w="9525">
                   <a:solidFill>
                     <a:srgbClr val="000000"/>
                   </a:solidFill>
@@ -10803,7 +10803,7 @@
             </a:ln>
             <a:extLst>
               <a:ext uri="{91240B29-F687-4f45-9708-019B960494DF}">
-                <a14:hiddenLine xmlns="" xmlns:a14="http://schemas.microsoft.com/office/drawing/2010/main" w="9525">
+                <a14:hiddenLine xmlns:a14="http://schemas.microsoft.com/office/drawing/2010/main" xmlns="" w="9525">
                   <a:solidFill>
                     <a:srgbClr val="000000"/>
                   </a:solidFill>
@@ -10893,7 +10893,7 @@
             </a:ln>
             <a:extLst>
               <a:ext uri="{91240B29-F687-4f45-9708-019B960494DF}">
-                <a14:hiddenLine xmlns="" xmlns:a14="http://schemas.microsoft.com/office/drawing/2010/main" w="9525">
+                <a14:hiddenLine xmlns:a14="http://schemas.microsoft.com/office/drawing/2010/main" xmlns="" w="9525">
                   <a:solidFill>
                     <a:srgbClr val="000000"/>
                   </a:solidFill>
@@ -10983,7 +10983,7 @@
             </a:ln>
             <a:extLst>
               <a:ext uri="{91240B29-F687-4f45-9708-019B960494DF}">
-                <a14:hiddenLine xmlns="" xmlns:a14="http://schemas.microsoft.com/office/drawing/2010/main" w="9525">
+                <a14:hiddenLine xmlns:a14="http://schemas.microsoft.com/office/drawing/2010/main" xmlns="" w="9525">
                   <a:solidFill>
                     <a:srgbClr val="000000"/>
                   </a:solidFill>
@@ -11045,7 +11045,7 @@
             </a:ln>
             <a:extLst>
               <a:ext uri="{91240B29-F687-4f45-9708-019B960494DF}">
-                <a14:hiddenLine xmlns="" xmlns:a14="http://schemas.microsoft.com/office/drawing/2010/main" w="9525">
+                <a14:hiddenLine xmlns:a14="http://schemas.microsoft.com/office/drawing/2010/main" xmlns="" w="9525">
                   <a:solidFill>
                     <a:srgbClr val="000000"/>
                   </a:solidFill>
@@ -11165,7 +11165,7 @@
             </a:ln>
             <a:extLst>
               <a:ext uri="{91240B29-F687-4f45-9708-019B960494DF}">
-                <a14:hiddenLine xmlns="" xmlns:a14="http://schemas.microsoft.com/office/drawing/2010/main" w="9525">
+                <a14:hiddenLine xmlns:a14="http://schemas.microsoft.com/office/drawing/2010/main" xmlns="" w="9525">
                   <a:solidFill>
                     <a:srgbClr val="000000"/>
                   </a:solidFill>
@@ -11233,7 +11233,7 @@
             </a:ln>
             <a:extLst>
               <a:ext uri="{91240B29-F687-4f45-9708-019B960494DF}">
-                <a14:hiddenLine xmlns="" xmlns:a14="http://schemas.microsoft.com/office/drawing/2010/main" w="9525">
+                <a14:hiddenLine xmlns:a14="http://schemas.microsoft.com/office/drawing/2010/main" xmlns="" w="9525">
                   <a:solidFill>
                     <a:srgbClr val="000000"/>
                   </a:solidFill>
@@ -11323,7 +11323,7 @@
             </a:ln>
             <a:extLst>
               <a:ext uri="{91240B29-F687-4f45-9708-019B960494DF}">
-                <a14:hiddenLine xmlns="" xmlns:a14="http://schemas.microsoft.com/office/drawing/2010/main" w="9525">
+                <a14:hiddenLine xmlns:a14="http://schemas.microsoft.com/office/drawing/2010/main" xmlns="" w="9525">
                   <a:solidFill>
                     <a:srgbClr val="000000"/>
                   </a:solidFill>
@@ -16137,7 +16137,7 @@
           <a:noFill/>
           <a:extLst>
             <a:ext uri="{909E8E84-426E-40dd-AFC4-6F175D3DCCD1}">
-              <a14:hiddenFill xmlns="" xmlns:a14="http://schemas.microsoft.com/office/drawing/2010/main">
+              <a14:hiddenFill xmlns:a14="http://schemas.microsoft.com/office/drawing/2010/main" xmlns="">
                 <a:solidFill>
                   <a:srgbClr val="FFFFFF"/>
                 </a:solidFill>
@@ -16211,7 +16211,7 @@
               </a:ln>
               <a:extLst>
                 <a:ext uri="{91240B29-F687-4f45-9708-019B960494DF}">
-                  <a14:hiddenLine xmlns="" xmlns:a14="http://schemas.microsoft.com/office/drawing/2010/main" w="9525">
+                  <a14:hiddenLine xmlns:a14="http://schemas.microsoft.com/office/drawing/2010/main" xmlns="" w="9525">
                     <a:solidFill>
                       <a:srgbClr val="000000"/>
                     </a:solidFill>
@@ -16301,7 +16301,7 @@
               </a:ln>
               <a:extLst>
                 <a:ext uri="{91240B29-F687-4f45-9708-019B960494DF}">
-                  <a14:hiddenLine xmlns="" xmlns:a14="http://schemas.microsoft.com/office/drawing/2010/main" w="9525">
+                  <a14:hiddenLine xmlns:a14="http://schemas.microsoft.com/office/drawing/2010/main" xmlns="" w="9525">
                     <a:solidFill>
                       <a:srgbClr val="000000"/>
                     </a:solidFill>
@@ -16391,7 +16391,7 @@
               </a:ln>
               <a:extLst>
                 <a:ext uri="{91240B29-F687-4f45-9708-019B960494DF}">
-                  <a14:hiddenLine xmlns="" xmlns:a14="http://schemas.microsoft.com/office/drawing/2010/main" w="9525">
+                  <a14:hiddenLine xmlns:a14="http://schemas.microsoft.com/office/drawing/2010/main" xmlns="" w="9525">
                     <a:solidFill>
                       <a:srgbClr val="000000"/>
                     </a:solidFill>
@@ -16453,7 +16453,7 @@
               </a:ln>
               <a:extLst>
                 <a:ext uri="{91240B29-F687-4f45-9708-019B960494DF}">
-                  <a14:hiddenLine xmlns="" xmlns:a14="http://schemas.microsoft.com/office/drawing/2010/main" w="9525">
+                  <a14:hiddenLine xmlns:a14="http://schemas.microsoft.com/office/drawing/2010/main" xmlns="" w="9525">
                     <a:solidFill>
                       <a:srgbClr val="000000"/>
                     </a:solidFill>
@@ -16543,7 +16543,7 @@
               </a:ln>
               <a:extLst>
                 <a:ext uri="{91240B29-F687-4f45-9708-019B960494DF}">
-                  <a14:hiddenLine xmlns="" xmlns:a14="http://schemas.microsoft.com/office/drawing/2010/main" w="9525">
+                  <a14:hiddenLine xmlns:a14="http://schemas.microsoft.com/office/drawing/2010/main" xmlns="" w="9525">
                     <a:solidFill>
                       <a:srgbClr val="000000"/>
                     </a:solidFill>
@@ -16605,7 +16605,7 @@
               </a:ln>
               <a:extLst>
                 <a:ext uri="{91240B29-F687-4f45-9708-019B960494DF}">
-                  <a14:hiddenLine xmlns="" xmlns:a14="http://schemas.microsoft.com/office/drawing/2010/main" w="9525">
+                  <a14:hiddenLine xmlns:a14="http://schemas.microsoft.com/office/drawing/2010/main" xmlns="" w="9525">
                     <a:solidFill>
                       <a:srgbClr val="000000"/>
                     </a:solidFill>
@@ -16667,7 +16667,7 @@
               </a:ln>
               <a:extLst>
                 <a:ext uri="{91240B29-F687-4f45-9708-019B960494DF}">
-                  <a14:hiddenLine xmlns="" xmlns:a14="http://schemas.microsoft.com/office/drawing/2010/main" w="9525">
+                  <a14:hiddenLine xmlns:a14="http://schemas.microsoft.com/office/drawing/2010/main" xmlns="" w="9525">
                     <a:solidFill>
                       <a:srgbClr val="000000"/>
                     </a:solidFill>
@@ -16757,7 +16757,7 @@
               </a:ln>
               <a:extLst>
                 <a:ext uri="{91240B29-F687-4f45-9708-019B960494DF}">
-                  <a14:hiddenLine xmlns="" xmlns:a14="http://schemas.microsoft.com/office/drawing/2010/main" w="9525">
+                  <a14:hiddenLine xmlns:a14="http://schemas.microsoft.com/office/drawing/2010/main" xmlns="" w="9525">
                     <a:solidFill>
                       <a:srgbClr val="000000"/>
                     </a:solidFill>
@@ -16847,7 +16847,7 @@
               </a:ln>
               <a:extLst>
                 <a:ext uri="{91240B29-F687-4f45-9708-019B960494DF}">
-                  <a14:hiddenLine xmlns="" xmlns:a14="http://schemas.microsoft.com/office/drawing/2010/main" w="9525">
+                  <a14:hiddenLine xmlns:a14="http://schemas.microsoft.com/office/drawing/2010/main" xmlns="" w="9525">
                     <a:solidFill>
                       <a:srgbClr val="000000"/>
                     </a:solidFill>
@@ -16909,7 +16909,7 @@
               </a:ln>
               <a:extLst>
                 <a:ext uri="{91240B29-F687-4f45-9708-019B960494DF}">
-                  <a14:hiddenLine xmlns="" xmlns:a14="http://schemas.microsoft.com/office/drawing/2010/main" w="9525">
+                  <a14:hiddenLine xmlns:a14="http://schemas.microsoft.com/office/drawing/2010/main" xmlns="" w="9525">
                     <a:solidFill>
                       <a:srgbClr val="000000"/>
                     </a:solidFill>
@@ -17019,7 +17019,7 @@
               </a:ln>
               <a:extLst>
                 <a:ext uri="{91240B29-F687-4f45-9708-019B960494DF}">
-                  <a14:hiddenLine xmlns="" xmlns:a14="http://schemas.microsoft.com/office/drawing/2010/main" w="9525">
+                  <a14:hiddenLine xmlns:a14="http://schemas.microsoft.com/office/drawing/2010/main" xmlns="" w="9525">
                     <a:solidFill>
                       <a:srgbClr val="000000"/>
                     </a:solidFill>
@@ -17103,7 +17103,7 @@
               </a:ln>
               <a:extLst>
                 <a:ext uri="{91240B29-F687-4f45-9708-019B960494DF}">
-                  <a14:hiddenLine xmlns="" xmlns:a14="http://schemas.microsoft.com/office/drawing/2010/main" w="9525">
+                  <a14:hiddenLine xmlns:a14="http://schemas.microsoft.com/office/drawing/2010/main" xmlns="" w="9525">
                     <a:solidFill>
                       <a:srgbClr val="000000"/>
                     </a:solidFill>
@@ -17165,7 +17165,7 @@
               </a:ln>
               <a:extLst>
                 <a:ext uri="{91240B29-F687-4f45-9708-019B960494DF}">
-                  <a14:hiddenLine xmlns="" xmlns:a14="http://schemas.microsoft.com/office/drawing/2010/main" w="9525">
+                  <a14:hiddenLine xmlns:a14="http://schemas.microsoft.com/office/drawing/2010/main" xmlns="" w="9525">
                     <a:solidFill>
                       <a:srgbClr val="000000"/>
                     </a:solidFill>
@@ -17227,7 +17227,7 @@
               </a:ln>
               <a:extLst>
                 <a:ext uri="{91240B29-F687-4f45-9708-019B960494DF}">
-                  <a14:hiddenLine xmlns="" xmlns:a14="http://schemas.microsoft.com/office/drawing/2010/main" w="9525">
+                  <a14:hiddenLine xmlns:a14="http://schemas.microsoft.com/office/drawing/2010/main" xmlns="" w="9525">
                     <a:solidFill>
                       <a:srgbClr val="000000"/>
                     </a:solidFill>
@@ -17317,7 +17317,7 @@
               </a:ln>
               <a:extLst>
                 <a:ext uri="{91240B29-F687-4f45-9708-019B960494DF}">
-                  <a14:hiddenLine xmlns="" xmlns:a14="http://schemas.microsoft.com/office/drawing/2010/main" w="9525">
+                  <a14:hiddenLine xmlns:a14="http://schemas.microsoft.com/office/drawing/2010/main" xmlns="" w="9525">
                     <a:solidFill>
                       <a:srgbClr val="000000"/>
                     </a:solidFill>
@@ -17351,7 +17351,7 @@
               </a:ln>
               <a:extLst>
                 <a:ext uri="{91240B29-F687-4f45-9708-019B960494DF}">
-                  <a14:hiddenLine xmlns="" xmlns:a14="http://schemas.microsoft.com/office/drawing/2010/main" w="9525">
+                  <a14:hiddenLine xmlns:a14="http://schemas.microsoft.com/office/drawing/2010/main" xmlns="" w="9525">
                     <a:solidFill>
                       <a:srgbClr val="000000"/>
                     </a:solidFill>
@@ -17416,7 +17416,7 @@
               </a:ln>
               <a:extLst>
                 <a:ext uri="{91240B29-F687-4f45-9708-019B960494DF}">
-                  <a14:hiddenLine xmlns="" xmlns:a14="http://schemas.microsoft.com/office/drawing/2010/main" w="9525">
+                  <a14:hiddenLine xmlns:a14="http://schemas.microsoft.com/office/drawing/2010/main" xmlns="" w="9525">
                     <a:solidFill>
                       <a:srgbClr val="000000"/>
                     </a:solidFill>
@@ -17506,7 +17506,7 @@
               </a:ln>
               <a:extLst>
                 <a:ext uri="{91240B29-F687-4f45-9708-019B960494DF}">
-                  <a14:hiddenLine xmlns="" xmlns:a14="http://schemas.microsoft.com/office/drawing/2010/main" w="9525">
+                  <a14:hiddenLine xmlns:a14="http://schemas.microsoft.com/office/drawing/2010/main" xmlns="" w="9525">
                     <a:solidFill>
                       <a:srgbClr val="000000"/>
                     </a:solidFill>
@@ -17568,7 +17568,7 @@
               </a:ln>
               <a:extLst>
                 <a:ext uri="{91240B29-F687-4f45-9708-019B960494DF}">
-                  <a14:hiddenLine xmlns="" xmlns:a14="http://schemas.microsoft.com/office/drawing/2010/main" w="9525">
+                  <a14:hiddenLine xmlns:a14="http://schemas.microsoft.com/office/drawing/2010/main" xmlns="" w="9525">
                     <a:solidFill>
                       <a:srgbClr val="000000"/>
                     </a:solidFill>
@@ -17658,7 +17658,7 @@
               </a:ln>
               <a:extLst>
                 <a:ext uri="{91240B29-F687-4f45-9708-019B960494DF}">
-                  <a14:hiddenLine xmlns="" xmlns:a14="http://schemas.microsoft.com/office/drawing/2010/main" w="9525">
+                  <a14:hiddenLine xmlns:a14="http://schemas.microsoft.com/office/drawing/2010/main" xmlns="" w="9525">
                     <a:solidFill>
                       <a:srgbClr val="000000"/>
                     </a:solidFill>
@@ -17723,7 +17723,7 @@
               </a:ln>
               <a:extLst>
                 <a:ext uri="{91240B29-F687-4f45-9708-019B960494DF}">
-                  <a14:hiddenLine xmlns="" xmlns:a14="http://schemas.microsoft.com/office/drawing/2010/main" w="9525">
+                  <a14:hiddenLine xmlns:a14="http://schemas.microsoft.com/office/drawing/2010/main" xmlns="" w="9525">
                     <a:solidFill>
                       <a:srgbClr val="000000"/>
                     </a:solidFill>
@@ -17785,7 +17785,7 @@
               </a:ln>
               <a:extLst>
                 <a:ext uri="{91240B29-F687-4f45-9708-019B960494DF}">
-                  <a14:hiddenLine xmlns="" xmlns:a14="http://schemas.microsoft.com/office/drawing/2010/main" w="9525">
+                  <a14:hiddenLine xmlns:a14="http://schemas.microsoft.com/office/drawing/2010/main" xmlns="" w="9525">
                     <a:solidFill>
                       <a:srgbClr val="000000"/>
                     </a:solidFill>
@@ -17875,7 +17875,7 @@
               </a:ln>
               <a:extLst>
                 <a:ext uri="{91240B29-F687-4f45-9708-019B960494DF}">
-                  <a14:hiddenLine xmlns="" xmlns:a14="http://schemas.microsoft.com/office/drawing/2010/main" w="9525">
+                  <a14:hiddenLine xmlns:a14="http://schemas.microsoft.com/office/drawing/2010/main" xmlns="" w="9525">
                     <a:solidFill>
                       <a:srgbClr val="000000"/>
                     </a:solidFill>
@@ -17965,7 +17965,7 @@
               </a:ln>
               <a:extLst>
                 <a:ext uri="{91240B29-F687-4f45-9708-019B960494DF}">
-                  <a14:hiddenLine xmlns="" xmlns:a14="http://schemas.microsoft.com/office/drawing/2010/main" w="9525">
+                  <a14:hiddenLine xmlns:a14="http://schemas.microsoft.com/office/drawing/2010/main" xmlns="" w="9525">
                     <a:solidFill>
                       <a:srgbClr val="000000"/>
                     </a:solidFill>
@@ -18030,7 +18030,7 @@
               </a:ln>
               <a:extLst>
                 <a:ext uri="{91240B29-F687-4f45-9708-019B960494DF}">
-                  <a14:hiddenLine xmlns="" xmlns:a14="http://schemas.microsoft.com/office/drawing/2010/main" w="9525">
+                  <a14:hiddenLine xmlns:a14="http://schemas.microsoft.com/office/drawing/2010/main" xmlns="" w="9525">
                     <a:solidFill>
                       <a:srgbClr val="000000"/>
                     </a:solidFill>
@@ -18150,7 +18150,7 @@
               </a:ln>
               <a:extLst>
                 <a:ext uri="{91240B29-F687-4f45-9708-019B960494DF}">
-                  <a14:hiddenLine xmlns="" xmlns:a14="http://schemas.microsoft.com/office/drawing/2010/main" w="9525">
+                  <a14:hiddenLine xmlns:a14="http://schemas.microsoft.com/office/drawing/2010/main" xmlns="" w="9525">
                     <a:solidFill>
                       <a:srgbClr val="000000"/>
                     </a:solidFill>
@@ -18231,7 +18231,7 @@
               </a:ln>
               <a:extLst>
                 <a:ext uri="{91240B29-F687-4f45-9708-019B960494DF}">
-                  <a14:hiddenLine xmlns="" xmlns:a14="http://schemas.microsoft.com/office/drawing/2010/main" w="9525">
+                  <a14:hiddenLine xmlns:a14="http://schemas.microsoft.com/office/drawing/2010/main" xmlns="" w="9525">
                     <a:solidFill>
                       <a:srgbClr val="000000"/>
                     </a:solidFill>
@@ -18346,7 +18346,7 @@
               </a:ln>
               <a:extLst>
                 <a:ext uri="{91240B29-F687-4f45-9708-019B960494DF}">
-                  <a14:hiddenLine xmlns="" xmlns:a14="http://schemas.microsoft.com/office/drawing/2010/main" w="9525">
+                  <a14:hiddenLine xmlns:a14="http://schemas.microsoft.com/office/drawing/2010/main" xmlns="" w="9525">
                     <a:solidFill>
                       <a:srgbClr val="000000"/>
                     </a:solidFill>
@@ -18436,7 +18436,7 @@
               </a:ln>
               <a:extLst>
                 <a:ext uri="{91240B29-F687-4f45-9708-019B960494DF}">
-                  <a14:hiddenLine xmlns="" xmlns:a14="http://schemas.microsoft.com/office/drawing/2010/main" w="9525">
+                  <a14:hiddenLine xmlns:a14="http://schemas.microsoft.com/office/drawing/2010/main" xmlns="" w="9525">
                     <a:solidFill>
                       <a:srgbClr val="000000"/>
                     </a:solidFill>
@@ -18501,7 +18501,7 @@
               </a:ln>
               <a:extLst>
                 <a:ext uri="{91240B29-F687-4f45-9708-019B960494DF}">
-                  <a14:hiddenLine xmlns="" xmlns:a14="http://schemas.microsoft.com/office/drawing/2010/main" w="9525">
+                  <a14:hiddenLine xmlns:a14="http://schemas.microsoft.com/office/drawing/2010/main" xmlns="" w="9525">
                     <a:solidFill>
                       <a:srgbClr val="000000"/>
                     </a:solidFill>
@@ -18591,7 +18591,7 @@
               </a:ln>
               <a:extLst>
                 <a:ext uri="{91240B29-F687-4f45-9708-019B960494DF}">
-                  <a14:hiddenLine xmlns="" xmlns:a14="http://schemas.microsoft.com/office/drawing/2010/main" w="9525">
+                  <a14:hiddenLine xmlns:a14="http://schemas.microsoft.com/office/drawing/2010/main" xmlns="" w="9525">
                     <a:solidFill>
                       <a:srgbClr val="000000"/>
                     </a:solidFill>
@@ -18659,7 +18659,7 @@
               </a:ln>
               <a:extLst>
                 <a:ext uri="{91240B29-F687-4f45-9708-019B960494DF}">
-                  <a14:hiddenLine xmlns="" xmlns:a14="http://schemas.microsoft.com/office/drawing/2010/main" w="9525">
+                  <a14:hiddenLine xmlns:a14="http://schemas.microsoft.com/office/drawing/2010/main" xmlns="" w="9525">
                     <a:solidFill>
                       <a:srgbClr val="000000"/>
                     </a:solidFill>
@@ -18749,7 +18749,7 @@
               </a:ln>
               <a:extLst>
                 <a:ext uri="{91240B29-F687-4f45-9708-019B960494DF}">
-                  <a14:hiddenLine xmlns="" xmlns:a14="http://schemas.microsoft.com/office/drawing/2010/main" w="9525">
+                  <a14:hiddenLine xmlns:a14="http://schemas.microsoft.com/office/drawing/2010/main" xmlns="" w="9525">
                     <a:solidFill>
                       <a:srgbClr val="000000"/>
                     </a:solidFill>
@@ -18817,7 +18817,7 @@
               </a:ln>
               <a:extLst>
                 <a:ext uri="{91240B29-F687-4f45-9708-019B960494DF}">
-                  <a14:hiddenLine xmlns="" xmlns:a14="http://schemas.microsoft.com/office/drawing/2010/main" w="9525">
+                  <a14:hiddenLine xmlns:a14="http://schemas.microsoft.com/office/drawing/2010/main" xmlns="" w="9525">
                     <a:solidFill>
                       <a:srgbClr val="000000"/>
                     </a:solidFill>
@@ -18907,7 +18907,7 @@
               </a:ln>
               <a:extLst>
                 <a:ext uri="{91240B29-F687-4f45-9708-019B960494DF}">
-                  <a14:hiddenLine xmlns="" xmlns:a14="http://schemas.microsoft.com/office/drawing/2010/main" w="9525">
+                  <a14:hiddenLine xmlns:a14="http://schemas.microsoft.com/office/drawing/2010/main" xmlns="" w="9525">
                     <a:solidFill>
                       <a:srgbClr val="000000"/>
                     </a:solidFill>
@@ -18941,7 +18941,7 @@
               </a:ln>
               <a:extLst>
                 <a:ext uri="{91240B29-F687-4f45-9708-019B960494DF}">
-                  <a14:hiddenLine xmlns="" xmlns:a14="http://schemas.microsoft.com/office/drawing/2010/main" w="9525">
+                  <a14:hiddenLine xmlns:a14="http://schemas.microsoft.com/office/drawing/2010/main" xmlns="" w="9525">
                     <a:solidFill>
                       <a:srgbClr val="000000"/>
                     </a:solidFill>
@@ -19519,7 +19519,12 @@
             <p:ph type="ctrTitle"/>
           </p:nvPr>
         </p:nvSpPr>
-        <p:spPr/>
+        <p:spPr>
+          <a:xfrm>
+            <a:off x="1700211" y="2010130"/>
+            <a:ext cx="8791575" cy="2387600"/>
+          </a:xfrm>
+        </p:spPr>
         <p:txBody>
           <a:bodyPr>
             <a:normAutofit fontScale="90000"/>
@@ -19552,7 +19557,12 @@
             <p:ph type="subTitle" idx="1"/>
           </p:nvPr>
         </p:nvSpPr>
-        <p:spPr/>
+        <p:spPr>
+          <a:xfrm>
+            <a:off x="1700212" y="4498682"/>
+            <a:ext cx="8791575" cy="1655762"/>
+          </a:xfrm>
+        </p:spPr>
         <p:txBody>
           <a:bodyPr>
             <a:normAutofit/>
@@ -21390,23 +21400,6 @@
 </file>
 
 <file path=customXml/item1.xml><?xml version="1.0" encoding="utf-8"?>
-<p:properties xmlns:p="http://schemas.microsoft.com/office/2006/metadata/properties" xmlns:xsi="http://www.w3.org/2001/XMLSchema-instance" xmlns:pc="http://schemas.microsoft.com/office/infopath/2007/PartnerControls">
-  <documentManagement>
-    <MediaServiceKeyPoints xmlns="71af3243-3dd4-4a8d-8c0d-dd76da1f02a5" xsi:nil="true"/>
-  </documentManagement>
-</p:properties>
-</file>
-
-<file path=customXml/item2.xml><?xml version="1.0" encoding="utf-8"?>
-<?mso-contentType ?>
-<FormTemplates xmlns="http://schemas.microsoft.com/sharepoint/v3/contenttype/forms">
-  <Display>DocumentLibraryForm</Display>
-  <Edit>DocumentLibraryForm</Edit>
-  <New>DocumentLibraryForm</New>
-</FormTemplates>
-</file>
-
-<file path=customXml/item3.xml><?xml version="1.0" encoding="utf-8"?>
 <ct:contentTypeSchema xmlns:ct="http://schemas.microsoft.com/office/2006/metadata/contentType" xmlns:ma="http://schemas.microsoft.com/office/2006/metadata/properties/metaAttributes" ct:_="" ma:_="" ma:contentTypeName="Document" ma:contentTypeID="0x01010079F111ED35F8CC479449609E8A0923A6" ma:contentTypeVersion="11" ma:contentTypeDescription="Create a new document." ma:contentTypeScope="" ma:versionID="96291512c1ee715ab617f4c07df79fc1">
   <xsd:schema xmlns:xsd="http://www.w3.org/2001/XMLSchema" xmlns:xs="http://www.w3.org/2001/XMLSchema" xmlns:p="http://schemas.microsoft.com/office/2006/metadata/properties" xmlns:ns2="71af3243-3dd4-4a8d-8c0d-dd76da1f02a5" xmlns:ns3="16c05727-aa75-4e4a-9b5f-8a80a1165891" targetNamespace="http://schemas.microsoft.com/office/2006/metadata/properties" ma:root="true" ma:fieldsID="8256c27c40ca5c40ce1cf6c44f0205df" ns2:_="" ns3:_="">
     <xsd:import namespace="71af3243-3dd4-4a8d-8c0d-dd76da1f02a5"/>
@@ -21617,25 +21610,24 @@
 </ct:contentTypeSchema>
 </file>
 
-<file path=customXml/itemProps1.xml><?xml version="1.0" encoding="utf-8"?>
-<ds:datastoreItem xmlns:ds="http://schemas.openxmlformats.org/officeDocument/2006/customXml" ds:itemID="{E7866CFD-F94E-4AE5-ACEA-86FEC0F48A10}">
-  <ds:schemaRefs>
-    <ds:schemaRef ds:uri="http://schemas.microsoft.com/office/2006/metadata/properties"/>
-    <ds:schemaRef ds:uri="http://schemas.microsoft.com/office/infopath/2007/PartnerControls"/>
-    <ds:schemaRef ds:uri="71af3243-3dd4-4a8d-8c0d-dd76da1f02a5"/>
-  </ds:schemaRefs>
-</ds:datastoreItem>
+<file path=customXml/item2.xml><?xml version="1.0" encoding="utf-8"?>
+<?mso-contentType ?>
+<FormTemplates xmlns="http://schemas.microsoft.com/sharepoint/v3/contenttype/forms">
+  <Display>DocumentLibraryForm</Display>
+  <Edit>DocumentLibraryForm</Edit>
+  <New>DocumentLibraryForm</New>
+</FormTemplates>
 </file>
 
-<file path=customXml/itemProps2.xml><?xml version="1.0" encoding="utf-8"?>
-<ds:datastoreItem xmlns:ds="http://schemas.openxmlformats.org/officeDocument/2006/customXml" ds:itemID="{B579702B-25C7-40D7-9E29-7686B11A9660}">
-  <ds:schemaRefs>
-    <ds:schemaRef ds:uri="http://schemas.microsoft.com/sharepoint/v3/contenttype/forms"/>
-  </ds:schemaRefs>
-</ds:datastoreItem>
+<file path=customXml/item3.xml><?xml version="1.0" encoding="utf-8"?>
+<p:properties xmlns:p="http://schemas.microsoft.com/office/2006/metadata/properties" xmlns:xsi="http://www.w3.org/2001/XMLSchema-instance" xmlns:pc="http://schemas.microsoft.com/office/infopath/2007/PartnerControls">
+  <documentManagement>
+    <MediaServiceKeyPoints xmlns="71af3243-3dd4-4a8d-8c0d-dd76da1f02a5" xsi:nil="true"/>
+  </documentManagement>
+</p:properties>
 </file>
 
-<file path=customXml/itemProps3.xml><?xml version="1.0" encoding="utf-8"?>
+<file path=customXml/itemProps1.xml><?xml version="1.0" encoding="utf-8"?>
 <ds:datastoreItem xmlns:ds="http://schemas.openxmlformats.org/officeDocument/2006/customXml" ds:itemID="{A7C0B241-13E5-418D-8920-D23491E2D2C0}">
   <ds:schemaRefs>
     <ds:schemaRef ds:uri="http://schemas.microsoft.com/office/2006/metadata/contentType"/>
@@ -21652,4 +21644,22 @@
     <ds:schemaRef ds:uri="http://schemas.microsoft.com/internal/obd"/>
   </ds:schemaRefs>
 </ds:datastoreItem>
+</file>
+
+<file path=customXml/itemProps2.xml><?xml version="1.0" encoding="utf-8"?>
+<ds:datastoreItem xmlns:ds="http://schemas.openxmlformats.org/officeDocument/2006/customXml" ds:itemID="{B579702B-25C7-40D7-9E29-7686B11A9660}">
+  <ds:schemaRefs>
+    <ds:schemaRef ds:uri="http://schemas.microsoft.com/sharepoint/v3/contenttype/forms"/>
+  </ds:schemaRefs>
+</ds:datastoreItem>
+</file>
+
+<file path=customXml/itemProps3.xml><?xml version="1.0" encoding="utf-8"?>
+<ds:datastoreItem xmlns:ds="http://schemas.openxmlformats.org/officeDocument/2006/customXml" ds:itemID="{E7866CFD-F94E-4AE5-ACEA-86FEC0F48A10}">
+  <ds:schemaRefs>
+    <ds:schemaRef ds:uri="http://schemas.microsoft.com/office/2006/metadata/properties"/>
+    <ds:schemaRef ds:uri="http://schemas.microsoft.com/office/infopath/2007/PartnerControls"/>
+    <ds:schemaRef ds:uri="71af3243-3dd4-4a8d-8c0d-dd76da1f02a5"/>
+  </ds:schemaRefs>
+</ds:datastoreItem>
 </file>
--- a/docs/Honors Thesis Presentation.pptx
+++ b/docs/Honors Thesis Presentation.pptx
@@ -5,10 +5,10 @@
     <p:sldMasterId id="2147483648" r:id="rId4"/>
   </p:sldMasterIdLst>
   <p:notesMasterIdLst>
-    <p:notesMasterId r:id="rId37"/>
+    <p:notesMasterId r:id="rId35"/>
   </p:notesMasterIdLst>
   <p:handoutMasterIdLst>
-    <p:handoutMasterId r:id="rId38"/>
+    <p:handoutMasterId r:id="rId36"/>
   </p:handoutMasterIdLst>
   <p:sldIdLst>
     <p:sldId id="256" r:id="rId5"/>
@@ -33,16 +33,14 @@
     <p:sldId id="287" r:id="rId24"/>
     <p:sldId id="302" r:id="rId25"/>
     <p:sldId id="303" r:id="rId26"/>
-    <p:sldId id="288" r:id="rId27"/>
-    <p:sldId id="261" r:id="rId28"/>
-    <p:sldId id="262" r:id="rId29"/>
-    <p:sldId id="283" r:id="rId30"/>
-    <p:sldId id="264" r:id="rId31"/>
-    <p:sldId id="266" r:id="rId32"/>
-    <p:sldId id="284" r:id="rId33"/>
-    <p:sldId id="269" r:id="rId34"/>
-    <p:sldId id="268" r:id="rId35"/>
-    <p:sldId id="285" r:id="rId36"/>
+    <p:sldId id="305" r:id="rId27"/>
+    <p:sldId id="306" r:id="rId28"/>
+    <p:sldId id="304" r:id="rId29"/>
+    <p:sldId id="288" r:id="rId30"/>
+    <p:sldId id="261" r:id="rId31"/>
+    <p:sldId id="307" r:id="rId32"/>
+    <p:sldId id="269" r:id="rId33"/>
+    <p:sldId id="268" r:id="rId34"/>
   </p:sldIdLst>
   <p:sldSz cx="12192000" cy="6858000"/>
   <p:notesSz cx="6858000" cy="9144000"/>
@@ -161,917 +159,6 @@
     </p:ext>
   </p:extLst>
 </p:presentation>
-</file>
-
-<file path=ppt/charts/chart1.xml><?xml version="1.0" encoding="utf-8"?>
-<c:chartSpace xmlns:c="http://schemas.openxmlformats.org/drawingml/2006/chart" xmlns:a="http://schemas.openxmlformats.org/drawingml/2006/main" xmlns:r="http://schemas.openxmlformats.org/officeDocument/2006/relationships" xmlns:c16r2="http://schemas.microsoft.com/office/drawing/2015/06/chart">
-  <c:date1904 val="0"/>
-  <c:lang val="en-US"/>
-  <c:roundedCorners val="0"/>
-  <mc:AlternateContent xmlns:mc="http://schemas.openxmlformats.org/markup-compatibility/2006">
-    <mc:Choice xmlns:c14="http://schemas.microsoft.com/office/drawing/2007/8/2/chart" Requires="c14">
-      <c14:style val="102"/>
-    </mc:Choice>
-    <mc:Fallback>
-      <c:style val="2"/>
-    </mc:Fallback>
-  </mc:AlternateContent>
-  <c:chart>
-    <c:autoTitleDeleted val="1"/>
-    <c:plotArea>
-      <c:layout/>
-      <c:barChart>
-        <c:barDir val="col"/>
-        <c:grouping val="clustered"/>
-        <c:varyColors val="0"/>
-        <c:ser>
-          <c:idx val="0"/>
-          <c:order val="0"/>
-          <c:tx>
-            <c:strRef>
-              <c:f>Sheet1!$B$1</c:f>
-              <c:strCache>
-                <c:ptCount val="1"/>
-                <c:pt idx="0">
-                  <c:v>Series 1</c:v>
-                </c:pt>
-              </c:strCache>
-            </c:strRef>
-          </c:tx>
-          <c:spPr>
-            <a:solidFill>
-              <a:schemeClr val="accent3"/>
-            </a:solidFill>
-            <a:ln>
-              <a:noFill/>
-            </a:ln>
-            <a:effectLst/>
-          </c:spPr>
-          <c:invertIfNegative val="0"/>
-          <c:dPt>
-            <c:idx val="1"/>
-            <c:invertIfNegative val="0"/>
-            <c:bubble3D val="0"/>
-            <c:spPr>
-              <a:pattFill prst="ltUpDiag">
-                <a:fgClr>
-                  <a:schemeClr val="accent1">
-                    <a:lumMod val="50000"/>
-                  </a:schemeClr>
-                </a:fgClr>
-                <a:bgClr>
-                  <a:schemeClr val="accent6"/>
-                </a:bgClr>
-              </a:pattFill>
-              <a:ln w="12700">
-                <a:solidFill>
-                  <a:schemeClr val="accent6">
-                    <a:lumMod val="60000"/>
-                    <a:lumOff val="40000"/>
-                  </a:schemeClr>
-                </a:solidFill>
-              </a:ln>
-              <a:effectLst/>
-            </c:spPr>
-            <c:extLst>
-              <c:ext xmlns:c16="http://schemas.microsoft.com/office/drawing/2014/chart" uri="{C3380CC4-5D6E-409C-BE32-E72D297353CC}">
-                <c16:uniqueId val="{00000001-73FB-9843-92B3-91A80E32B7C5}"/>
-              </c:ext>
-            </c:extLst>
-          </c:dPt>
-          <c:dPt>
-            <c:idx val="2"/>
-            <c:invertIfNegative val="0"/>
-            <c:bubble3D val="0"/>
-            <c:spPr>
-              <a:pattFill prst="ltUpDiag">
-                <a:fgClr>
-                  <a:schemeClr val="accent1">
-                    <a:lumMod val="50000"/>
-                  </a:schemeClr>
-                </a:fgClr>
-                <a:bgClr>
-                  <a:schemeClr val="accent3"/>
-                </a:bgClr>
-              </a:pattFill>
-              <a:ln w="12700">
-                <a:solidFill>
-                  <a:schemeClr val="accent3">
-                    <a:lumMod val="60000"/>
-                    <a:lumOff val="40000"/>
-                  </a:schemeClr>
-                </a:solidFill>
-              </a:ln>
-              <a:effectLst/>
-            </c:spPr>
-            <c:extLst>
-              <c:ext xmlns:c16="http://schemas.microsoft.com/office/drawing/2014/chart" uri="{C3380CC4-5D6E-409C-BE32-E72D297353CC}">
-                <c16:uniqueId val="{00000007-73FB-9843-92B3-91A80E32B7C5}"/>
-              </c:ext>
-            </c:extLst>
-          </c:dPt>
-          <c:dPt>
-            <c:idx val="3"/>
-            <c:invertIfNegative val="0"/>
-            <c:bubble3D val="0"/>
-            <c:spPr>
-              <a:pattFill prst="ltUpDiag">
-                <a:fgClr>
-                  <a:schemeClr val="accent1">
-                    <a:lumMod val="50000"/>
-                  </a:schemeClr>
-                </a:fgClr>
-                <a:bgClr>
-                  <a:schemeClr val="accent1">
-                    <a:lumMod val="60000"/>
-                    <a:lumOff val="40000"/>
-                  </a:schemeClr>
-                </a:bgClr>
-              </a:pattFill>
-              <a:ln w="12700">
-                <a:solidFill>
-                  <a:schemeClr val="accent1">
-                    <a:lumMod val="40000"/>
-                    <a:lumOff val="60000"/>
-                  </a:schemeClr>
-                </a:solidFill>
-              </a:ln>
-              <a:effectLst/>
-            </c:spPr>
-            <c:extLst>
-              <c:ext xmlns:c16="http://schemas.microsoft.com/office/drawing/2014/chart" uri="{C3380CC4-5D6E-409C-BE32-E72D297353CC}">
-                <c16:uniqueId val="{00000003-73FB-9843-92B3-91A80E32B7C5}"/>
-              </c:ext>
-            </c:extLst>
-          </c:dPt>
-          <c:dPt>
-            <c:idx val="4"/>
-            <c:invertIfNegative val="0"/>
-            <c:bubble3D val="0"/>
-            <c:spPr>
-              <a:pattFill prst="ltUpDiag">
-                <a:fgClr>
-                  <a:schemeClr val="accent1">
-                    <a:lumMod val="50000"/>
-                  </a:schemeClr>
-                </a:fgClr>
-                <a:bgClr>
-                  <a:schemeClr val="accent2"/>
-                </a:bgClr>
-              </a:pattFill>
-              <a:ln w="12700">
-                <a:solidFill>
-                  <a:schemeClr val="accent2">
-                    <a:lumMod val="60000"/>
-                    <a:lumOff val="40000"/>
-                  </a:schemeClr>
-                </a:solidFill>
-              </a:ln>
-              <a:effectLst/>
-            </c:spPr>
-            <c:extLst>
-              <c:ext xmlns:c16="http://schemas.microsoft.com/office/drawing/2014/chart" uri="{C3380CC4-5D6E-409C-BE32-E72D297353CC}">
-                <c16:uniqueId val="{00000005-73FB-9843-92B3-91A80E32B7C5}"/>
-              </c:ext>
-            </c:extLst>
-          </c:dPt>
-          <c:cat>
-            <c:strRef>
-              <c:f>Sheet1!$A$2:$A$6</c:f>
-              <c:strCache>
-                <c:ptCount val="5"/>
-                <c:pt idx="0">
-                  <c:v>20YY</c:v>
-                </c:pt>
-                <c:pt idx="1">
-                  <c:v>20YY</c:v>
-                </c:pt>
-                <c:pt idx="2">
-                  <c:v>20YY</c:v>
-                </c:pt>
-                <c:pt idx="3">
-                  <c:v>20YY</c:v>
-                </c:pt>
-                <c:pt idx="4">
-                  <c:v>20YY</c:v>
-                </c:pt>
-              </c:strCache>
-            </c:strRef>
-          </c:cat>
-          <c:val>
-            <c:numRef>
-              <c:f>Sheet1!$B$2:$B$6</c:f>
-              <c:numCache>
-                <c:formatCode>[$$-409]#,##0</c:formatCode>
-                <c:ptCount val="5"/>
-                <c:pt idx="0">
-                  <c:v>0</c:v>
-                </c:pt>
-                <c:pt idx="1">
-                  <c:v>6750</c:v>
-                </c:pt>
-                <c:pt idx="2">
-                  <c:v>33750</c:v>
-                </c:pt>
-                <c:pt idx="3">
-                  <c:v>135000</c:v>
-                </c:pt>
-                <c:pt idx="4">
-                  <c:v>270000</c:v>
-                </c:pt>
-              </c:numCache>
-            </c:numRef>
-          </c:val>
-          <c:extLst>
-            <c:ext xmlns:c16="http://schemas.microsoft.com/office/drawing/2014/chart" uri="{C3380CC4-5D6E-409C-BE32-E72D297353CC}">
-              <c16:uniqueId val="{00000006-73FB-9843-92B3-91A80E32B7C5}"/>
-            </c:ext>
-          </c:extLst>
-        </c:ser>
-        <c:dLbls>
-          <c:showLegendKey val="0"/>
-          <c:showVal val="0"/>
-          <c:showCatName val="0"/>
-          <c:showSerName val="0"/>
-          <c:showPercent val="0"/>
-          <c:showBubbleSize val="0"/>
-        </c:dLbls>
-        <c:gapWidth val="24"/>
-        <c:axId val="1000041416"/>
-        <c:axId val="1000041744"/>
-      </c:barChart>
-      <c:catAx>
-        <c:axId val="1000041416"/>
-        <c:scaling>
-          <c:orientation val="minMax"/>
-        </c:scaling>
-        <c:delete val="0"/>
-        <c:axPos val="b"/>
-        <c:numFmt formatCode="General" sourceLinked="1"/>
-        <c:majorTickMark val="none"/>
-        <c:minorTickMark val="none"/>
-        <c:tickLblPos val="nextTo"/>
-        <c:spPr>
-          <a:noFill/>
-          <a:ln w="9525" cap="flat" cmpd="sng" algn="ctr">
-            <a:solidFill>
-              <a:schemeClr val="tx1">
-                <a:lumMod val="15000"/>
-                <a:lumOff val="85000"/>
-              </a:schemeClr>
-            </a:solidFill>
-            <a:round/>
-          </a:ln>
-          <a:effectLst/>
-        </c:spPr>
-        <c:txPr>
-          <a:bodyPr rot="-60000000" spcFirstLastPara="1" vertOverflow="ellipsis" vert="horz" wrap="square" anchor="ctr" anchorCtr="1"/>
-          <a:lstStyle/>
-          <a:p>
-            <a:pPr>
-              <a:defRPr sz="1197" b="0" i="0" u="none" strike="noStrike" kern="1200" baseline="0">
-                <a:solidFill>
-                  <a:schemeClr val="bg1"/>
-                </a:solidFill>
-                <a:latin typeface="+mn-lt"/>
-                <a:ea typeface="+mn-ea"/>
-                <a:cs typeface="+mn-cs"/>
-              </a:defRPr>
-            </a:pPr>
-            <a:endParaRPr lang="en-US"/>
-          </a:p>
-        </c:txPr>
-        <c:crossAx val="1000041744"/>
-        <c:crosses val="autoZero"/>
-        <c:auto val="1"/>
-        <c:lblAlgn val="ctr"/>
-        <c:lblOffset val="100"/>
-        <c:noMultiLvlLbl val="0"/>
-      </c:catAx>
-      <c:valAx>
-        <c:axId val="1000041744"/>
-        <c:scaling>
-          <c:orientation val="minMax"/>
-        </c:scaling>
-        <c:delete val="0"/>
-        <c:axPos val="l"/>
-        <c:numFmt formatCode="[$$-409]#,##0" sourceLinked="1"/>
-        <c:majorTickMark val="none"/>
-        <c:minorTickMark val="none"/>
-        <c:tickLblPos val="nextTo"/>
-        <c:spPr>
-          <a:noFill/>
-          <a:ln>
-            <a:noFill/>
-          </a:ln>
-          <a:effectLst/>
-        </c:spPr>
-        <c:txPr>
-          <a:bodyPr rot="-60000000" spcFirstLastPara="1" vertOverflow="ellipsis" vert="horz" wrap="square" anchor="ctr" anchorCtr="1"/>
-          <a:lstStyle/>
-          <a:p>
-            <a:pPr>
-              <a:defRPr sz="1197" b="0" i="0" u="none" strike="noStrike" kern="1200" baseline="0">
-                <a:solidFill>
-                  <a:schemeClr val="bg1"/>
-                </a:solidFill>
-                <a:latin typeface="+mn-lt"/>
-                <a:ea typeface="+mn-ea"/>
-                <a:cs typeface="+mn-cs"/>
-              </a:defRPr>
-            </a:pPr>
-            <a:endParaRPr lang="en-US"/>
-          </a:p>
-        </c:txPr>
-        <c:crossAx val="1000041416"/>
-        <c:crosses val="autoZero"/>
-        <c:crossBetween val="between"/>
-      </c:valAx>
-      <c:spPr>
-        <a:noFill/>
-        <a:ln>
-          <a:noFill/>
-        </a:ln>
-        <a:effectLst/>
-      </c:spPr>
-    </c:plotArea>
-    <c:plotVisOnly val="1"/>
-    <c:dispBlanksAs val="gap"/>
-    <c:extLst>
-      <c:ext xmlns:c16r3="http://schemas.microsoft.com/office/drawing/2017/03/chart" uri="{56B9EC1D-385E-4148-901F-78D8002777C0}">
-        <c16r3:dataDisplayOptions16>
-          <c16r3:dispNaAsBlank val="1"/>
-        </c16r3:dataDisplayOptions16>
-      </c:ext>
-    </c:extLst>
-    <c:showDLblsOverMax val="0"/>
-  </c:chart>
-  <c:spPr>
-    <a:noFill/>
-    <a:ln>
-      <a:noFill/>
-    </a:ln>
-    <a:effectLst/>
-  </c:spPr>
-  <c:txPr>
-    <a:bodyPr/>
-    <a:lstStyle/>
-    <a:p>
-      <a:pPr>
-        <a:defRPr>
-          <a:latin typeface="+mn-lt"/>
-        </a:defRPr>
-      </a:pPr>
-      <a:endParaRPr lang="en-US"/>
-    </a:p>
-  </c:txPr>
-  <c:externalData r:id="rId3">
-    <c:autoUpdate val="0"/>
-  </c:externalData>
-</c:chartSpace>
-</file>
-
-<file path=ppt/charts/colors1.xml><?xml version="1.0" encoding="utf-8"?>
-<cs:colorStyle xmlns:cs="http://schemas.microsoft.com/office/drawing/2012/chartStyle" xmlns:a="http://schemas.openxmlformats.org/drawingml/2006/main" meth="cycle" id="10">
-  <a:schemeClr val="accent1"/>
-  <a:schemeClr val="accent2"/>
-  <a:schemeClr val="accent3"/>
-  <a:schemeClr val="accent4"/>
-  <a:schemeClr val="accent5"/>
-  <a:schemeClr val="accent6"/>
-  <cs:variation/>
-  <cs:variation>
-    <a:lumMod val="60000"/>
-  </cs:variation>
-  <cs:variation>
-    <a:lumMod val="80000"/>
-    <a:lumOff val="20000"/>
-  </cs:variation>
-  <cs:variation>
-    <a:lumMod val="80000"/>
-  </cs:variation>
-  <cs:variation>
-    <a:lumMod val="60000"/>
-    <a:lumOff val="40000"/>
-  </cs:variation>
-  <cs:variation>
-    <a:lumMod val="50000"/>
-  </cs:variation>
-  <cs:variation>
-    <a:lumMod val="70000"/>
-    <a:lumOff val="30000"/>
-  </cs:variation>
-  <cs:variation>
-    <a:lumMod val="70000"/>
-  </cs:variation>
-  <cs:variation>
-    <a:lumMod val="50000"/>
-    <a:lumOff val="50000"/>
-  </cs:variation>
-</cs:colorStyle>
-</file>
-
-<file path=ppt/charts/style1.xml><?xml version="1.0" encoding="utf-8"?>
-<cs:chartStyle xmlns:cs="http://schemas.microsoft.com/office/drawing/2012/chartStyle" xmlns:a="http://schemas.openxmlformats.org/drawingml/2006/main" id="201">
-  <cs:axisTitle>
-    <cs:lnRef idx="0"/>
-    <cs:fillRef idx="0"/>
-    <cs:effectRef idx="0"/>
-    <cs:fontRef idx="minor">
-      <a:schemeClr val="tx1">
-        <a:lumMod val="65000"/>
-        <a:lumOff val="35000"/>
-      </a:schemeClr>
-    </cs:fontRef>
-    <cs:defRPr sz="1330" kern="1200"/>
-  </cs:axisTitle>
-  <cs:categoryAxis>
-    <cs:lnRef idx="0"/>
-    <cs:fillRef idx="0"/>
-    <cs:effectRef idx="0"/>
-    <cs:fontRef idx="minor">
-      <a:schemeClr val="tx1">
-        <a:lumMod val="65000"/>
-        <a:lumOff val="35000"/>
-      </a:schemeClr>
-    </cs:fontRef>
-    <cs:spPr>
-      <a:ln w="9525" cap="flat" cmpd="sng" algn="ctr">
-        <a:solidFill>
-          <a:schemeClr val="tx1">
-            <a:lumMod val="15000"/>
-            <a:lumOff val="85000"/>
-          </a:schemeClr>
-        </a:solidFill>
-        <a:round/>
-      </a:ln>
-    </cs:spPr>
-    <cs:defRPr sz="1197" kern="1200"/>
-  </cs:categoryAxis>
-  <cs:chartArea mods="allowNoFillOverride allowNoLineOverride">
-    <cs:lnRef idx="0"/>
-    <cs:fillRef idx="0"/>
-    <cs:effectRef idx="0"/>
-    <cs:fontRef idx="minor">
-      <a:schemeClr val="tx1"/>
-    </cs:fontRef>
-    <cs:spPr>
-      <a:solidFill>
-        <a:schemeClr val="bg1"/>
-      </a:solidFill>
-      <a:ln w="9525" cap="flat" cmpd="sng" algn="ctr">
-        <a:solidFill>
-          <a:schemeClr val="tx1">
-            <a:lumMod val="15000"/>
-            <a:lumOff val="85000"/>
-          </a:schemeClr>
-        </a:solidFill>
-        <a:round/>
-      </a:ln>
-    </cs:spPr>
-    <cs:defRPr sz="1330" kern="1200"/>
-  </cs:chartArea>
-  <cs:dataLabel>
-    <cs:lnRef idx="0"/>
-    <cs:fillRef idx="0"/>
-    <cs:effectRef idx="0"/>
-    <cs:fontRef idx="minor">
-      <a:schemeClr val="tx1">
-        <a:lumMod val="75000"/>
-        <a:lumOff val="25000"/>
-      </a:schemeClr>
-    </cs:fontRef>
-    <cs:defRPr sz="1197" kern="1200"/>
-  </cs:dataLabel>
-  <cs:dataLabelCallout>
-    <cs:lnRef idx="0"/>
-    <cs:fillRef idx="0"/>
-    <cs:effectRef idx="0"/>
-    <cs:fontRef idx="minor">
-      <a:schemeClr val="dk1">
-        <a:lumMod val="65000"/>
-        <a:lumOff val="35000"/>
-      </a:schemeClr>
-    </cs:fontRef>
-    <cs:spPr>
-      <a:solidFill>
-        <a:schemeClr val="lt1"/>
-      </a:solidFill>
-      <a:ln>
-        <a:solidFill>
-          <a:schemeClr val="dk1">
-            <a:lumMod val="25000"/>
-            <a:lumOff val="75000"/>
-          </a:schemeClr>
-        </a:solidFill>
-      </a:ln>
-    </cs:spPr>
-    <cs:defRPr sz="1197" kern="1200"/>
-    <cs:bodyPr rot="0" spcFirstLastPara="1" vertOverflow="clip" horzOverflow="clip" vert="horz" wrap="square" lIns="36576" tIns="18288" rIns="36576" bIns="18288" anchor="ctr" anchorCtr="1">
-      <a:spAutoFit/>
-    </cs:bodyPr>
-  </cs:dataLabelCallout>
-  <cs:dataPoint>
-    <cs:lnRef idx="0"/>
-    <cs:fillRef idx="1">
-      <cs:styleClr val="auto"/>
-    </cs:fillRef>
-    <cs:effectRef idx="0"/>
-    <cs:fontRef idx="minor">
-      <a:schemeClr val="tx1"/>
-    </cs:fontRef>
-  </cs:dataPoint>
-  <cs:dataPoint3D>
-    <cs:lnRef idx="0"/>
-    <cs:fillRef idx="1">
-      <cs:styleClr val="auto"/>
-    </cs:fillRef>
-    <cs:effectRef idx="0"/>
-    <cs:fontRef idx="minor">
-      <a:schemeClr val="tx1"/>
-    </cs:fontRef>
-  </cs:dataPoint3D>
-  <cs:dataPointLine>
-    <cs:lnRef idx="0">
-      <cs:styleClr val="auto"/>
-    </cs:lnRef>
-    <cs:fillRef idx="1"/>
-    <cs:effectRef idx="0"/>
-    <cs:fontRef idx="minor">
-      <a:schemeClr val="tx1"/>
-    </cs:fontRef>
-    <cs:spPr>
-      <a:ln w="28575" cap="rnd">
-        <a:solidFill>
-          <a:schemeClr val="phClr"/>
-        </a:solidFill>
-        <a:round/>
-      </a:ln>
-    </cs:spPr>
-  </cs:dataPointLine>
-  <cs:dataPointMarker>
-    <cs:lnRef idx="0">
-      <cs:styleClr val="auto"/>
-    </cs:lnRef>
-    <cs:fillRef idx="1">
-      <cs:styleClr val="auto"/>
-    </cs:fillRef>
-    <cs:effectRef idx="0"/>
-    <cs:fontRef idx="minor">
-      <a:schemeClr val="tx1"/>
-    </cs:fontRef>
-    <cs:spPr>
-      <a:ln w="9525">
-        <a:solidFill>
-          <a:schemeClr val="phClr"/>
-        </a:solidFill>
-      </a:ln>
-    </cs:spPr>
-  </cs:dataPointMarker>
-  <cs:dataPointMarkerLayout symbol="circle" size="5"/>
-  <cs:dataPointWireframe>
-    <cs:lnRef idx="0">
-      <cs:styleClr val="auto"/>
-    </cs:lnRef>
-    <cs:fillRef idx="1"/>
-    <cs:effectRef idx="0"/>
-    <cs:fontRef idx="minor">
-      <a:schemeClr val="tx1"/>
-    </cs:fontRef>
-    <cs:spPr>
-      <a:ln w="9525" cap="rnd">
-        <a:solidFill>
-          <a:schemeClr val="phClr"/>
-        </a:solidFill>
-        <a:round/>
-      </a:ln>
-    </cs:spPr>
-  </cs:dataPointWireframe>
-  <cs:dataTable>
-    <cs:lnRef idx="0"/>
-    <cs:fillRef idx="0"/>
-    <cs:effectRef idx="0"/>
-    <cs:fontRef idx="minor">
-      <a:schemeClr val="tx1">
-        <a:lumMod val="65000"/>
-        <a:lumOff val="35000"/>
-      </a:schemeClr>
-    </cs:fontRef>
-    <cs:spPr>
-      <a:noFill/>
-      <a:ln w="9525" cap="flat" cmpd="sng" algn="ctr">
-        <a:solidFill>
-          <a:schemeClr val="tx1">
-            <a:lumMod val="15000"/>
-            <a:lumOff val="85000"/>
-          </a:schemeClr>
-        </a:solidFill>
-        <a:round/>
-      </a:ln>
-    </cs:spPr>
-    <cs:defRPr sz="1197" kern="1200"/>
-  </cs:dataTable>
-  <cs:downBar>
-    <cs:lnRef idx="0"/>
-    <cs:fillRef idx="0"/>
-    <cs:effectRef idx="0"/>
-    <cs:fontRef idx="minor">
-      <a:schemeClr val="dk1"/>
-    </cs:fontRef>
-    <cs:spPr>
-      <a:solidFill>
-        <a:schemeClr val="dk1">
-          <a:lumMod val="65000"/>
-          <a:lumOff val="35000"/>
-        </a:schemeClr>
-      </a:solidFill>
-      <a:ln w="9525">
-        <a:solidFill>
-          <a:schemeClr val="tx1">
-            <a:lumMod val="65000"/>
-            <a:lumOff val="35000"/>
-          </a:schemeClr>
-        </a:solidFill>
-      </a:ln>
-    </cs:spPr>
-  </cs:downBar>
-  <cs:dropLine>
-    <cs:lnRef idx="0"/>
-    <cs:fillRef idx="0"/>
-    <cs:effectRef idx="0"/>
-    <cs:fontRef idx="minor">
-      <a:schemeClr val="tx1"/>
-    </cs:fontRef>
-    <cs:spPr>
-      <a:ln w="9525" cap="flat" cmpd="sng" algn="ctr">
-        <a:solidFill>
-          <a:schemeClr val="tx1">
-            <a:lumMod val="35000"/>
-            <a:lumOff val="65000"/>
-          </a:schemeClr>
-        </a:solidFill>
-        <a:round/>
-      </a:ln>
-    </cs:spPr>
-  </cs:dropLine>
-  <cs:errorBar>
-    <cs:lnRef idx="0"/>
-    <cs:fillRef idx="0"/>
-    <cs:effectRef idx="0"/>
-    <cs:fontRef idx="minor">
-      <a:schemeClr val="tx1"/>
-    </cs:fontRef>
-    <cs:spPr>
-      <a:ln w="9525" cap="flat" cmpd="sng" algn="ctr">
-        <a:solidFill>
-          <a:schemeClr val="tx1">
-            <a:lumMod val="65000"/>
-            <a:lumOff val="35000"/>
-          </a:schemeClr>
-        </a:solidFill>
-        <a:round/>
-      </a:ln>
-    </cs:spPr>
-  </cs:errorBar>
-  <cs:floor>
-    <cs:lnRef idx="0"/>
-    <cs:fillRef idx="0"/>
-    <cs:effectRef idx="0"/>
-    <cs:fontRef idx="minor">
-      <a:schemeClr val="tx1"/>
-    </cs:fontRef>
-    <cs:spPr>
-      <a:noFill/>
-      <a:ln>
-        <a:noFill/>
-      </a:ln>
-    </cs:spPr>
-  </cs:floor>
-  <cs:gridlineMajor>
-    <cs:lnRef idx="0"/>
-    <cs:fillRef idx="0"/>
-    <cs:effectRef idx="0"/>
-    <cs:fontRef idx="minor">
-      <a:schemeClr val="tx1"/>
-    </cs:fontRef>
-    <cs:spPr>
-      <a:ln w="9525" cap="flat" cmpd="sng" algn="ctr">
-        <a:solidFill>
-          <a:schemeClr val="tx1">
-            <a:lumMod val="15000"/>
-            <a:lumOff val="85000"/>
-          </a:schemeClr>
-        </a:solidFill>
-        <a:round/>
-      </a:ln>
-    </cs:spPr>
-  </cs:gridlineMajor>
-  <cs:gridlineMinor>
-    <cs:lnRef idx="0"/>
-    <cs:fillRef idx="0"/>
-    <cs:effectRef idx="0"/>
-    <cs:fontRef idx="minor">
-      <a:schemeClr val="tx1"/>
-    </cs:fontRef>
-    <cs:spPr>
-      <a:ln w="9525" cap="flat" cmpd="sng" algn="ctr">
-        <a:solidFill>
-          <a:schemeClr val="tx1">
-            <a:lumMod val="5000"/>
-            <a:lumOff val="95000"/>
-          </a:schemeClr>
-        </a:solidFill>
-        <a:round/>
-      </a:ln>
-    </cs:spPr>
-  </cs:gridlineMinor>
-  <cs:hiLoLine>
-    <cs:lnRef idx="0"/>
-    <cs:fillRef idx="0"/>
-    <cs:effectRef idx="0"/>
-    <cs:fontRef idx="minor">
-      <a:schemeClr val="tx1"/>
-    </cs:fontRef>
-    <cs:spPr>
-      <a:ln w="9525" cap="flat" cmpd="sng" algn="ctr">
-        <a:solidFill>
-          <a:schemeClr val="tx1">
-            <a:lumMod val="75000"/>
-            <a:lumOff val="25000"/>
-          </a:schemeClr>
-        </a:solidFill>
-        <a:round/>
-      </a:ln>
-    </cs:spPr>
-  </cs:hiLoLine>
-  <cs:leaderLine>
-    <cs:lnRef idx="0"/>
-    <cs:fillRef idx="0"/>
-    <cs:effectRef idx="0"/>
-    <cs:fontRef idx="minor">
-      <a:schemeClr val="tx1"/>
-    </cs:fontRef>
-    <cs:spPr>
-      <a:ln w="9525" cap="flat" cmpd="sng" algn="ctr">
-        <a:solidFill>
-          <a:schemeClr val="tx1">
-            <a:lumMod val="35000"/>
-            <a:lumOff val="65000"/>
-          </a:schemeClr>
-        </a:solidFill>
-        <a:round/>
-      </a:ln>
-    </cs:spPr>
-  </cs:leaderLine>
-  <cs:legend>
-    <cs:lnRef idx="0"/>
-    <cs:fillRef idx="0"/>
-    <cs:effectRef idx="0"/>
-    <cs:fontRef idx="minor">
-      <a:schemeClr val="tx1">
-        <a:lumMod val="65000"/>
-        <a:lumOff val="35000"/>
-      </a:schemeClr>
-    </cs:fontRef>
-    <cs:defRPr sz="1197" kern="1200"/>
-  </cs:legend>
-  <cs:plotArea mods="allowNoFillOverride allowNoLineOverride">
-    <cs:lnRef idx="0"/>
-    <cs:fillRef idx="0"/>
-    <cs:effectRef idx="0"/>
-    <cs:fontRef idx="minor">
-      <a:schemeClr val="tx1"/>
-    </cs:fontRef>
-  </cs:plotArea>
-  <cs:plotArea3D mods="allowNoFillOverride allowNoLineOverride">
-    <cs:lnRef idx="0"/>
-    <cs:fillRef idx="0"/>
-    <cs:effectRef idx="0"/>
-    <cs:fontRef idx="minor">
-      <a:schemeClr val="tx1"/>
-    </cs:fontRef>
-  </cs:plotArea3D>
-  <cs:seriesAxis>
-    <cs:lnRef idx="0"/>
-    <cs:fillRef idx="0"/>
-    <cs:effectRef idx="0"/>
-    <cs:fontRef idx="minor">
-      <a:schemeClr val="tx1">
-        <a:lumMod val="65000"/>
-        <a:lumOff val="35000"/>
-      </a:schemeClr>
-    </cs:fontRef>
-    <cs:defRPr sz="1197" kern="1200"/>
-  </cs:seriesAxis>
-  <cs:seriesLine>
-    <cs:lnRef idx="0"/>
-    <cs:fillRef idx="0"/>
-    <cs:effectRef idx="0"/>
-    <cs:fontRef idx="minor">
-      <a:schemeClr val="tx1"/>
-    </cs:fontRef>
-    <cs:spPr>
-      <a:ln w="9525" cap="flat" cmpd="sng" algn="ctr">
-        <a:solidFill>
-          <a:schemeClr val="tx1">
-            <a:lumMod val="35000"/>
-            <a:lumOff val="65000"/>
-          </a:schemeClr>
-        </a:solidFill>
-        <a:round/>
-      </a:ln>
-    </cs:spPr>
-  </cs:seriesLine>
-  <cs:title>
-    <cs:lnRef idx="0"/>
-    <cs:fillRef idx="0"/>
-    <cs:effectRef idx="0"/>
-    <cs:fontRef idx="minor">
-      <a:schemeClr val="tx1">
-        <a:lumMod val="65000"/>
-        <a:lumOff val="35000"/>
-      </a:schemeClr>
-    </cs:fontRef>
-    <cs:defRPr sz="1862" b="0" kern="1200" spc="0" baseline="0"/>
-  </cs:title>
-  <cs:trendline>
-    <cs:lnRef idx="0">
-      <cs:styleClr val="auto"/>
-    </cs:lnRef>
-    <cs:fillRef idx="0"/>
-    <cs:effectRef idx="0"/>
-    <cs:fontRef idx="minor">
-      <a:schemeClr val="tx1"/>
-    </cs:fontRef>
-    <cs:spPr>
-      <a:ln w="19050" cap="rnd">
-        <a:solidFill>
-          <a:schemeClr val="phClr"/>
-        </a:solidFill>
-        <a:prstDash val="sysDot"/>
-      </a:ln>
-    </cs:spPr>
-  </cs:trendline>
-  <cs:trendlineLabel>
-    <cs:lnRef idx="0"/>
-    <cs:fillRef idx="0"/>
-    <cs:effectRef idx="0"/>
-    <cs:fontRef idx="minor">
-      <a:schemeClr val="tx1">
-        <a:lumMod val="65000"/>
-        <a:lumOff val="35000"/>
-      </a:schemeClr>
-    </cs:fontRef>
-    <cs:defRPr sz="1197" kern="1200"/>
-  </cs:trendlineLabel>
-  <cs:upBar>
-    <cs:lnRef idx="0"/>
-    <cs:fillRef idx="0"/>
-    <cs:effectRef idx="0"/>
-    <cs:fontRef idx="minor">
-      <a:schemeClr val="dk1"/>
-    </cs:fontRef>
-    <cs:spPr>
-      <a:solidFill>
-        <a:schemeClr val="lt1"/>
-      </a:solidFill>
-      <a:ln w="9525">
-        <a:solidFill>
-          <a:schemeClr val="tx1">
-            <a:lumMod val="15000"/>
-            <a:lumOff val="85000"/>
-          </a:schemeClr>
-        </a:solidFill>
-      </a:ln>
-    </cs:spPr>
-  </cs:upBar>
-  <cs:valueAxis>
-    <cs:lnRef idx="0"/>
-    <cs:fillRef idx="0"/>
-    <cs:effectRef idx="0"/>
-    <cs:fontRef idx="minor">
-      <a:schemeClr val="tx1">
-        <a:lumMod val="65000"/>
-        <a:lumOff val="35000"/>
-      </a:schemeClr>
-    </cs:fontRef>
-    <cs:defRPr sz="1197" kern="1200"/>
-  </cs:valueAxis>
-  <cs:wall>
-    <cs:lnRef idx="0"/>
-    <cs:fillRef idx="0"/>
-    <cs:effectRef idx="0"/>
-    <cs:fontRef idx="minor">
-      <a:schemeClr val="tx1"/>
-    </cs:fontRef>
-    <cs:spPr>
-      <a:noFill/>
-      <a:ln>
-        <a:noFill/>
-      </a:ln>
-    </cs:spPr>
-  </cs:wall>
-</cs:chartStyle>
 </file>
 
 <file path=ppt/handoutMasters/handoutMaster1.xml><?xml version="1.0" encoding="utf-8"?>
@@ -28647,7 +27734,7 @@
         </p:spPr>
         <p:txBody>
           <a:bodyPr>
-            <a:normAutofit/>
+            <a:normAutofit fontScale="92500" lnSpcReduction="10000"/>
           </a:bodyPr>
           <a:lstStyle/>
           <a:p>
@@ -28668,6 +27755,25 @@
             <a:r>
               <a:rPr lang="en-US" dirty="0"/>
               <a:t>Data is loaded in and passed through a vectorizer, with tweets being turned into “bags of words.” </a:t>
+            </a:r>
+          </a:p>
+          <a:p>
+            <a:pPr lvl="1"/>
+            <a:r>
+              <a:rPr lang="en-US" dirty="0"/>
+              <a:t>How do the words used in one tweet relate to words used in another tweet? What frequency are terms used in?</a:t>
+            </a:r>
+          </a:p>
+          <a:p>
+            <a:r>
+              <a:rPr lang="en-US" dirty="0"/>
+              <a:t>These results are concatenated with the data from the sentiment analysis chain and combined into training and testing datasets.</a:t>
+            </a:r>
+          </a:p>
+          <a:p>
+            <a:r>
+              <a:rPr lang="en-US" dirty="0"/>
+              <a:t>Models loaded from the XGBoost library, which has the “best” tuned XGB Regression model, and Sci-Kit Learn, the most popular and well known Python library for data science. </a:t>
             </a:r>
           </a:p>
           <a:p>
@@ -28898,7 +28004,7 @@
           <a:p>
             <a:r>
               <a:rPr lang="en-US" dirty="0"/>
-              <a:t>Results</a:t>
+              <a:t>Results &amp; Thoughts</a:t>
             </a:r>
           </a:p>
         </p:txBody>
@@ -29067,10 +28173,159 @@
           <a:bodyPr/>
           <a:lstStyle/>
           <a:p>
-            <a:endParaRPr lang="en-US"/>
+            <a:r>
+              <a:rPr lang="en-US" dirty="0"/>
+              <a:t>Naïve Bayes</a:t>
+            </a:r>
+          </a:p>
+          <a:p>
+            <a:pPr lvl="1"/>
+            <a:r>
+              <a:rPr lang="en-US" dirty="0"/>
+              <a:t>Smaller training and testing dataset than other models, so data and accuracy may be slightly skewed. </a:t>
+            </a:r>
+          </a:p>
+          <a:p>
+            <a:pPr lvl="1"/>
+            <a:r>
+              <a:rPr lang="en-US" dirty="0"/>
+              <a:t>~80% accuracy based on tweet text and party alone.</a:t>
+            </a:r>
+          </a:p>
+          <a:p>
+            <a:r>
+              <a:rPr lang="en-US" dirty="0"/>
+              <a:t>XGBoost Regressor</a:t>
+            </a:r>
+          </a:p>
+          <a:p>
+            <a:pPr lvl="1"/>
+            <a:r>
+              <a:rPr lang="en-US" dirty="0"/>
+              <a:t>Larger training dataset by ~3,500 tweets, but slightly smaller (~700) testing dataset. </a:t>
+            </a:r>
+          </a:p>
+          <a:p>
+            <a:pPr lvl="1"/>
+            <a:r>
+              <a:rPr lang="en-US" dirty="0"/>
+              <a:t>73.77% Accuracy Level</a:t>
+            </a:r>
+          </a:p>
+          <a:p>
+            <a:pPr lvl="1"/>
+            <a:r>
+              <a:rPr lang="en-US" dirty="0"/>
+              <a:t>Extremely slight edge in Republican predictions. </a:t>
+            </a:r>
+          </a:p>
+          <a:p>
+            <a:r>
+              <a:rPr lang="en-US" dirty="0"/>
+              <a:t>Logistic Regressor </a:t>
+            </a:r>
+          </a:p>
+          <a:p>
+            <a:pPr lvl="1"/>
+            <a:r>
+              <a:rPr lang="en-US" dirty="0"/>
+              <a:t>Same datasets as XGBoost model. </a:t>
+            </a:r>
+          </a:p>
+          <a:p>
+            <a:pPr lvl="1"/>
+            <a:r>
+              <a:rPr lang="en-US" dirty="0"/>
+              <a:t>76.21% Accuracy Level</a:t>
+            </a:r>
+          </a:p>
+          <a:p>
+            <a:pPr lvl="1"/>
+            <a:r>
+              <a:rPr lang="en-US" dirty="0"/>
+              <a:t>Higher accuracy a result of better predictions when looking at Democrats, while both models had similar accuracies for Republicans. </a:t>
+            </a:r>
           </a:p>
         </p:txBody>
       </p:sp>
+      <p:pic>
+        <p:nvPicPr>
+          <p:cNvPr id="5" name="Picture 4" descr="Chart, bar chart&#10;&#10;Description automatically generated">
+            <a:extLst>
+              <a:ext uri="{FF2B5EF4-FFF2-40B4-BE49-F238E27FC236}">
+                <a16:creationId xmlns:a16="http://schemas.microsoft.com/office/drawing/2014/main" id="{86BA30EE-E1E8-4F83-A735-6FFC6A570F84}"/>
+              </a:ext>
+            </a:extLst>
+          </p:cNvPr>
+          <p:cNvPicPr/>
+          <p:nvPr/>
+        </p:nvPicPr>
+        <p:blipFill>
+          <a:blip r:embed="rId2">
+            <a:extLst>
+              <a:ext uri="{28A0092B-C50C-407E-A947-70E740481C1C}">
+                <a14:useLocalDpi xmlns:a14="http://schemas.microsoft.com/office/drawing/2010/main" val="0"/>
+              </a:ext>
+            </a:extLst>
+          </a:blip>
+          <a:stretch>
+            <a:fillRect/>
+          </a:stretch>
+        </p:blipFill>
+        <p:spPr>
+          <a:xfrm>
+            <a:off x="7828915" y="299919"/>
+            <a:ext cx="3829684" cy="2886075"/>
+          </a:xfrm>
+          <a:prstGeom prst="rect">
+            <a:avLst/>
+          </a:prstGeom>
+          <a:ln>
+            <a:solidFill>
+              <a:schemeClr val="tx1"/>
+            </a:solidFill>
+          </a:ln>
+        </p:spPr>
+      </p:pic>
+      <p:pic>
+        <p:nvPicPr>
+          <p:cNvPr id="6" name="Picture 5" descr="Chart, bar chart&#10;&#10;Description automatically generated">
+            <a:extLst>
+              <a:ext uri="{FF2B5EF4-FFF2-40B4-BE49-F238E27FC236}">
+                <a16:creationId xmlns:a16="http://schemas.microsoft.com/office/drawing/2014/main" id="{5AE02790-0141-4208-AD7B-01C0D0109A1D}"/>
+              </a:ext>
+            </a:extLst>
+          </p:cNvPr>
+          <p:cNvPicPr/>
+          <p:nvPr/>
+        </p:nvPicPr>
+        <p:blipFill>
+          <a:blip r:embed="rId3">
+            <a:extLst>
+              <a:ext uri="{28A0092B-C50C-407E-A947-70E740481C1C}">
+                <a14:useLocalDpi xmlns:a14="http://schemas.microsoft.com/office/drawing/2010/main" val="0"/>
+              </a:ext>
+            </a:extLst>
+          </a:blip>
+          <a:stretch>
+            <a:fillRect/>
+          </a:stretch>
+        </p:blipFill>
+        <p:spPr>
+          <a:xfrm>
+            <a:off x="7828915" y="3672006"/>
+            <a:ext cx="3829685" cy="3003550"/>
+          </a:xfrm>
+          <a:prstGeom prst="rect">
+            <a:avLst/>
+          </a:prstGeom>
+          <a:ln>
+            <a:solidFill>
+              <a:schemeClr val="tx1"/>
+            </a:solidFill>
+          </a:ln>
+        </p:spPr>
+      </p:pic>
     </p:spTree>
     <p:extLst>
       <p:ext uri="{BB962C8B-B14F-4D97-AF65-F5344CB8AC3E}">
@@ -29117,13 +28372,20 @@
             <p:ph type="title"/>
           </p:nvPr>
         </p:nvSpPr>
-        <p:spPr/>
+        <p:spPr>
+          <a:xfrm>
+            <a:off x="444500" y="542925"/>
+            <a:ext cx="11214100" cy="535531"/>
+          </a:xfrm>
+        </p:spPr>
         <p:txBody>
-          <a:bodyPr/>
+          <a:bodyPr wrap="square" anchor="t">
+            <a:normAutofit/>
+          </a:bodyPr>
           <a:lstStyle/>
           <a:p>
             <a:r>
-              <a:rPr lang="en-US"/>
+              <a:rPr lang="en-US" dirty="0"/>
               <a:t>Interface</a:t>
             </a:r>
           </a:p>
@@ -29145,17 +28407,33 @@
             <p:ph type="sldNum" sz="quarter" idx="12"/>
           </p:nvPr>
         </p:nvSpPr>
-        <p:spPr/>
+        <p:spPr>
+          <a:xfrm>
+            <a:off x="11252200" y="6315075"/>
+            <a:ext cx="406400" cy="365125"/>
+          </a:xfrm>
+        </p:spPr>
         <p:txBody>
-          <a:bodyPr/>
+          <a:bodyPr anchor="ctr">
+            <a:normAutofit/>
+          </a:bodyPr>
           <a:lstStyle/>
           <a:p>
+            <a:pPr>
+              <a:spcAft>
+                <a:spcPts val="600"/>
+              </a:spcAft>
+            </a:pPr>
             <a:fld id="{C263D6C4-4840-40CC-AC84-17E24B3B7BDE}" type="slidenum">
               <a:rPr lang="en-US" noProof="0" smtClean="0"/>
-              <a:pPr/>
+              <a:pPr>
+                <a:spcAft>
+                  <a:spcPts val="600"/>
+                </a:spcAft>
+              </a:pPr>
               <a:t>22</a:t>
             </a:fld>
-            <a:endParaRPr lang="en-US" noProof="0" dirty="0"/>
+            <a:endParaRPr lang="en-US" noProof="0"/>
           </a:p>
         </p:txBody>
       </p:sp>
@@ -29172,18 +28450,124 @@
             <a:spLocks noGrp="1"/>
           </p:cNvSpPr>
           <p:nvPr>
-            <p:ph type="body" sz="quarter" idx="13"/>
+            <p:ph sz="half" idx="1"/>
           </p:nvPr>
         </p:nvSpPr>
-        <p:spPr/>
+        <p:spPr>
+          <a:xfrm>
+            <a:off x="443365" y="1517715"/>
+            <a:ext cx="5184437" cy="4659248"/>
+          </a:xfrm>
+        </p:spPr>
         <p:txBody>
-          <a:bodyPr/>
+          <a:bodyPr>
+            <a:noAutofit/>
+          </a:bodyPr>
           <a:lstStyle/>
           <a:p>
-            <a:endParaRPr lang="en-US"/>
+            <a:r>
+              <a:rPr lang="en-US" sz="1570" dirty="0"/>
+              <a:t>Created to allow for duplication of results and testing on custom/newer sets of data.</a:t>
+            </a:r>
+          </a:p>
+          <a:p>
+            <a:r>
+              <a:rPr lang="en-US" sz="1570" dirty="0"/>
+              <a:t>Two “Key” Functions:</a:t>
+            </a:r>
+          </a:p>
+          <a:p>
+            <a:pPr lvl="1"/>
+            <a:r>
+              <a:rPr lang="en-US" sz="1570" dirty="0"/>
+              <a:t>Pipeline</a:t>
+            </a:r>
+          </a:p>
+          <a:p>
+            <a:pPr lvl="2"/>
+            <a:r>
+              <a:rPr lang="en-US" sz="1570" dirty="0"/>
+              <a:t>Steps through the entire pipeline process, regenerating new tweets from users, conducting sentiment analysis on them, and creating new logistic regressors and boosting models based on this data.</a:t>
+            </a:r>
+          </a:p>
+          <a:p>
+            <a:pPr lvl="1"/>
+            <a:r>
+              <a:rPr lang="en-US" sz="1570" dirty="0"/>
+              <a:t>Testing</a:t>
+            </a:r>
+          </a:p>
+          <a:p>
+            <a:pPr lvl="2"/>
+            <a:r>
+              <a:rPr lang="en-US" sz="1570" dirty="0"/>
+              <a:t>Allows users to test on “custom” tweets and sentences. </a:t>
+            </a:r>
+          </a:p>
+          <a:p>
+            <a:pPr lvl="2"/>
+            <a:r>
+              <a:rPr lang="en-US" sz="1570" dirty="0"/>
+              <a:t>Also allows users to test on Twitter accounts and their five latest tweets.</a:t>
+            </a:r>
+          </a:p>
+          <a:p>
+            <a:pPr lvl="2"/>
+            <a:r>
+              <a:rPr lang="en-US" sz="1570" dirty="0"/>
+              <a:t>Allows users to test on the models used in the results section, or use custom models generated through the aforementioned pipeline function.  </a:t>
+            </a:r>
           </a:p>
         </p:txBody>
       </p:sp>
+      <p:pic>
+        <p:nvPicPr>
+          <p:cNvPr id="11266" name="Picture 2" descr="Image result for interface">
+            <a:extLst>
+              <a:ext uri="{FF2B5EF4-FFF2-40B4-BE49-F238E27FC236}">
+                <a16:creationId xmlns:a16="http://schemas.microsoft.com/office/drawing/2014/main" id="{1F7C8692-4042-4B6B-A6C4-049A9BB3DB2C}"/>
+              </a:ext>
+            </a:extLst>
+          </p:cNvPr>
+          <p:cNvPicPr>
+            <a:picLocks noChangeAspect="1" noChangeArrowheads="1"/>
+          </p:cNvPicPr>
+          <p:nvPr/>
+        </p:nvPicPr>
+        <p:blipFill>
+          <a:blip r:embed="rId2">
+            <a:extLst>
+              <a:ext uri="{28A0092B-C50C-407E-A947-70E740481C1C}">
+                <a14:useLocalDpi xmlns:a14="http://schemas.microsoft.com/office/drawing/2010/main" val="0"/>
+              </a:ext>
+            </a:extLst>
+          </a:blip>
+          <a:stretch>
+            <a:fillRect/>
+          </a:stretch>
+        </p:blipFill>
+        <p:spPr bwMode="auto">
+          <a:xfrm>
+            <a:off x="6474163" y="1870394"/>
+            <a:ext cx="5184437" cy="3953889"/>
+          </a:xfrm>
+          <a:prstGeom prst="rect">
+            <a:avLst/>
+          </a:prstGeom>
+          <a:solidFill>
+            <a:srgbClr val="FFFFFF"/>
+          </a:solidFill>
+          <a:extLst>
+            <a:ext uri="{909E8E84-426E-40DD-AFC4-6F175D3DCCD1}">
+              <a14:hiddenFill xmlns:a14="http://schemas.microsoft.com/office/drawing/2010/main">
+                <a:solidFill>
+                  <a:srgbClr val="FFFFFF"/>
+                </a:solidFill>
+              </a14:hiddenFill>
+            </a:ext>
+          </a:extLst>
+        </p:spPr>
+      </p:pic>
     </p:spTree>
     <p:extLst>
       <p:ext uri="{BB962C8B-B14F-4D97-AF65-F5344CB8AC3E}">
@@ -29216,63 +28600,10 @@
       </p:grpSpPr>
       <p:sp>
         <p:nvSpPr>
-          <p:cNvPr id="2" name="Title 1">
+          <p:cNvPr id="2" name="Slide Number Placeholder 1">
             <a:extLst>
               <a:ext uri="{FF2B5EF4-FFF2-40B4-BE49-F238E27FC236}">
-                <a16:creationId xmlns:a16="http://schemas.microsoft.com/office/drawing/2014/main" id="{76CD0DC5-EEFB-42F3-BDC8-08D8A19BC02C}"/>
-              </a:ext>
-            </a:extLst>
-          </p:cNvPr>
-          <p:cNvSpPr>
-            <a:spLocks noGrp="1"/>
-          </p:cNvSpPr>
-          <p:nvPr>
-            <p:ph type="title"/>
-          </p:nvPr>
-        </p:nvSpPr>
-        <p:spPr/>
-        <p:txBody>
-          <a:bodyPr/>
-          <a:lstStyle/>
-          <a:p>
-            <a:r>
-              <a:rPr lang="en-US" dirty="0"/>
-              <a:t>Implications &amp; Ideas</a:t>
-            </a:r>
-          </a:p>
-        </p:txBody>
-      </p:sp>
-      <p:sp>
-        <p:nvSpPr>
-          <p:cNvPr id="3" name="Text Placeholder 2">
-            <a:extLst>
-              <a:ext uri="{FF2B5EF4-FFF2-40B4-BE49-F238E27FC236}">
-                <a16:creationId xmlns:a16="http://schemas.microsoft.com/office/drawing/2014/main" id="{53370B15-DFE6-4D6C-B2F0-936CE40B078B}"/>
-              </a:ext>
-            </a:extLst>
-          </p:cNvPr>
-          <p:cNvSpPr>
-            <a:spLocks noGrp="1"/>
-          </p:cNvSpPr>
-          <p:nvPr>
-            <p:ph type="body" idx="1"/>
-          </p:nvPr>
-        </p:nvSpPr>
-        <p:spPr/>
-        <p:txBody>
-          <a:bodyPr/>
-          <a:lstStyle/>
-          <a:p>
-            <a:endParaRPr lang="en-US"/>
-          </a:p>
-        </p:txBody>
-      </p:sp>
-      <p:sp>
-        <p:nvSpPr>
-          <p:cNvPr id="4" name="Slide Number Placeholder 3">
-            <a:extLst>
-              <a:ext uri="{FF2B5EF4-FFF2-40B4-BE49-F238E27FC236}">
-                <a16:creationId xmlns:a16="http://schemas.microsoft.com/office/drawing/2014/main" id="{A3ABDDEE-0A4F-43EC-A561-55892A4A746E}"/>
+                <a16:creationId xmlns:a16="http://schemas.microsoft.com/office/drawing/2014/main" id="{9EAA1A52-5322-4E75-8FD5-2368E060AB17}"/>
               </a:ext>
             </a:extLst>
           </p:cNvPr>
@@ -29300,7 +28631,7 @@
     </p:spTree>
     <p:extLst>
       <p:ext uri="{BB962C8B-B14F-4D97-AF65-F5344CB8AC3E}">
-        <p14:creationId xmlns:p14="http://schemas.microsoft.com/office/powerpoint/2010/main" val="1916434142"/>
+        <p14:creationId xmlns:p14="http://schemas.microsoft.com/office/powerpoint/2010/main" val="1875722483"/>
       </p:ext>
     </p:extLst>
   </p:cSld>
@@ -29329,10 +28660,10 @@
       </p:grpSpPr>
       <p:sp>
         <p:nvSpPr>
-          <p:cNvPr id="4" name="Title 3">
+          <p:cNvPr id="2" name="Title 1">
             <a:extLst>
               <a:ext uri="{FF2B5EF4-FFF2-40B4-BE49-F238E27FC236}">
-                <a16:creationId xmlns:a16="http://schemas.microsoft.com/office/drawing/2014/main" id="{315E3981-F0D7-482C-A8E0-6A57700BECA7}"/>
+                <a16:creationId xmlns:a16="http://schemas.microsoft.com/office/drawing/2014/main" id="{265E8006-BC6F-4A17-849E-FBDFC43DC079}"/>
               </a:ext>
             </a:extLst>
           </p:cNvPr>
@@ -29343,24 +28674,31 @@
             <p:ph type="title"/>
           </p:nvPr>
         </p:nvSpPr>
-        <p:spPr/>
+        <p:spPr>
+          <a:xfrm>
+            <a:off x="444500" y="542925"/>
+            <a:ext cx="11214100" cy="535531"/>
+          </a:xfrm>
+        </p:spPr>
         <p:txBody>
-          <a:bodyPr/>
+          <a:bodyPr wrap="square" anchor="t">
+            <a:normAutofit/>
+          </a:bodyPr>
           <a:lstStyle/>
           <a:p>
             <a:r>
               <a:rPr lang="en-US" dirty="0"/>
-              <a:t>Content Title 02</a:t>
+              <a:t>Limitations</a:t>
             </a:r>
           </a:p>
         </p:txBody>
       </p:sp>
       <p:sp>
         <p:nvSpPr>
-          <p:cNvPr id="2" name="Slide Number Placeholder 1">
+          <p:cNvPr id="3" name="Slide Number Placeholder 2">
             <a:extLst>
               <a:ext uri="{FF2B5EF4-FFF2-40B4-BE49-F238E27FC236}">
-                <a16:creationId xmlns:a16="http://schemas.microsoft.com/office/drawing/2014/main" id="{520FC4EE-F318-4344-9E3C-B950ADB63865}"/>
+                <a16:creationId xmlns:a16="http://schemas.microsoft.com/office/drawing/2014/main" id="{BB41BF3B-C0B4-4A68-B358-18F9ACEFFF1E}"/>
               </a:ext>
             </a:extLst>
           </p:cNvPr>
@@ -29371,26 +28709,42 @@
             <p:ph type="sldNum" sz="quarter" idx="12"/>
           </p:nvPr>
         </p:nvSpPr>
-        <p:spPr/>
+        <p:spPr>
+          <a:xfrm>
+            <a:off x="11252200" y="6315075"/>
+            <a:ext cx="406400" cy="365125"/>
+          </a:xfrm>
+        </p:spPr>
         <p:txBody>
-          <a:bodyPr/>
+          <a:bodyPr anchor="ctr">
+            <a:normAutofit/>
+          </a:bodyPr>
           <a:lstStyle/>
           <a:p>
+            <a:pPr>
+              <a:spcAft>
+                <a:spcPts val="600"/>
+              </a:spcAft>
+            </a:pPr>
             <a:fld id="{C263D6C4-4840-40CC-AC84-17E24B3B7BDE}" type="slidenum">
-              <a:rPr lang="en-US" smtClean="0"/>
-              <a:pPr/>
+              <a:rPr lang="en-US" noProof="0" smtClean="0"/>
+              <a:pPr>
+                <a:spcAft>
+                  <a:spcPts val="600"/>
+                </a:spcAft>
+              </a:pPr>
               <a:t>24</a:t>
             </a:fld>
-            <a:endParaRPr lang="en-US" dirty="0"/>
+            <a:endParaRPr lang="en-US" noProof="0"/>
           </a:p>
         </p:txBody>
       </p:sp>
       <p:sp>
         <p:nvSpPr>
-          <p:cNvPr id="7" name="Text Placeholder 6">
+          <p:cNvPr id="4" name="Text Placeholder 3">
             <a:extLst>
               <a:ext uri="{FF2B5EF4-FFF2-40B4-BE49-F238E27FC236}">
-                <a16:creationId xmlns:a16="http://schemas.microsoft.com/office/drawing/2014/main" id="{B74126B4-1E6C-4FFF-9282-40E18A85A07F}"/>
+                <a16:creationId xmlns:a16="http://schemas.microsoft.com/office/drawing/2014/main" id="{77BB694A-2103-4B16-BB1B-CD6CCD0893A2}"/>
               </a:ext>
             </a:extLst>
           </p:cNvPr>
@@ -29398,148 +28752,132 @@
             <a:spLocks noGrp="1"/>
           </p:cNvSpPr>
           <p:nvPr>
-            <p:ph type="body" sz="quarter" idx="1"/>
+            <p:ph sz="half" idx="1"/>
           </p:nvPr>
         </p:nvSpPr>
-        <p:spPr/>
+        <p:spPr>
+          <a:xfrm>
+            <a:off x="443365" y="1517715"/>
+            <a:ext cx="5184437" cy="4659248"/>
+          </a:xfrm>
+        </p:spPr>
         <p:txBody>
-          <a:bodyPr/>
+          <a:bodyPr>
+            <a:normAutofit/>
+          </a:bodyPr>
           <a:lstStyle/>
           <a:p>
             <a:r>
-              <a:rPr lang="en-US" dirty="0"/>
-              <a:t>Lorem ipsum dolor sit amet</a:t>
+              <a:rPr lang="en-US" sz="1900"/>
+              <a:t>No clear definition on what is “political ideology” and how you determine it. </a:t>
+            </a:r>
+          </a:p>
+          <a:p>
+            <a:pPr lvl="1"/>
+            <a:r>
+              <a:rPr lang="en-US" sz="1900"/>
+              <a:t>Liquid vs. Plastic</a:t>
+            </a:r>
+          </a:p>
+          <a:p>
+            <a:pPr lvl="1"/>
+            <a:r>
+              <a:rPr lang="en-US" sz="1900"/>
+              <a:t>Policy</a:t>
+            </a:r>
+          </a:p>
+          <a:p>
+            <a:r>
+              <a:rPr lang="en-US" sz="1900"/>
+              <a:t>How do beliefs coincide with party? </a:t>
+            </a:r>
+          </a:p>
+          <a:p>
+            <a:r>
+              <a:rPr lang="en-US" sz="1900"/>
+              <a:t>How do we handle people who have beliefs from both sides of the aisle? </a:t>
+            </a:r>
+          </a:p>
+          <a:p>
+            <a:pPr lvl="1"/>
+            <a:r>
+              <a:rPr lang="en-US" sz="1900"/>
+              <a:t>Someone who believes in strict capitalism but also wants strong healthcare reform. </a:t>
+            </a:r>
+          </a:p>
+          <a:p>
+            <a:r>
+              <a:rPr lang="en-US" sz="1900"/>
+              <a:t>Does one belief have more weight in one’s political identification than another?</a:t>
+            </a:r>
+          </a:p>
+          <a:p>
+            <a:pPr lvl="1"/>
+            <a:r>
+              <a:rPr lang="en-US" sz="1900"/>
+              <a:t>Is one’s thoughts on abortion worth more than their thoughts on tariffs, or vice versa?</a:t>
             </a:r>
           </a:p>
         </p:txBody>
       </p:sp>
-      <p:sp>
-        <p:nvSpPr>
-          <p:cNvPr id="5" name="Text Placeholder 4">
+      <p:pic>
+        <p:nvPicPr>
+          <p:cNvPr id="7170" name="Picture 2" descr="Understanding customer journeys: The four limitations of traditional  analytics tools | MyCustomer">
             <a:extLst>
               <a:ext uri="{FF2B5EF4-FFF2-40B4-BE49-F238E27FC236}">
-                <a16:creationId xmlns:a16="http://schemas.microsoft.com/office/drawing/2014/main" id="{E0C87788-476B-4620-8002-A5C1177AD6C1}"/>
+                <a16:creationId xmlns:a16="http://schemas.microsoft.com/office/drawing/2014/main" id="{6D3F6839-EE77-4A3A-99C8-F645F8D908C3}"/>
               </a:ext>
             </a:extLst>
           </p:cNvPr>
-          <p:cNvSpPr>
-            <a:spLocks noGrp="1"/>
-          </p:cNvSpPr>
-          <p:nvPr>
-            <p:ph type="body" sz="quarter" idx="3"/>
-          </p:nvPr>
-        </p:nvSpPr>
-        <p:spPr/>
-        <p:txBody>
-          <a:bodyPr/>
-          <a:lstStyle/>
-          <a:p>
-            <a:r>
-              <a:rPr lang="en-US" dirty="0"/>
-              <a:t>Lorem ipsum dolor sit amet</a:t>
-            </a:r>
-          </a:p>
-        </p:txBody>
-      </p:sp>
-      <p:sp>
-        <p:nvSpPr>
-          <p:cNvPr id="8" name="Text Placeholder 7">
-            <a:extLst>
-              <a:ext uri="{FF2B5EF4-FFF2-40B4-BE49-F238E27FC236}">
-                <a16:creationId xmlns:a16="http://schemas.microsoft.com/office/drawing/2014/main" id="{47DC4E62-1A34-4F98-A451-214F1808519C}"/>
-              </a:ext>
-            </a:extLst>
-          </p:cNvPr>
-          <p:cNvSpPr>
-            <a:spLocks noGrp="1"/>
-          </p:cNvSpPr>
-          <p:nvPr>
-            <p:ph type="body" sz="quarter" idx="2"/>
-          </p:nvPr>
-        </p:nvSpPr>
-        <p:spPr/>
-        <p:txBody>
-          <a:bodyPr/>
-          <a:lstStyle/>
-          <a:p>
-            <a:r>
-              <a:rPr lang="en-US" dirty="0"/>
-              <a:t>Lorem ipsum dolor sit amet, consectetuer adipiscing elit. Maecenas porttitor congue massa. Fusce posuere, magna sed pulvinar ultricies, purus lectus malesuada libero, sit amet commodo magna eros quis urna. Nunc viverra imperdiet enim. Fusce est. Vivamus a tellus.</a:t>
-            </a:r>
-          </a:p>
-          <a:p>
-            <a:r>
-              <a:rPr lang="en-US" dirty="0"/>
-              <a:t>Pellentesque habitant morbi tristique senectus et netus et malesuada fames ac turpis egestas. Proin pharetra nonummy pede. Mauris et orci.</a:t>
-            </a:r>
-          </a:p>
-          <a:p>
-            <a:endParaRPr lang="en-US" dirty="0"/>
-          </a:p>
-          <a:p>
-            <a:endParaRPr lang="en-US" dirty="0"/>
-          </a:p>
-        </p:txBody>
-      </p:sp>
-      <p:sp>
-        <p:nvSpPr>
-          <p:cNvPr id="6" name="Text Placeholder 5">
-            <a:extLst>
-              <a:ext uri="{FF2B5EF4-FFF2-40B4-BE49-F238E27FC236}">
-                <a16:creationId xmlns:a16="http://schemas.microsoft.com/office/drawing/2014/main" id="{000A9570-5EF6-4AFB-9FCA-7C8998E3FEB1}"/>
-              </a:ext>
-            </a:extLst>
-          </p:cNvPr>
-          <p:cNvSpPr>
-            <a:spLocks noGrp="1"/>
-          </p:cNvSpPr>
-          <p:nvPr>
-            <p:ph type="body" sz="quarter" idx="4"/>
-          </p:nvPr>
-        </p:nvSpPr>
-        <p:spPr/>
-        <p:txBody>
-          <a:bodyPr/>
-          <a:lstStyle/>
-          <a:p>
-            <a:r>
-              <a:rPr lang="en-US" dirty="0"/>
-              <a:t>Lorem ipsum dolor sit amet, consectetuer adipiscing elit. Maecenas porttitor congue massa. Fusce posuere, magna sed pulvinar ultricies, purus lectus malesuada libero, sit amet commodo magna eros quis urna. Nunc viverra imperdiet enim. Fusce est. Vivamus a tellus.</a:t>
-            </a:r>
-          </a:p>
-          <a:p>
-            <a:r>
-              <a:rPr lang="en-US" dirty="0"/>
-              <a:t>Pellentesque habitant morbi tristique senectus et netus et malesuada fames ac turpis egestas. Proin pharetra nonummy pede. Mauris et orci.</a:t>
-            </a:r>
-          </a:p>
-          <a:p>
-            <a:endParaRPr lang="en-US" dirty="0"/>
-          </a:p>
-        </p:txBody>
-      </p:sp>
+          <p:cNvPicPr>
+            <a:picLocks noChangeAspect="1" noChangeArrowheads="1"/>
+          </p:cNvPicPr>
+          <p:nvPr/>
+        </p:nvPicPr>
+        <p:blipFill>
+          <a:blip r:embed="rId2">
+            <a:extLst>
+              <a:ext uri="{28A0092B-C50C-407E-A947-70E740481C1C}">
+                <a14:useLocalDpi xmlns:a14="http://schemas.microsoft.com/office/drawing/2010/main" val="0"/>
+              </a:ext>
+            </a:extLst>
+          </a:blip>
+          <a:stretch>
+            <a:fillRect/>
+          </a:stretch>
+        </p:blipFill>
+        <p:spPr bwMode="auto">
+          <a:xfrm>
+            <a:off x="6474163" y="1922617"/>
+            <a:ext cx="5184437" cy="3849444"/>
+          </a:xfrm>
+          <a:prstGeom prst="rect">
+            <a:avLst/>
+          </a:prstGeom>
+          <a:solidFill>
+            <a:srgbClr val="FFFFFF"/>
+          </a:solidFill>
+          <a:extLst>
+            <a:ext uri="{909E8E84-426E-40DD-AFC4-6F175D3DCCD1}">
+              <a14:hiddenFill xmlns:a14="http://schemas.microsoft.com/office/drawing/2010/main">
+                <a:solidFill>
+                  <a:srgbClr val="FFFFFF"/>
+                </a:solidFill>
+              </a14:hiddenFill>
+            </a:ext>
+          </a:extLst>
+        </p:spPr>
+      </p:pic>
     </p:spTree>
     <p:extLst>
       <p:ext uri="{BB962C8B-B14F-4D97-AF65-F5344CB8AC3E}">
-        <p14:creationId xmlns:p14="http://schemas.microsoft.com/office/powerpoint/2010/main" val="3607270498"/>
+        <p14:creationId xmlns:p14="http://schemas.microsoft.com/office/powerpoint/2010/main" val="1240899924"/>
       </p:ext>
     </p:extLst>
   </p:cSld>
   <p:clrMapOvr>
     <a:masterClrMapping/>
   </p:clrMapOvr>
-  <mc:AlternateContent xmlns:mc="http://schemas.openxmlformats.org/markup-compatibility/2006" xmlns:p14="http://schemas.microsoft.com/office/powerpoint/2010/main">
-    <mc:Choice Requires="p14">
-      <p:transition spd="med" p14:dur="700">
-        <p:fade/>
-      </p:transition>
-    </mc:Choice>
-    <mc:Fallback xmlns="">
-      <p:transition spd="med">
-        <p:fade/>
-      </p:transition>
-    </mc:Fallback>
-  </mc:AlternateContent>
 </p:sld>
 </file>
 
@@ -29562,10 +28900,10 @@
       </p:grpSpPr>
       <p:sp>
         <p:nvSpPr>
-          <p:cNvPr id="4" name="Title 3">
+          <p:cNvPr id="2" name="Title 1">
             <a:extLst>
               <a:ext uri="{FF2B5EF4-FFF2-40B4-BE49-F238E27FC236}">
-                <a16:creationId xmlns:a16="http://schemas.microsoft.com/office/drawing/2014/main" id="{315E3981-F0D7-482C-A8E0-6A57700BECA7}"/>
+                <a16:creationId xmlns:a16="http://schemas.microsoft.com/office/drawing/2014/main" id="{0AF891B2-C7A6-4ED0-A267-CB999802C87A}"/>
               </a:ext>
             </a:extLst>
           </p:cNvPr>
@@ -29576,339 +28914,31 @@
             <p:ph type="title"/>
           </p:nvPr>
         </p:nvSpPr>
-        <p:spPr/>
+        <p:spPr>
+          <a:xfrm>
+            <a:off x="444500" y="542925"/>
+            <a:ext cx="11214100" cy="535531"/>
+          </a:xfrm>
+        </p:spPr>
         <p:txBody>
-          <a:bodyPr/>
+          <a:bodyPr wrap="square" anchor="t">
+            <a:normAutofit/>
+          </a:bodyPr>
           <a:lstStyle/>
           <a:p>
             <a:r>
               <a:rPr lang="en-US" dirty="0"/>
-              <a:t>Content Title</a:t>
-            </a:r>
-          </a:p>
-        </p:txBody>
-      </p:sp>
-      <p:pic>
-        <p:nvPicPr>
-          <p:cNvPr id="25" name="Picture Placeholder 24" descr="Bar chart">
-            <a:extLst>
-              <a:ext uri="{FF2B5EF4-FFF2-40B4-BE49-F238E27FC236}">
-                <a16:creationId xmlns:a16="http://schemas.microsoft.com/office/drawing/2014/main" id="{C03AAFA7-022A-47F8-9DA1-7DC3897D1E52}"/>
-              </a:ext>
-            </a:extLst>
-          </p:cNvPr>
-          <p:cNvPicPr>
-            <a:picLocks noGrp="1" noChangeAspect="1"/>
-          </p:cNvPicPr>
-          <p:nvPr>
-            <p:ph type="pic" sz="quarter" idx="13"/>
-          </p:nvPr>
-        </p:nvPicPr>
-        <p:blipFill>
-          <a:blip r:embed="rId2">
-            <a:extLst>
-              <a:ext uri="{28A0092B-C50C-407E-A947-70E740481C1C}">
-                <a14:useLocalDpi xmlns:a14="http://schemas.microsoft.com/office/drawing/2010/main"/>
-              </a:ext>
-              <a:ext uri="{96DAC541-7B7A-43D3-8B79-37D633B846F1}">
-                <asvg:svgBlip xmlns:asvg="http://schemas.microsoft.com/office/drawing/2016/SVG/main" r:embed="rId3"/>
-              </a:ext>
-            </a:extLst>
-          </a:blip>
-          <a:srcRect t="63" b="63"/>
-          <a:stretch>
-            <a:fillRect/>
-          </a:stretch>
-        </p:blipFill>
-        <p:spPr>
-          <a:xfrm>
-            <a:off x="978212" y="2096716"/>
-            <a:ext cx="1259505" cy="1259505"/>
-          </a:xfrm>
-        </p:spPr>
-      </p:pic>
-      <p:sp>
-        <p:nvSpPr>
-          <p:cNvPr id="19" name="Text Placeholder 18">
-            <a:extLst>
-              <a:ext uri="{FF2B5EF4-FFF2-40B4-BE49-F238E27FC236}">
-                <a16:creationId xmlns:a16="http://schemas.microsoft.com/office/drawing/2014/main" id="{782206B1-586F-4254-9B36-D06C4E294ACF}"/>
-              </a:ext>
-            </a:extLst>
-          </p:cNvPr>
-          <p:cNvSpPr>
-            <a:spLocks noGrp="1"/>
-          </p:cNvSpPr>
-          <p:nvPr>
-            <p:ph type="body" sz="quarter" idx="18"/>
-          </p:nvPr>
-        </p:nvSpPr>
-        <p:spPr/>
-        <p:txBody>
-          <a:bodyPr/>
-          <a:lstStyle/>
-          <a:p>
-            <a:r>
-              <a:rPr lang="en-US" dirty="0"/>
-              <a:t>Caption01 appears here</a:t>
-            </a:r>
-          </a:p>
-        </p:txBody>
-      </p:sp>
-      <p:pic>
-        <p:nvPicPr>
-          <p:cNvPr id="27" name="Picture Placeholder 26" descr="Clock">
-            <a:extLst>
-              <a:ext uri="{FF2B5EF4-FFF2-40B4-BE49-F238E27FC236}">
-                <a16:creationId xmlns:a16="http://schemas.microsoft.com/office/drawing/2014/main" id="{6F737161-FE67-434D-A781-59EDB9EDCB23}"/>
-              </a:ext>
-            </a:extLst>
-          </p:cNvPr>
-          <p:cNvPicPr>
-            <a:picLocks noGrp="1" noChangeAspect="1"/>
-          </p:cNvPicPr>
-          <p:nvPr>
-            <p:ph type="pic" sz="quarter" idx="14"/>
-          </p:nvPr>
-        </p:nvPicPr>
-        <p:blipFill>
-          <a:blip r:embed="rId4">
-            <a:extLst>
-              <a:ext uri="{28A0092B-C50C-407E-A947-70E740481C1C}">
-                <a14:useLocalDpi xmlns:a14="http://schemas.microsoft.com/office/drawing/2010/main"/>
-              </a:ext>
-              <a:ext uri="{96DAC541-7B7A-43D3-8B79-37D633B846F1}">
-                <asvg:svgBlip xmlns:asvg="http://schemas.microsoft.com/office/drawing/2016/SVG/main" r:embed="rId5"/>
-              </a:ext>
-            </a:extLst>
-          </a:blip>
-          <a:srcRect/>
-          <a:stretch>
-            <a:fillRect/>
-          </a:stretch>
-        </p:blipFill>
-        <p:spPr/>
-      </p:pic>
-      <p:sp>
-        <p:nvSpPr>
-          <p:cNvPr id="20" name="Text Placeholder 19">
-            <a:extLst>
-              <a:ext uri="{FF2B5EF4-FFF2-40B4-BE49-F238E27FC236}">
-                <a16:creationId xmlns:a16="http://schemas.microsoft.com/office/drawing/2014/main" id="{CB924A29-3538-4A3F-82A6-D2A7538C2111}"/>
-              </a:ext>
-            </a:extLst>
-          </p:cNvPr>
-          <p:cNvSpPr>
-            <a:spLocks noGrp="1"/>
-          </p:cNvSpPr>
-          <p:nvPr>
-            <p:ph type="body" sz="quarter" idx="19"/>
-          </p:nvPr>
-        </p:nvSpPr>
-        <p:spPr/>
-        <p:txBody>
-          <a:bodyPr/>
-          <a:lstStyle/>
-          <a:p>
-            <a:r>
-              <a:rPr lang="en-US" dirty="0"/>
-              <a:t>Caption02 appears here</a:t>
-            </a:r>
-          </a:p>
-        </p:txBody>
-      </p:sp>
-      <p:pic>
-        <p:nvPicPr>
-          <p:cNvPr id="29" name="Picture Placeholder 28" descr="Microscope">
-            <a:extLst>
-              <a:ext uri="{FF2B5EF4-FFF2-40B4-BE49-F238E27FC236}">
-                <a16:creationId xmlns:a16="http://schemas.microsoft.com/office/drawing/2014/main" id="{9E5BF01B-21D6-4D43-9CAE-0298685C1A7B}"/>
-              </a:ext>
-            </a:extLst>
-          </p:cNvPr>
-          <p:cNvPicPr>
-            <a:picLocks noGrp="1" noChangeAspect="1"/>
-          </p:cNvPicPr>
-          <p:nvPr>
-            <p:ph type="pic" sz="quarter" idx="15"/>
-          </p:nvPr>
-        </p:nvPicPr>
-        <p:blipFill>
-          <a:blip r:embed="rId6">
-            <a:extLst>
-              <a:ext uri="{28A0092B-C50C-407E-A947-70E740481C1C}">
-                <a14:useLocalDpi xmlns:a14="http://schemas.microsoft.com/office/drawing/2010/main"/>
-              </a:ext>
-              <a:ext uri="{96DAC541-7B7A-43D3-8B79-37D633B846F1}">
-                <asvg:svgBlip xmlns:asvg="http://schemas.microsoft.com/office/drawing/2016/SVG/main" r:embed="rId7"/>
-              </a:ext>
-            </a:extLst>
-          </a:blip>
-          <a:srcRect t="63" b="63"/>
-          <a:stretch>
-            <a:fillRect/>
-          </a:stretch>
-        </p:blipFill>
-        <p:spPr/>
-      </p:pic>
-      <p:sp>
-        <p:nvSpPr>
-          <p:cNvPr id="21" name="Text Placeholder 20">
-            <a:extLst>
-              <a:ext uri="{FF2B5EF4-FFF2-40B4-BE49-F238E27FC236}">
-                <a16:creationId xmlns:a16="http://schemas.microsoft.com/office/drawing/2014/main" id="{1B8F0371-4F69-4131-91BF-9AB99E6EE89B}"/>
-              </a:ext>
-            </a:extLst>
-          </p:cNvPr>
-          <p:cNvSpPr>
-            <a:spLocks noGrp="1"/>
-          </p:cNvSpPr>
-          <p:nvPr>
-            <p:ph type="body" sz="quarter" idx="20"/>
-          </p:nvPr>
-        </p:nvSpPr>
-        <p:spPr/>
-        <p:txBody>
-          <a:bodyPr/>
-          <a:lstStyle/>
-          <a:p>
-            <a:r>
-              <a:rPr lang="en-US" dirty="0"/>
-              <a:t>Caption03 appears here</a:t>
-            </a:r>
-          </a:p>
-        </p:txBody>
-      </p:sp>
-      <p:pic>
-        <p:nvPicPr>
-          <p:cNvPr id="31" name="Picture Placeholder 30" descr="Magnifying glass">
-            <a:extLst>
-              <a:ext uri="{FF2B5EF4-FFF2-40B4-BE49-F238E27FC236}">
-                <a16:creationId xmlns:a16="http://schemas.microsoft.com/office/drawing/2014/main" id="{089E8AB6-C16E-4752-810F-8F98DB929DB5}"/>
-              </a:ext>
-            </a:extLst>
-          </p:cNvPr>
-          <p:cNvPicPr>
-            <a:picLocks noGrp="1" noChangeAspect="1"/>
-          </p:cNvPicPr>
-          <p:nvPr>
-            <p:ph type="pic" sz="quarter" idx="16"/>
-          </p:nvPr>
-        </p:nvPicPr>
-        <p:blipFill>
-          <a:blip r:embed="rId8">
-            <a:extLst>
-              <a:ext uri="{28A0092B-C50C-407E-A947-70E740481C1C}">
-                <a14:useLocalDpi xmlns:a14="http://schemas.microsoft.com/office/drawing/2010/main"/>
-              </a:ext>
-              <a:ext uri="{96DAC541-7B7A-43D3-8B79-37D633B846F1}">
-                <asvg:svgBlip xmlns:asvg="http://schemas.microsoft.com/office/drawing/2016/SVG/main" r:embed="rId9"/>
-              </a:ext>
-            </a:extLst>
-          </a:blip>
-          <a:srcRect/>
-          <a:stretch>
-            <a:fillRect/>
-          </a:stretch>
-        </p:blipFill>
-        <p:spPr/>
-      </p:pic>
-      <p:sp>
-        <p:nvSpPr>
-          <p:cNvPr id="22" name="Text Placeholder 21">
-            <a:extLst>
-              <a:ext uri="{FF2B5EF4-FFF2-40B4-BE49-F238E27FC236}">
-                <a16:creationId xmlns:a16="http://schemas.microsoft.com/office/drawing/2014/main" id="{78CACAF1-61EA-4605-A8FE-2EEE752B49FF}"/>
-              </a:ext>
-            </a:extLst>
-          </p:cNvPr>
-          <p:cNvSpPr>
-            <a:spLocks noGrp="1"/>
-          </p:cNvSpPr>
-          <p:nvPr>
-            <p:ph type="body" sz="quarter" idx="21"/>
-          </p:nvPr>
-        </p:nvSpPr>
-        <p:spPr/>
-        <p:txBody>
-          <a:bodyPr/>
-          <a:lstStyle/>
-          <a:p>
-            <a:r>
-              <a:rPr lang="en-US" dirty="0"/>
-              <a:t>Caption04 appears here</a:t>
-            </a:r>
-          </a:p>
-        </p:txBody>
-      </p:sp>
-      <p:pic>
-        <p:nvPicPr>
-          <p:cNvPr id="33" name="Picture Placeholder 32" descr="Head with Gears">
-            <a:extLst>
-              <a:ext uri="{FF2B5EF4-FFF2-40B4-BE49-F238E27FC236}">
-                <a16:creationId xmlns:a16="http://schemas.microsoft.com/office/drawing/2014/main" id="{CC9DBBE5-5AD0-41E8-A719-84509E5D9F9E}"/>
-              </a:ext>
-            </a:extLst>
-          </p:cNvPr>
-          <p:cNvPicPr>
-            <a:picLocks noGrp="1" noChangeAspect="1"/>
-          </p:cNvPicPr>
-          <p:nvPr>
-            <p:ph type="pic" sz="quarter" idx="17"/>
-          </p:nvPr>
-        </p:nvPicPr>
-        <p:blipFill>
-          <a:blip r:embed="rId10">
-            <a:extLst>
-              <a:ext uri="{28A0092B-C50C-407E-A947-70E740481C1C}">
-                <a14:useLocalDpi xmlns:a14="http://schemas.microsoft.com/office/drawing/2010/main"/>
-              </a:ext>
-              <a:ext uri="{96DAC541-7B7A-43D3-8B79-37D633B846F1}">
-                <asvg:svgBlip xmlns:asvg="http://schemas.microsoft.com/office/drawing/2016/SVG/main" r:embed="rId11"/>
-              </a:ext>
-            </a:extLst>
-          </a:blip>
-          <a:srcRect t="63" b="63"/>
-          <a:stretch>
-            <a:fillRect/>
-          </a:stretch>
-        </p:blipFill>
-        <p:spPr/>
-      </p:pic>
-      <p:sp>
-        <p:nvSpPr>
-          <p:cNvPr id="23" name="Text Placeholder 22">
-            <a:extLst>
-              <a:ext uri="{FF2B5EF4-FFF2-40B4-BE49-F238E27FC236}">
-                <a16:creationId xmlns:a16="http://schemas.microsoft.com/office/drawing/2014/main" id="{8D05A34F-7712-46DB-AB5B-272E294B62EE}"/>
-              </a:ext>
-            </a:extLst>
-          </p:cNvPr>
-          <p:cNvSpPr>
-            <a:spLocks noGrp="1"/>
-          </p:cNvSpPr>
-          <p:nvPr>
-            <p:ph type="body" sz="quarter" idx="22"/>
-          </p:nvPr>
-        </p:nvSpPr>
-        <p:spPr/>
-        <p:txBody>
-          <a:bodyPr/>
-          <a:lstStyle/>
-          <a:p>
-            <a:r>
-              <a:rPr lang="en-US" dirty="0"/>
-              <a:t>Caption05 appears here</a:t>
+              <a:t>Future Work</a:t>
             </a:r>
           </a:p>
         </p:txBody>
       </p:sp>
       <p:sp>
         <p:nvSpPr>
-          <p:cNvPr id="2" name="Slide Number Placeholder 1">
+          <p:cNvPr id="3" name="Slide Number Placeholder 2">
             <a:extLst>
               <a:ext uri="{FF2B5EF4-FFF2-40B4-BE49-F238E27FC236}">
-                <a16:creationId xmlns:a16="http://schemas.microsoft.com/office/drawing/2014/main" id="{CC1F11E7-EDE5-4119-BA64-4FC57C285D19}"/>
+                <a16:creationId xmlns:a16="http://schemas.microsoft.com/office/drawing/2014/main" id="{1990CCDA-34CD-4889-B77C-0030A35E1ED1}"/>
               </a:ext>
             </a:extLst>
           </p:cNvPr>
@@ -29919,42 +28949,190 @@
             <p:ph type="sldNum" sz="quarter" idx="12"/>
           </p:nvPr>
         </p:nvSpPr>
-        <p:spPr/>
+        <p:spPr>
+          <a:xfrm>
+            <a:off x="11252200" y="6315075"/>
+            <a:ext cx="406400" cy="365125"/>
+          </a:xfrm>
+        </p:spPr>
         <p:txBody>
-          <a:bodyPr/>
+          <a:bodyPr anchor="ctr">
+            <a:normAutofit/>
+          </a:bodyPr>
           <a:lstStyle/>
           <a:p>
+            <a:pPr>
+              <a:spcAft>
+                <a:spcPts val="600"/>
+              </a:spcAft>
+            </a:pPr>
             <a:fld id="{C263D6C4-4840-40CC-AC84-17E24B3B7BDE}" type="slidenum">
-              <a:rPr lang="en-US" smtClean="0"/>
-              <a:pPr/>
+              <a:rPr lang="en-US" noProof="0" smtClean="0"/>
+              <a:pPr>
+                <a:spcAft>
+                  <a:spcPts val="600"/>
+                </a:spcAft>
+              </a:pPr>
               <a:t>25</a:t>
             </a:fld>
-            <a:endParaRPr lang="en-US" dirty="0"/>
+            <a:endParaRPr lang="en-US" noProof="0"/>
           </a:p>
         </p:txBody>
       </p:sp>
+      <p:sp>
+        <p:nvSpPr>
+          <p:cNvPr id="4" name="Text Placeholder 3">
+            <a:extLst>
+              <a:ext uri="{FF2B5EF4-FFF2-40B4-BE49-F238E27FC236}">
+                <a16:creationId xmlns:a16="http://schemas.microsoft.com/office/drawing/2014/main" id="{FCEE1524-6986-4EDF-BBCF-F90FCF4AB83E}"/>
+              </a:ext>
+            </a:extLst>
+          </p:cNvPr>
+          <p:cNvSpPr>
+            <a:spLocks noGrp="1"/>
+          </p:cNvSpPr>
+          <p:nvPr>
+            <p:ph sz="half" idx="1"/>
+          </p:nvPr>
+        </p:nvSpPr>
+        <p:spPr>
+          <a:xfrm>
+            <a:off x="443365" y="1517715"/>
+            <a:ext cx="5184437" cy="4659248"/>
+          </a:xfrm>
+        </p:spPr>
+        <p:txBody>
+          <a:bodyPr>
+            <a:normAutofit lnSpcReduction="10000"/>
+          </a:bodyPr>
+          <a:lstStyle/>
+          <a:p>
+            <a:r>
+              <a:rPr lang="en-US" dirty="0"/>
+              <a:t>Hashtags</a:t>
+            </a:r>
+          </a:p>
+          <a:p>
+            <a:pPr lvl="1"/>
+            <a:r>
+              <a:rPr lang="en-US" dirty="0"/>
+              <a:t>Great way of getting data on specific topics/events. </a:t>
+            </a:r>
+          </a:p>
+          <a:p>
+            <a:pPr lvl="1"/>
+            <a:r>
+              <a:rPr lang="en-US" dirty="0"/>
+              <a:t>Easy to connect tweets and compare sentiments, words/phrases used, etc. </a:t>
+            </a:r>
+          </a:p>
+          <a:p>
+            <a:r>
+              <a:rPr lang="en-US" dirty="0"/>
+              <a:t>Language </a:t>
+            </a:r>
+          </a:p>
+          <a:p>
+            <a:pPr lvl="1"/>
+            <a:r>
+              <a:rPr lang="en-US" dirty="0"/>
+              <a:t>ABSA couldn’t work on words/phrases that aren’t English.</a:t>
+            </a:r>
+          </a:p>
+          <a:p>
+            <a:pPr lvl="1"/>
+            <a:r>
+              <a:rPr lang="en-US" dirty="0"/>
+              <a:t>Trouble with bag-of-words and vectorization comparisons from English to foreign languages. </a:t>
+            </a:r>
+          </a:p>
+          <a:p>
+            <a:pPr lvl="1"/>
+            <a:r>
+              <a:rPr lang="en-US" dirty="0"/>
+              <a:t>However, useful in identifying polarity. </a:t>
+            </a:r>
+          </a:p>
+          <a:p>
+            <a:r>
+              <a:rPr lang="en-US" dirty="0"/>
+              <a:t>Other Models</a:t>
+            </a:r>
+          </a:p>
+          <a:p>
+            <a:pPr lvl="1"/>
+            <a:r>
+              <a:rPr lang="en-US" dirty="0"/>
+              <a:t>Unsupervised Learning</a:t>
+            </a:r>
+          </a:p>
+          <a:p>
+            <a:pPr lvl="1"/>
+            <a:r>
+              <a:rPr lang="en-US" dirty="0"/>
+              <a:t>Hidden Markov Model (HMM) Chains or Conditional Random Fields (CRFs) </a:t>
+            </a:r>
+          </a:p>
+        </p:txBody>
+      </p:sp>
+      <p:pic>
+        <p:nvPicPr>
+          <p:cNvPr id="8194" name="Picture 2" descr="Next Steps &amp; Baptisms - St. John's Denver">
+            <a:extLst>
+              <a:ext uri="{FF2B5EF4-FFF2-40B4-BE49-F238E27FC236}">
+                <a16:creationId xmlns:a16="http://schemas.microsoft.com/office/drawing/2014/main" id="{738B15BB-08F8-4224-A94F-4A78F4608E24}"/>
+              </a:ext>
+            </a:extLst>
+          </p:cNvPr>
+          <p:cNvPicPr>
+            <a:picLocks noChangeAspect="1" noChangeArrowheads="1"/>
+          </p:cNvPicPr>
+          <p:nvPr/>
+        </p:nvPicPr>
+        <p:blipFill>
+          <a:blip r:embed="rId2">
+            <a:extLst>
+              <a:ext uri="{28A0092B-C50C-407E-A947-70E740481C1C}">
+                <a14:useLocalDpi xmlns:a14="http://schemas.microsoft.com/office/drawing/2010/main" val="0"/>
+              </a:ext>
+            </a:extLst>
+          </a:blip>
+          <a:stretch>
+            <a:fillRect/>
+          </a:stretch>
+        </p:blipFill>
+        <p:spPr bwMode="auto">
+          <a:xfrm>
+            <a:off x="6474163" y="2201924"/>
+            <a:ext cx="5184437" cy="3290830"/>
+          </a:xfrm>
+          <a:prstGeom prst="rect">
+            <a:avLst/>
+          </a:prstGeom>
+          <a:solidFill>
+            <a:srgbClr val="FFFFFF"/>
+          </a:solidFill>
+          <a:extLst>
+            <a:ext uri="{909E8E84-426E-40DD-AFC4-6F175D3DCCD1}">
+              <a14:hiddenFill xmlns:a14="http://schemas.microsoft.com/office/drawing/2010/main">
+                <a:solidFill>
+                  <a:srgbClr val="FFFFFF"/>
+                </a:solidFill>
+              </a14:hiddenFill>
+            </a:ext>
+          </a:extLst>
+        </p:spPr>
+      </p:pic>
     </p:spTree>
     <p:extLst>
       <p:ext uri="{BB962C8B-B14F-4D97-AF65-F5344CB8AC3E}">
-        <p14:creationId xmlns:p14="http://schemas.microsoft.com/office/powerpoint/2010/main" val="3892131414"/>
+        <p14:creationId xmlns:p14="http://schemas.microsoft.com/office/powerpoint/2010/main" val="2653225753"/>
       </p:ext>
     </p:extLst>
   </p:cSld>
   <p:clrMapOvr>
     <a:masterClrMapping/>
   </p:clrMapOvr>
-  <mc:AlternateContent xmlns:mc="http://schemas.openxmlformats.org/markup-compatibility/2006" xmlns:p14="http://schemas.microsoft.com/office/powerpoint/2010/main">
-    <mc:Choice Requires="p14">
-      <p:transition spd="med" p14:dur="700">
-        <p:fade/>
-      </p:transition>
-    </mc:Choice>
-    <mc:Fallback xmlns="">
-      <p:transition spd="med">
-        <p:fade/>
-      </p:transition>
-    </mc:Fallback>
-  </mc:AlternateContent>
 </p:sld>
 </file>
 
@@ -29977,10 +29155,10 @@
       </p:grpSpPr>
       <p:sp>
         <p:nvSpPr>
-          <p:cNvPr id="4" name="Title 3">
+          <p:cNvPr id="2" name="Title 1">
             <a:extLst>
               <a:ext uri="{FF2B5EF4-FFF2-40B4-BE49-F238E27FC236}">
-                <a16:creationId xmlns:a16="http://schemas.microsoft.com/office/drawing/2014/main" id="{315E3981-F0D7-482C-A8E0-6A57700BECA7}"/>
+                <a16:creationId xmlns:a16="http://schemas.microsoft.com/office/drawing/2014/main" id="{76CD0DC5-EEFB-42F3-BDC8-08D8A19BC02C}"/>
               </a:ext>
             </a:extLst>
           </p:cNvPr>
@@ -29998,48 +29176,17 @@
           <a:p>
             <a:r>
               <a:rPr lang="en-US" dirty="0"/>
-              <a:t>Content Title 03</a:t>
+              <a:t>Implications &amp; Ideas</a:t>
             </a:r>
           </a:p>
         </p:txBody>
       </p:sp>
-      <p:pic>
-        <p:nvPicPr>
-          <p:cNvPr id="20" name="Picture Placeholder 19" descr="Triangular pattern design with dimension">
-            <a:extLst>
-              <a:ext uri="{FF2B5EF4-FFF2-40B4-BE49-F238E27FC236}">
-                <a16:creationId xmlns:a16="http://schemas.microsoft.com/office/drawing/2014/main" id="{3DCA2B8E-64D3-7645-8DEB-688ED5756F52}"/>
-              </a:ext>
-            </a:extLst>
-          </p:cNvPr>
-          <p:cNvPicPr>
-            <a:picLocks noGrp="1" noChangeAspect="1"/>
-          </p:cNvPicPr>
-          <p:nvPr>
-            <p:ph type="pic" sz="quarter" idx="19"/>
-          </p:nvPr>
-        </p:nvPicPr>
-        <p:blipFill>
-          <a:blip r:embed="rId2">
-            <a:extLst>
-              <a:ext uri="{28A0092B-C50C-407E-A947-70E740481C1C}">
-                <a14:useLocalDpi xmlns:a14="http://schemas.microsoft.com/office/drawing/2010/main" val="0"/>
-              </a:ext>
-            </a:extLst>
-          </a:blip>
-          <a:srcRect/>
-          <a:stretch>
-            <a:fillRect/>
-          </a:stretch>
-        </p:blipFill>
-        <p:spPr/>
-      </p:pic>
       <p:sp>
         <p:nvSpPr>
-          <p:cNvPr id="19" name="Text Placeholder 18">
+          <p:cNvPr id="3" name="Text Placeholder 2">
             <a:extLst>
               <a:ext uri="{FF2B5EF4-FFF2-40B4-BE49-F238E27FC236}">
-                <a16:creationId xmlns:a16="http://schemas.microsoft.com/office/drawing/2014/main" id="{782206B1-586F-4254-9B36-D06C4E294ACF}"/>
+                <a16:creationId xmlns:a16="http://schemas.microsoft.com/office/drawing/2014/main" id="{53370B15-DFE6-4D6C-B2F0-936CE40B078B}"/>
               </a:ext>
             </a:extLst>
           </p:cNvPr>
@@ -30047,7 +29194,7 @@
             <a:spLocks noGrp="1"/>
           </p:cNvSpPr>
           <p:nvPr>
-            <p:ph type="body" sz="quarter" idx="18"/>
+            <p:ph type="body" idx="1"/>
           </p:nvPr>
         </p:nvSpPr>
         <p:spPr/>
@@ -30055,75 +29202,16 @@
           <a:bodyPr/>
           <a:lstStyle/>
           <a:p>
-            <a:r>
-              <a:rPr lang="en-US" dirty="0"/>
-              <a:t>Caption01 appears here</a:t>
-            </a:r>
+            <a:endParaRPr lang="en-US"/>
           </a:p>
         </p:txBody>
       </p:sp>
       <p:sp>
         <p:nvSpPr>
-          <p:cNvPr id="21" name="Text Placeholder 20">
+          <p:cNvPr id="4" name="Slide Number Placeholder 3">
             <a:extLst>
               <a:ext uri="{FF2B5EF4-FFF2-40B4-BE49-F238E27FC236}">
-                <a16:creationId xmlns:a16="http://schemas.microsoft.com/office/drawing/2014/main" id="{1B8F0371-4F69-4131-91BF-9AB99E6EE89B}"/>
-              </a:ext>
-            </a:extLst>
-          </p:cNvPr>
-          <p:cNvSpPr>
-            <a:spLocks noGrp="1"/>
-          </p:cNvSpPr>
-          <p:nvPr>
-            <p:ph type="body" sz="quarter" idx="20"/>
-          </p:nvPr>
-        </p:nvSpPr>
-        <p:spPr/>
-        <p:txBody>
-          <a:bodyPr/>
-          <a:lstStyle/>
-          <a:p>
-            <a:r>
-              <a:rPr lang="en-US" dirty="0"/>
-              <a:t>Caption03 appears here</a:t>
-            </a:r>
-          </a:p>
-        </p:txBody>
-      </p:sp>
-      <p:sp>
-        <p:nvSpPr>
-          <p:cNvPr id="22" name="Text Placeholder 21">
-            <a:extLst>
-              <a:ext uri="{FF2B5EF4-FFF2-40B4-BE49-F238E27FC236}">
-                <a16:creationId xmlns:a16="http://schemas.microsoft.com/office/drawing/2014/main" id="{78CACAF1-61EA-4605-A8FE-2EEE752B49FF}"/>
-              </a:ext>
-            </a:extLst>
-          </p:cNvPr>
-          <p:cNvSpPr>
-            <a:spLocks noGrp="1"/>
-          </p:cNvSpPr>
-          <p:nvPr>
-            <p:ph type="body" sz="quarter" idx="21"/>
-          </p:nvPr>
-        </p:nvSpPr>
-        <p:spPr/>
-        <p:txBody>
-          <a:bodyPr/>
-          <a:lstStyle/>
-          <a:p>
-            <a:r>
-              <a:rPr lang="en-US" dirty="0"/>
-              <a:t>Caption04 appears here</a:t>
-            </a:r>
-          </a:p>
-        </p:txBody>
-      </p:sp>
-      <p:sp>
-        <p:nvSpPr>
-          <p:cNvPr id="2" name="Slide Number Placeholder 1">
-            <a:extLst>
-              <a:ext uri="{FF2B5EF4-FFF2-40B4-BE49-F238E27FC236}">
-                <a16:creationId xmlns:a16="http://schemas.microsoft.com/office/drawing/2014/main" id="{2F478C69-0A1D-45FF-8600-ED903803FFE1}"/>
+                <a16:creationId xmlns:a16="http://schemas.microsoft.com/office/drawing/2014/main" id="{A3ABDDEE-0A4F-43EC-A561-55892A4A746E}"/>
               </a:ext>
             </a:extLst>
           </p:cNvPr>
@@ -30140,36 +29228,24 @@
           <a:lstStyle/>
           <a:p>
             <a:fld id="{C263D6C4-4840-40CC-AC84-17E24B3B7BDE}" type="slidenum">
-              <a:rPr lang="en-US" smtClean="0"/>
+              <a:rPr lang="en-US" noProof="0" smtClean="0"/>
               <a:pPr/>
               <a:t>26</a:t>
             </a:fld>
-            <a:endParaRPr lang="en-US" dirty="0"/>
+            <a:endParaRPr lang="en-US" noProof="0" dirty="0"/>
           </a:p>
         </p:txBody>
       </p:sp>
     </p:spTree>
     <p:extLst>
       <p:ext uri="{BB962C8B-B14F-4D97-AF65-F5344CB8AC3E}">
-        <p14:creationId xmlns:p14="http://schemas.microsoft.com/office/powerpoint/2010/main" val="451187730"/>
+        <p14:creationId xmlns:p14="http://schemas.microsoft.com/office/powerpoint/2010/main" val="1916434142"/>
       </p:ext>
     </p:extLst>
   </p:cSld>
   <p:clrMapOvr>
     <a:masterClrMapping/>
   </p:clrMapOvr>
-  <mc:AlternateContent xmlns:mc="http://schemas.openxmlformats.org/markup-compatibility/2006" xmlns:p14="http://schemas.microsoft.com/office/powerpoint/2010/main">
-    <mc:Choice Requires="p14">
-      <p:transition spd="med" p14:dur="700">
-        <p:fade/>
-      </p:transition>
-    </mc:Choice>
-    <mc:Fallback xmlns="">
-      <p:transition spd="med">
-        <p:fade/>
-      </p:transition>
-    </mc:Fallback>
-  </mc:AlternateContent>
 </p:sld>
 </file>
 
@@ -30213,75 +29289,7 @@
           <a:p>
             <a:r>
               <a:rPr lang="en-US" dirty="0"/>
-              <a:t>Content Title 04</a:t>
-            </a:r>
-          </a:p>
-        </p:txBody>
-      </p:sp>
-      <p:pic>
-        <p:nvPicPr>
-          <p:cNvPr id="8" name="Picture Placeholder 7" descr="Triangular pattern design with dimension">
-            <a:extLst>
-              <a:ext uri="{FF2B5EF4-FFF2-40B4-BE49-F238E27FC236}">
-                <a16:creationId xmlns:a16="http://schemas.microsoft.com/office/drawing/2014/main" id="{2301248D-7370-7643-9BE6-F8CDCFF4D460}"/>
-              </a:ext>
-            </a:extLst>
-          </p:cNvPr>
-          <p:cNvPicPr>
-            <a:picLocks noGrp="1" noChangeAspect="1"/>
-          </p:cNvPicPr>
-          <p:nvPr>
-            <p:ph type="pic" sz="quarter" idx="19"/>
-          </p:nvPr>
-        </p:nvPicPr>
-        <p:blipFill rotWithShape="1">
-          <a:blip r:embed="rId2">
-            <a:extLst>
-              <a:ext uri="{28A0092B-C50C-407E-A947-70E740481C1C}">
-                <a14:useLocalDpi xmlns:a14="http://schemas.microsoft.com/office/drawing/2010/main" val="0"/>
-              </a:ext>
-            </a:extLst>
-          </a:blip>
-          <a:srcRect/>
-          <a:stretch/>
-        </p:blipFill>
-        <p:spPr>
-          <a:xfrm>
-            <a:off x="-2" y="1352575"/>
-            <a:ext cx="12192002" cy="2289897"/>
-          </a:xfrm>
-        </p:spPr>
-      </p:pic>
-      <p:sp>
-        <p:nvSpPr>
-          <p:cNvPr id="19" name="Text Placeholder 18">
-            <a:extLst>
-              <a:ext uri="{FF2B5EF4-FFF2-40B4-BE49-F238E27FC236}">
-                <a16:creationId xmlns:a16="http://schemas.microsoft.com/office/drawing/2014/main" id="{782206B1-586F-4254-9B36-D06C4E294ACF}"/>
-              </a:ext>
-            </a:extLst>
-          </p:cNvPr>
-          <p:cNvSpPr>
-            <a:spLocks noGrp="1"/>
-          </p:cNvSpPr>
-          <p:nvPr>
-            <p:ph type="body" sz="quarter" idx="18"/>
-          </p:nvPr>
-        </p:nvSpPr>
-        <p:spPr/>
-        <p:txBody>
-          <a:bodyPr/>
-          <a:lstStyle/>
-          <a:p>
-            <a:r>
-              <a:rPr lang="en-US" dirty="0"/>
-              <a:t>Lorem ipsum dolor sit amet, consectetuer adipiscing elit. Maecenas porttitor congue massa. Fusce posuere, magna sed pulvinar ultricies, purus lectus malesuada libero, sit amet commodo magna eros quis urna. Nunc viverra imperdiet enim. Fusce est. Vivamus a tellus.</a:t>
-            </a:r>
-          </a:p>
-          <a:p>
-            <a:r>
-              <a:rPr lang="en-US" dirty="0"/>
-              <a:t>Pellentesque habitant morbi tristique senectus et netus et malesuada fames ac turpis egestas. Proin pharetra nonummy pede. Mauris et orci.</a:t>
+              <a:t>Implications</a:t>
             </a:r>
           </a:p>
         </p:txBody>
@@ -30291,7 +29299,7 @@
           <p:cNvPr id="2" name="Slide Number Placeholder 1">
             <a:extLst>
               <a:ext uri="{FF2B5EF4-FFF2-40B4-BE49-F238E27FC236}">
-                <a16:creationId xmlns:a16="http://schemas.microsoft.com/office/drawing/2014/main" id="{FAC2D367-2A6E-41FE-A9EA-24FF17BCAA97}"/>
+                <a16:creationId xmlns:a16="http://schemas.microsoft.com/office/drawing/2014/main" id="{520FC4EE-F318-4344-9E3C-B950ADB63865}"/>
               </a:ext>
             </a:extLst>
           </p:cNvPr>
@@ -30316,10 +29324,231 @@
           </a:p>
         </p:txBody>
       </p:sp>
+      <p:sp>
+        <p:nvSpPr>
+          <p:cNvPr id="7" name="Text Placeholder 6">
+            <a:extLst>
+              <a:ext uri="{FF2B5EF4-FFF2-40B4-BE49-F238E27FC236}">
+                <a16:creationId xmlns:a16="http://schemas.microsoft.com/office/drawing/2014/main" id="{B74126B4-1E6C-4FFF-9282-40E18A85A07F}"/>
+              </a:ext>
+            </a:extLst>
+          </p:cNvPr>
+          <p:cNvSpPr>
+            <a:spLocks noGrp="1"/>
+          </p:cNvSpPr>
+          <p:nvPr>
+            <p:ph type="body" sz="quarter" idx="1"/>
+          </p:nvPr>
+        </p:nvSpPr>
+        <p:spPr>
+          <a:xfrm>
+            <a:off x="444500" y="1681163"/>
+            <a:ext cx="5157787" cy="342946"/>
+          </a:xfrm>
+        </p:spPr>
+        <p:txBody>
+          <a:bodyPr>
+            <a:normAutofit lnSpcReduction="10000"/>
+          </a:bodyPr>
+          <a:lstStyle/>
+          <a:p>
+            <a:r>
+              <a:rPr lang="en-US" dirty="0"/>
+              <a:t>The Good</a:t>
+            </a:r>
+          </a:p>
+        </p:txBody>
+      </p:sp>
+      <p:sp>
+        <p:nvSpPr>
+          <p:cNvPr id="5" name="Text Placeholder 4">
+            <a:extLst>
+              <a:ext uri="{FF2B5EF4-FFF2-40B4-BE49-F238E27FC236}">
+                <a16:creationId xmlns:a16="http://schemas.microsoft.com/office/drawing/2014/main" id="{E0C87788-476B-4620-8002-A5C1177AD6C1}"/>
+              </a:ext>
+            </a:extLst>
+          </p:cNvPr>
+          <p:cNvSpPr>
+            <a:spLocks noGrp="1"/>
+          </p:cNvSpPr>
+          <p:nvPr>
+            <p:ph type="body" sz="quarter" idx="3"/>
+          </p:nvPr>
+        </p:nvSpPr>
+        <p:spPr>
+          <a:xfrm>
+            <a:off x="6500812" y="1681163"/>
+            <a:ext cx="5157788" cy="342946"/>
+          </a:xfrm>
+        </p:spPr>
+        <p:txBody>
+          <a:bodyPr>
+            <a:normAutofit lnSpcReduction="10000"/>
+          </a:bodyPr>
+          <a:lstStyle/>
+          <a:p>
+            <a:r>
+              <a:rPr lang="en-US" dirty="0"/>
+              <a:t>The Bad</a:t>
+            </a:r>
+          </a:p>
+        </p:txBody>
+      </p:sp>
+      <p:sp>
+        <p:nvSpPr>
+          <p:cNvPr id="8" name="Text Placeholder 7">
+            <a:extLst>
+              <a:ext uri="{FF2B5EF4-FFF2-40B4-BE49-F238E27FC236}">
+                <a16:creationId xmlns:a16="http://schemas.microsoft.com/office/drawing/2014/main" id="{47DC4E62-1A34-4F98-A451-214F1808519C}"/>
+              </a:ext>
+            </a:extLst>
+          </p:cNvPr>
+          <p:cNvSpPr>
+            <a:spLocks noGrp="1"/>
+          </p:cNvSpPr>
+          <p:nvPr>
+            <p:ph type="body" sz="quarter" idx="2"/>
+          </p:nvPr>
+        </p:nvSpPr>
+        <p:spPr/>
+        <p:txBody>
+          <a:bodyPr/>
+          <a:lstStyle/>
+          <a:p>
+            <a:r>
+              <a:rPr lang="en-US" dirty="0"/>
+              <a:t>Reductions in Campaign Spending</a:t>
+            </a:r>
+          </a:p>
+          <a:p>
+            <a:pPr lvl="1"/>
+            <a:r>
+              <a:rPr lang="en-US" dirty="0"/>
+              <a:t>2020 U.S. Presidential Election - $14,000,000,000 in Campaign Spending</a:t>
+            </a:r>
+          </a:p>
+          <a:p>
+            <a:pPr lvl="1"/>
+            <a:r>
+              <a:rPr lang="en-US" dirty="0"/>
+              <a:t>With this technology, it’s easier to identify Republicans and Democrats, making it easier to advertise to them, thus reducing search costs. </a:t>
+            </a:r>
+          </a:p>
+          <a:p>
+            <a:r>
+              <a:rPr lang="en-US" dirty="0"/>
+              <a:t>Determining Bots/Fake Users</a:t>
+            </a:r>
+          </a:p>
+          <a:p>
+            <a:pPr lvl="1"/>
+            <a:r>
+              <a:rPr lang="en-US" dirty="0"/>
+              <a:t>Typically far-right and far-left users.</a:t>
+            </a:r>
+          </a:p>
+          <a:p>
+            <a:r>
+              <a:rPr lang="en-US" dirty="0"/>
+              <a:t>Anti-Radicalization &amp; Fake News</a:t>
+            </a:r>
+          </a:p>
+          <a:p>
+            <a:pPr lvl="1"/>
+            <a:r>
+              <a:rPr lang="en-US" dirty="0"/>
+              <a:t>Determine common phrases, words, and sentiments, use this to remove/monitor account before they get out of hand.</a:t>
+            </a:r>
+          </a:p>
+        </p:txBody>
+      </p:sp>
+      <p:sp>
+        <p:nvSpPr>
+          <p:cNvPr id="6" name="Text Placeholder 5">
+            <a:extLst>
+              <a:ext uri="{FF2B5EF4-FFF2-40B4-BE49-F238E27FC236}">
+                <a16:creationId xmlns:a16="http://schemas.microsoft.com/office/drawing/2014/main" id="{000A9570-5EF6-4AFB-9FCA-7C8998E3FEB1}"/>
+              </a:ext>
+            </a:extLst>
+          </p:cNvPr>
+          <p:cNvSpPr>
+            <a:spLocks noGrp="1"/>
+          </p:cNvSpPr>
+          <p:nvPr>
+            <p:ph type="body" sz="quarter" idx="4"/>
+          </p:nvPr>
+        </p:nvSpPr>
+        <p:spPr/>
+        <p:txBody>
+          <a:bodyPr/>
+          <a:lstStyle/>
+          <a:p>
+            <a:r>
+              <a:rPr lang="en-US" dirty="0"/>
+              <a:t>Discrimination</a:t>
+            </a:r>
+          </a:p>
+          <a:p>
+            <a:pPr lvl="1"/>
+            <a:r>
+              <a:rPr lang="en-US" dirty="0"/>
+              <a:t>Stanford “Gaydar” Study</a:t>
+            </a:r>
+          </a:p>
+          <a:p>
+            <a:pPr lvl="1"/>
+            <a:r>
+              <a:rPr lang="en-US" dirty="0"/>
+              <a:t>2017 ProPublica Report </a:t>
+            </a:r>
+          </a:p>
+          <a:p>
+            <a:pPr lvl="1"/>
+            <a:r>
+              <a:rPr lang="en-US" dirty="0"/>
+              <a:t>Race &amp; Connection to Party</a:t>
+            </a:r>
+          </a:p>
+          <a:p>
+            <a:pPr lvl="1"/>
+            <a:r>
+              <a:rPr lang="en-US" dirty="0"/>
+              <a:t>Can easily affect “whether or not individuals get a job, get credit, end up in jail, or even experience violence against them.”</a:t>
+            </a:r>
+          </a:p>
+          <a:p>
+            <a:r>
+              <a:rPr lang="en-US" dirty="0"/>
+              <a:t>Radicalization</a:t>
+            </a:r>
+          </a:p>
+          <a:p>
+            <a:pPr lvl="1"/>
+            <a:r>
+              <a:rPr lang="en-US" dirty="0"/>
+              <a:t>Easy to locate members of a specific party or belief system.</a:t>
+            </a:r>
+          </a:p>
+          <a:p>
+            <a:pPr lvl="1"/>
+            <a:r>
+              <a:rPr lang="en-US" dirty="0"/>
+              <a:t>Can be used to gather members to rally.</a:t>
+            </a:r>
+          </a:p>
+          <a:p>
+            <a:pPr lvl="1"/>
+            <a:r>
+              <a:rPr lang="en-US" dirty="0"/>
+              <a:t>U.S. Capital Riots</a:t>
+            </a:r>
+          </a:p>
+        </p:txBody>
+      </p:sp>
     </p:spTree>
     <p:extLst>
       <p:ext uri="{BB962C8B-B14F-4D97-AF65-F5344CB8AC3E}">
-        <p14:creationId xmlns:p14="http://schemas.microsoft.com/office/powerpoint/2010/main" val="663103393"/>
+        <p14:creationId xmlns:p14="http://schemas.microsoft.com/office/powerpoint/2010/main" val="3607270498"/>
       </p:ext>
     </p:extLst>
   </p:cSld>
@@ -30360,10 +29589,10 @@
       </p:grpSpPr>
       <p:sp>
         <p:nvSpPr>
-          <p:cNvPr id="5" name="Title 4">
+          <p:cNvPr id="2" name="Title 1">
             <a:extLst>
               <a:ext uri="{FF2B5EF4-FFF2-40B4-BE49-F238E27FC236}">
-                <a16:creationId xmlns:a16="http://schemas.microsoft.com/office/drawing/2014/main" id="{201323FB-427E-4A8D-B473-AB0657D8D23B}"/>
+                <a16:creationId xmlns:a16="http://schemas.microsoft.com/office/drawing/2014/main" id="{65D20E79-E887-4FE0-9114-DC34343E8BE5}"/>
               </a:ext>
             </a:extLst>
           </p:cNvPr>
@@ -30374,1845 +29603,31 @@
             <p:ph type="title"/>
           </p:nvPr>
         </p:nvSpPr>
-        <p:spPr/>
+        <p:spPr>
+          <a:xfrm>
+            <a:off x="444500" y="542925"/>
+            <a:ext cx="11214100" cy="535531"/>
+          </a:xfrm>
+        </p:spPr>
         <p:txBody>
-          <a:bodyPr/>
+          <a:bodyPr wrap="square" anchor="t">
+            <a:normAutofit/>
+          </a:bodyPr>
           <a:lstStyle/>
           <a:p>
             <a:r>
               <a:rPr lang="en-US" dirty="0"/>
-              <a:t>Table</a:t>
+              <a:t>Solutions</a:t>
             </a:r>
           </a:p>
         </p:txBody>
       </p:sp>
-      <p:graphicFrame>
-        <p:nvGraphicFramePr>
-          <p:cNvPr id="6" name="Table 5">
-            <a:extLst>
-              <a:ext uri="{FF2B5EF4-FFF2-40B4-BE49-F238E27FC236}">
-                <a16:creationId xmlns:a16="http://schemas.microsoft.com/office/drawing/2014/main" id="{E8EEB296-8554-4D20-B3B8-C0BBC380A58D}"/>
-              </a:ext>
-            </a:extLst>
-          </p:cNvPr>
-          <p:cNvGraphicFramePr>
-            <a:graphicFrameLocks noGrp="1"/>
-          </p:cNvGraphicFramePr>
-          <p:nvPr>
-            <p:extLst>
-              <p:ext uri="{D42A27DB-BD31-4B8C-83A1-F6EECF244321}">
-                <p14:modId xmlns:p14="http://schemas.microsoft.com/office/powerpoint/2010/main" val="2357960289"/>
-              </p:ext>
-            </p:extLst>
-          </p:nvPr>
-        </p:nvGraphicFramePr>
-        <p:xfrm>
-          <a:off x="1130300" y="1856740"/>
-          <a:ext cx="9931400" cy="3931920"/>
-        </p:xfrm>
-        <a:graphic>
-          <a:graphicData uri="http://schemas.openxmlformats.org/drawingml/2006/table">
-            <a:tbl>
-              <a:tblPr firstRow="1" bandRow="1">
-                <a:tableStyleId>{5C22544A-7EE6-4342-B048-85BDC9FD1C3A}</a:tableStyleId>
-              </a:tblPr>
-              <a:tblGrid>
-                <a:gridCol w="2482850">
-                  <a:extLst>
-                    <a:ext uri="{9D8B030D-6E8A-4147-A177-3AD203B41FA5}">
-                      <a16:colId xmlns:a16="http://schemas.microsoft.com/office/drawing/2014/main" val="3559833401"/>
-                    </a:ext>
-                  </a:extLst>
-                </a:gridCol>
-                <a:gridCol w="2482850">
-                  <a:extLst>
-                    <a:ext uri="{9D8B030D-6E8A-4147-A177-3AD203B41FA5}">
-                      <a16:colId xmlns:a16="http://schemas.microsoft.com/office/drawing/2014/main" val="82523989"/>
-                    </a:ext>
-                  </a:extLst>
-                </a:gridCol>
-                <a:gridCol w="2482850">
-                  <a:extLst>
-                    <a:ext uri="{9D8B030D-6E8A-4147-A177-3AD203B41FA5}">
-                      <a16:colId xmlns:a16="http://schemas.microsoft.com/office/drawing/2014/main" val="3211310719"/>
-                    </a:ext>
-                  </a:extLst>
-                </a:gridCol>
-                <a:gridCol w="2482850">
-                  <a:extLst>
-                    <a:ext uri="{9D8B030D-6E8A-4147-A177-3AD203B41FA5}">
-                      <a16:colId xmlns:a16="http://schemas.microsoft.com/office/drawing/2014/main" val="4160613981"/>
-                    </a:ext>
-                  </a:extLst>
-                </a:gridCol>
-              </a:tblGrid>
-              <a:tr h="640080">
-                <a:tc>
-                  <a:txBody>
-                    <a:bodyPr/>
-                    <a:lstStyle/>
-                    <a:p>
-                      <a:pPr algn="ctr"/>
-                      <a:r>
-                        <a:rPr lang="en-US" sz="1600" b="0" dirty="0">
-                          <a:latin typeface="+mn-lt"/>
-                          <a:cs typeface="Arial" panose="020B0604020202020204" pitchFamily="34" charset="0"/>
-                        </a:rPr>
-                        <a:t>Title</a:t>
-                      </a:r>
-                      <a:endParaRPr lang="en-GB" sz="1600" b="0" dirty="0">
-                        <a:latin typeface="+mn-lt"/>
-                        <a:cs typeface="Arial" panose="020B0604020202020204" pitchFamily="34" charset="0"/>
-                      </a:endParaRPr>
-                    </a:p>
-                  </a:txBody>
-                  <a:tcPr anchor="ctr">
-                    <a:lnL w="12700" cap="flat" cmpd="sng" algn="ctr">
-                      <a:noFill/>
-                      <a:prstDash val="solid"/>
-                      <a:round/>
-                      <a:headEnd type="none" w="med" len="med"/>
-                      <a:tailEnd type="none" w="med" len="med"/>
-                    </a:lnL>
-                    <a:lnR w="12700" cap="flat" cmpd="sng" algn="ctr">
-                      <a:solidFill>
-                        <a:schemeClr val="accent2">
-                          <a:lumMod val="75000"/>
-                        </a:schemeClr>
-                      </a:solidFill>
-                      <a:prstDash val="solid"/>
-                      <a:round/>
-                      <a:headEnd type="none" w="med" len="med"/>
-                      <a:tailEnd type="none" w="med" len="med"/>
-                    </a:lnR>
-                    <a:lnT w="38100" cap="flat" cmpd="sng" algn="ctr">
-                      <a:solidFill>
-                        <a:schemeClr val="accent2">
-                          <a:lumMod val="75000"/>
-                        </a:schemeClr>
-                      </a:solidFill>
-                      <a:prstDash val="solid"/>
-                      <a:round/>
-                      <a:headEnd type="none" w="med" len="med"/>
-                      <a:tailEnd type="none" w="med" len="med"/>
-                    </a:lnT>
-                    <a:lnB w="38100" cap="flat" cmpd="sng" algn="ctr">
-                      <a:solidFill>
-                        <a:schemeClr val="accent2">
-                          <a:lumMod val="75000"/>
-                        </a:schemeClr>
-                      </a:solidFill>
-                      <a:prstDash val="solid"/>
-                      <a:round/>
-                      <a:headEnd type="none" w="med" len="med"/>
-                      <a:tailEnd type="none" w="med" len="med"/>
-                    </a:lnB>
-                    <a:lnTlToBr w="12700" cmpd="sng">
-                      <a:noFill/>
-                      <a:prstDash val="solid"/>
-                    </a:lnTlToBr>
-                    <a:lnBlToTr w="12700" cmpd="sng">
-                      <a:noFill/>
-                      <a:prstDash val="solid"/>
-                    </a:lnBlToTr>
-                    <a:noFill/>
-                  </a:tcPr>
-                </a:tc>
-                <a:tc>
-                  <a:txBody>
-                    <a:bodyPr/>
-                    <a:lstStyle/>
-                    <a:p>
-                      <a:pPr marL="0" marR="0" lvl="0" indent="0" algn="ctr" defTabSz="914400" rtl="0" eaLnBrk="1" fontAlgn="auto" latinLnBrk="0" hangingPunct="1">
-                        <a:lnSpc>
-                          <a:spcPct val="100000"/>
-                        </a:lnSpc>
-                        <a:spcBef>
-                          <a:spcPts val="0"/>
-                        </a:spcBef>
-                        <a:spcAft>
-                          <a:spcPts val="0"/>
-                        </a:spcAft>
-                        <a:buClrTx/>
-                        <a:buSzTx/>
-                        <a:buFontTx/>
-                        <a:buNone/>
-                        <a:tabLst/>
-                        <a:defRPr/>
-                      </a:pPr>
-                      <a:r>
-                        <a:rPr lang="en-US" sz="1600" b="0" dirty="0">
-                          <a:latin typeface="+mn-lt"/>
-                          <a:cs typeface="Arial" panose="020B0604020202020204" pitchFamily="34" charset="0"/>
-                        </a:rPr>
-                        <a:t>Title</a:t>
-                      </a:r>
-                      <a:endParaRPr lang="en-GB" sz="1600" b="0" dirty="0">
-                        <a:latin typeface="+mn-lt"/>
-                        <a:cs typeface="Arial" panose="020B0604020202020204" pitchFamily="34" charset="0"/>
-                      </a:endParaRPr>
-                    </a:p>
-                  </a:txBody>
-                  <a:tcPr anchor="ctr">
-                    <a:lnL w="12700" cap="flat" cmpd="sng" algn="ctr">
-                      <a:solidFill>
-                        <a:schemeClr val="accent2">
-                          <a:lumMod val="75000"/>
-                        </a:schemeClr>
-                      </a:solidFill>
-                      <a:prstDash val="solid"/>
-                      <a:round/>
-                      <a:headEnd type="none" w="med" len="med"/>
-                      <a:tailEnd type="none" w="med" len="med"/>
-                    </a:lnL>
-                    <a:lnR w="12700" cap="flat" cmpd="sng" algn="ctr">
-                      <a:solidFill>
-                        <a:schemeClr val="accent2">
-                          <a:lumMod val="75000"/>
-                        </a:schemeClr>
-                      </a:solidFill>
-                      <a:prstDash val="solid"/>
-                      <a:round/>
-                      <a:headEnd type="none" w="med" len="med"/>
-                      <a:tailEnd type="none" w="med" len="med"/>
-                    </a:lnR>
-                    <a:lnT w="38100" cap="flat" cmpd="sng" algn="ctr">
-                      <a:solidFill>
-                        <a:schemeClr val="accent2">
-                          <a:lumMod val="75000"/>
-                        </a:schemeClr>
-                      </a:solidFill>
-                      <a:prstDash val="solid"/>
-                      <a:round/>
-                      <a:headEnd type="none" w="med" len="med"/>
-                      <a:tailEnd type="none" w="med" len="med"/>
-                    </a:lnT>
-                    <a:lnB w="38100" cap="flat" cmpd="sng" algn="ctr">
-                      <a:solidFill>
-                        <a:schemeClr val="accent2">
-                          <a:lumMod val="75000"/>
-                        </a:schemeClr>
-                      </a:solidFill>
-                      <a:prstDash val="solid"/>
-                      <a:round/>
-                      <a:headEnd type="none" w="med" len="med"/>
-                      <a:tailEnd type="none" w="med" len="med"/>
-                    </a:lnB>
-                    <a:lnTlToBr w="12700" cmpd="sng">
-                      <a:noFill/>
-                      <a:prstDash val="solid"/>
-                    </a:lnTlToBr>
-                    <a:lnBlToTr w="12700" cmpd="sng">
-                      <a:noFill/>
-                      <a:prstDash val="solid"/>
-                    </a:lnBlToTr>
-                    <a:noFill/>
-                  </a:tcPr>
-                </a:tc>
-                <a:tc>
-                  <a:txBody>
-                    <a:bodyPr/>
-                    <a:lstStyle/>
-                    <a:p>
-                      <a:pPr marL="0" marR="0" lvl="0" indent="0" algn="ctr" defTabSz="914400" rtl="0" eaLnBrk="1" fontAlgn="auto" latinLnBrk="0" hangingPunct="1">
-                        <a:lnSpc>
-                          <a:spcPct val="100000"/>
-                        </a:lnSpc>
-                        <a:spcBef>
-                          <a:spcPts val="0"/>
-                        </a:spcBef>
-                        <a:spcAft>
-                          <a:spcPts val="0"/>
-                        </a:spcAft>
-                        <a:buClrTx/>
-                        <a:buSzTx/>
-                        <a:buFontTx/>
-                        <a:buNone/>
-                        <a:tabLst/>
-                        <a:defRPr/>
-                      </a:pPr>
-                      <a:r>
-                        <a:rPr lang="en-US" sz="1600" b="0" dirty="0">
-                          <a:latin typeface="+mn-lt"/>
-                          <a:cs typeface="Arial" panose="020B0604020202020204" pitchFamily="34" charset="0"/>
-                        </a:rPr>
-                        <a:t>Title</a:t>
-                      </a:r>
-                      <a:endParaRPr lang="en-GB" sz="1600" b="0" dirty="0">
-                        <a:latin typeface="+mn-lt"/>
-                        <a:cs typeface="Arial" panose="020B0604020202020204" pitchFamily="34" charset="0"/>
-                      </a:endParaRPr>
-                    </a:p>
-                  </a:txBody>
-                  <a:tcPr anchor="ctr">
-                    <a:lnL w="12700" cap="flat" cmpd="sng" algn="ctr">
-                      <a:solidFill>
-                        <a:schemeClr val="accent2">
-                          <a:lumMod val="75000"/>
-                        </a:schemeClr>
-                      </a:solidFill>
-                      <a:prstDash val="solid"/>
-                      <a:round/>
-                      <a:headEnd type="none" w="med" len="med"/>
-                      <a:tailEnd type="none" w="med" len="med"/>
-                    </a:lnL>
-                    <a:lnR w="12700" cap="flat" cmpd="sng" algn="ctr">
-                      <a:solidFill>
-                        <a:schemeClr val="accent2">
-                          <a:lumMod val="75000"/>
-                        </a:schemeClr>
-                      </a:solidFill>
-                      <a:prstDash val="solid"/>
-                      <a:round/>
-                      <a:headEnd type="none" w="med" len="med"/>
-                      <a:tailEnd type="none" w="med" len="med"/>
-                    </a:lnR>
-                    <a:lnT w="38100" cap="flat" cmpd="sng" algn="ctr">
-                      <a:solidFill>
-                        <a:schemeClr val="accent2">
-                          <a:lumMod val="75000"/>
-                        </a:schemeClr>
-                      </a:solidFill>
-                      <a:prstDash val="solid"/>
-                      <a:round/>
-                      <a:headEnd type="none" w="med" len="med"/>
-                      <a:tailEnd type="none" w="med" len="med"/>
-                    </a:lnT>
-                    <a:lnB w="38100" cap="flat" cmpd="sng" algn="ctr">
-                      <a:solidFill>
-                        <a:schemeClr val="accent2">
-                          <a:lumMod val="75000"/>
-                        </a:schemeClr>
-                      </a:solidFill>
-                      <a:prstDash val="solid"/>
-                      <a:round/>
-                      <a:headEnd type="none" w="med" len="med"/>
-                      <a:tailEnd type="none" w="med" len="med"/>
-                    </a:lnB>
-                    <a:lnTlToBr w="12700" cmpd="sng">
-                      <a:noFill/>
-                      <a:prstDash val="solid"/>
-                    </a:lnTlToBr>
-                    <a:lnBlToTr w="12700" cmpd="sng">
-                      <a:noFill/>
-                      <a:prstDash val="solid"/>
-                    </a:lnBlToTr>
-                    <a:noFill/>
-                  </a:tcPr>
-                </a:tc>
-                <a:tc>
-                  <a:txBody>
-                    <a:bodyPr/>
-                    <a:lstStyle/>
-                    <a:p>
-                      <a:pPr marL="0" marR="0" lvl="0" indent="0" algn="ctr" defTabSz="914400" rtl="0" eaLnBrk="1" fontAlgn="auto" latinLnBrk="0" hangingPunct="1">
-                        <a:lnSpc>
-                          <a:spcPct val="100000"/>
-                        </a:lnSpc>
-                        <a:spcBef>
-                          <a:spcPts val="0"/>
-                        </a:spcBef>
-                        <a:spcAft>
-                          <a:spcPts val="0"/>
-                        </a:spcAft>
-                        <a:buClrTx/>
-                        <a:buSzTx/>
-                        <a:buFontTx/>
-                        <a:buNone/>
-                        <a:tabLst/>
-                        <a:defRPr/>
-                      </a:pPr>
-                      <a:r>
-                        <a:rPr lang="en-US" sz="1600" b="0" dirty="0">
-                          <a:latin typeface="+mn-lt"/>
-                          <a:cs typeface="Arial" panose="020B0604020202020204" pitchFamily="34" charset="0"/>
-                        </a:rPr>
-                        <a:t>Title</a:t>
-                      </a:r>
-                      <a:endParaRPr lang="en-GB" sz="1600" b="0" dirty="0">
-                        <a:latin typeface="+mn-lt"/>
-                        <a:cs typeface="Arial" panose="020B0604020202020204" pitchFamily="34" charset="0"/>
-                      </a:endParaRPr>
-                    </a:p>
-                  </a:txBody>
-                  <a:tcPr anchor="ctr">
-                    <a:lnL w="12700" cap="flat" cmpd="sng" algn="ctr">
-                      <a:solidFill>
-                        <a:schemeClr val="accent2">
-                          <a:lumMod val="75000"/>
-                        </a:schemeClr>
-                      </a:solidFill>
-                      <a:prstDash val="solid"/>
-                      <a:round/>
-                      <a:headEnd type="none" w="med" len="med"/>
-                      <a:tailEnd type="none" w="med" len="med"/>
-                    </a:lnL>
-                    <a:lnR w="12700" cap="flat" cmpd="sng" algn="ctr">
-                      <a:noFill/>
-                      <a:prstDash val="solid"/>
-                      <a:round/>
-                      <a:headEnd type="none" w="med" len="med"/>
-                      <a:tailEnd type="none" w="med" len="med"/>
-                    </a:lnR>
-                    <a:lnT w="38100" cap="flat" cmpd="sng" algn="ctr">
-                      <a:solidFill>
-                        <a:schemeClr val="accent2">
-                          <a:lumMod val="75000"/>
-                        </a:schemeClr>
-                      </a:solidFill>
-                      <a:prstDash val="solid"/>
-                      <a:round/>
-                      <a:headEnd type="none" w="med" len="med"/>
-                      <a:tailEnd type="none" w="med" len="med"/>
-                    </a:lnT>
-                    <a:lnB w="38100" cap="flat" cmpd="sng" algn="ctr">
-                      <a:solidFill>
-                        <a:schemeClr val="accent2">
-                          <a:lumMod val="75000"/>
-                        </a:schemeClr>
-                      </a:solidFill>
-                      <a:prstDash val="solid"/>
-                      <a:round/>
-                      <a:headEnd type="none" w="med" len="med"/>
-                      <a:tailEnd type="none" w="med" len="med"/>
-                    </a:lnB>
-                    <a:lnTlToBr w="12700" cmpd="sng">
-                      <a:noFill/>
-                      <a:prstDash val="solid"/>
-                    </a:lnTlToBr>
-                    <a:lnBlToTr w="12700" cmpd="sng">
-                      <a:noFill/>
-                      <a:prstDash val="solid"/>
-                    </a:lnBlToTr>
-                    <a:noFill/>
-                  </a:tcPr>
-                </a:tc>
-                <a:extLst>
-                  <a:ext uri="{0D108BD9-81ED-4DB2-BD59-A6C34878D82A}">
-                    <a16:rowId xmlns:a16="http://schemas.microsoft.com/office/drawing/2014/main" val="3766630617"/>
-                  </a:ext>
-                </a:extLst>
-              </a:tr>
-              <a:tr h="548640">
-                <a:tc>
-                  <a:txBody>
-                    <a:bodyPr/>
-                    <a:lstStyle/>
-                    <a:p>
-                      <a:endParaRPr lang="en-GB" sz="1400" dirty="0">
-                        <a:latin typeface="+mn-lt"/>
-                      </a:endParaRPr>
-                    </a:p>
-                  </a:txBody>
-                  <a:tcPr anchor="ctr">
-                    <a:lnL w="38100" cap="flat" cmpd="sng" algn="ctr">
-                      <a:noFill/>
-                      <a:prstDash val="solid"/>
-                      <a:round/>
-                      <a:headEnd type="none" w="med" len="med"/>
-                      <a:tailEnd type="none" w="med" len="med"/>
-                    </a:lnL>
-                    <a:lnR w="12700" cap="flat" cmpd="sng" algn="ctr">
-                      <a:solidFill>
-                        <a:schemeClr val="accent2">
-                          <a:lumMod val="75000"/>
-                        </a:schemeClr>
-                      </a:solidFill>
-                      <a:prstDash val="solid"/>
-                      <a:round/>
-                      <a:headEnd type="none" w="med" len="med"/>
-                      <a:tailEnd type="none" w="med" len="med"/>
-                    </a:lnR>
-                    <a:lnT w="38100" cap="flat" cmpd="sng" algn="ctr">
-                      <a:solidFill>
-                        <a:schemeClr val="accent2">
-                          <a:lumMod val="75000"/>
-                        </a:schemeClr>
-                      </a:solidFill>
-                      <a:prstDash val="solid"/>
-                      <a:round/>
-                      <a:headEnd type="none" w="med" len="med"/>
-                      <a:tailEnd type="none" w="med" len="med"/>
-                    </a:lnT>
-                    <a:lnB w="12700" cap="flat" cmpd="sng" algn="ctr">
-                      <a:solidFill>
-                        <a:schemeClr val="accent2">
-                          <a:lumMod val="75000"/>
-                        </a:schemeClr>
-                      </a:solidFill>
-                      <a:prstDash val="solid"/>
-                      <a:round/>
-                      <a:headEnd type="none" w="med" len="med"/>
-                      <a:tailEnd type="none" w="med" len="med"/>
-                    </a:lnB>
-                    <a:noFill/>
-                  </a:tcPr>
-                </a:tc>
-                <a:tc>
-                  <a:txBody>
-                    <a:bodyPr/>
-                    <a:lstStyle/>
-                    <a:p>
-                      <a:endParaRPr lang="en-GB" sz="1400" dirty="0">
-                        <a:latin typeface="+mn-lt"/>
-                      </a:endParaRPr>
-                    </a:p>
-                  </a:txBody>
-                  <a:tcPr anchor="ctr">
-                    <a:lnL w="12700" cap="flat" cmpd="sng" algn="ctr">
-                      <a:solidFill>
-                        <a:schemeClr val="accent2">
-                          <a:lumMod val="75000"/>
-                        </a:schemeClr>
-                      </a:solidFill>
-                      <a:prstDash val="solid"/>
-                      <a:round/>
-                      <a:headEnd type="none" w="med" len="med"/>
-                      <a:tailEnd type="none" w="med" len="med"/>
-                    </a:lnL>
-                    <a:lnR w="12700" cap="flat" cmpd="sng" algn="ctr">
-                      <a:solidFill>
-                        <a:schemeClr val="accent2">
-                          <a:lumMod val="75000"/>
-                        </a:schemeClr>
-                      </a:solidFill>
-                      <a:prstDash val="solid"/>
-                      <a:round/>
-                      <a:headEnd type="none" w="med" len="med"/>
-                      <a:tailEnd type="none" w="med" len="med"/>
-                    </a:lnR>
-                    <a:lnT w="38100" cap="flat" cmpd="sng" algn="ctr">
-                      <a:solidFill>
-                        <a:schemeClr val="accent2">
-                          <a:lumMod val="75000"/>
-                        </a:schemeClr>
-                      </a:solidFill>
-                      <a:prstDash val="solid"/>
-                      <a:round/>
-                      <a:headEnd type="none" w="med" len="med"/>
-                      <a:tailEnd type="none" w="med" len="med"/>
-                    </a:lnT>
-                    <a:lnB w="12700" cap="flat" cmpd="sng" algn="ctr">
-                      <a:solidFill>
-                        <a:schemeClr val="accent2">
-                          <a:lumMod val="75000"/>
-                        </a:schemeClr>
-                      </a:solidFill>
-                      <a:prstDash val="solid"/>
-                      <a:round/>
-                      <a:headEnd type="none" w="med" len="med"/>
-                      <a:tailEnd type="none" w="med" len="med"/>
-                    </a:lnB>
-                    <a:noFill/>
-                  </a:tcPr>
-                </a:tc>
-                <a:tc>
-                  <a:txBody>
-                    <a:bodyPr/>
-                    <a:lstStyle/>
-                    <a:p>
-                      <a:endParaRPr lang="en-GB" sz="1400" dirty="0">
-                        <a:latin typeface="+mn-lt"/>
-                      </a:endParaRPr>
-                    </a:p>
-                  </a:txBody>
-                  <a:tcPr anchor="ctr">
-                    <a:lnL w="12700" cap="flat" cmpd="sng" algn="ctr">
-                      <a:solidFill>
-                        <a:schemeClr val="accent2">
-                          <a:lumMod val="75000"/>
-                        </a:schemeClr>
-                      </a:solidFill>
-                      <a:prstDash val="solid"/>
-                      <a:round/>
-                      <a:headEnd type="none" w="med" len="med"/>
-                      <a:tailEnd type="none" w="med" len="med"/>
-                    </a:lnL>
-                    <a:lnR w="12700" cap="flat" cmpd="sng" algn="ctr">
-                      <a:solidFill>
-                        <a:schemeClr val="accent2">
-                          <a:lumMod val="75000"/>
-                        </a:schemeClr>
-                      </a:solidFill>
-                      <a:prstDash val="solid"/>
-                      <a:round/>
-                      <a:headEnd type="none" w="med" len="med"/>
-                      <a:tailEnd type="none" w="med" len="med"/>
-                    </a:lnR>
-                    <a:lnT w="38100" cap="flat" cmpd="sng" algn="ctr">
-                      <a:solidFill>
-                        <a:schemeClr val="accent2">
-                          <a:lumMod val="75000"/>
-                        </a:schemeClr>
-                      </a:solidFill>
-                      <a:prstDash val="solid"/>
-                      <a:round/>
-                      <a:headEnd type="none" w="med" len="med"/>
-                      <a:tailEnd type="none" w="med" len="med"/>
-                    </a:lnT>
-                    <a:lnB w="12700" cap="flat" cmpd="sng" algn="ctr">
-                      <a:solidFill>
-                        <a:schemeClr val="accent2">
-                          <a:lumMod val="75000"/>
-                        </a:schemeClr>
-                      </a:solidFill>
-                      <a:prstDash val="solid"/>
-                      <a:round/>
-                      <a:headEnd type="none" w="med" len="med"/>
-                      <a:tailEnd type="none" w="med" len="med"/>
-                    </a:lnB>
-                    <a:noFill/>
-                  </a:tcPr>
-                </a:tc>
-                <a:tc>
-                  <a:txBody>
-                    <a:bodyPr/>
-                    <a:lstStyle/>
-                    <a:p>
-                      <a:endParaRPr lang="en-GB" sz="1400" dirty="0">
-                        <a:latin typeface="+mn-lt"/>
-                      </a:endParaRPr>
-                    </a:p>
-                  </a:txBody>
-                  <a:tcPr anchor="ctr">
-                    <a:lnL w="12700" cap="flat" cmpd="sng" algn="ctr">
-                      <a:solidFill>
-                        <a:schemeClr val="accent2">
-                          <a:lumMod val="75000"/>
-                        </a:schemeClr>
-                      </a:solidFill>
-                      <a:prstDash val="solid"/>
-                      <a:round/>
-                      <a:headEnd type="none" w="med" len="med"/>
-                      <a:tailEnd type="none" w="med" len="med"/>
-                    </a:lnL>
-                    <a:lnR w="38100" cap="flat" cmpd="sng" algn="ctr">
-                      <a:noFill/>
-                      <a:prstDash val="solid"/>
-                      <a:round/>
-                      <a:headEnd type="none" w="med" len="med"/>
-                      <a:tailEnd type="none" w="med" len="med"/>
-                    </a:lnR>
-                    <a:lnT w="38100" cap="flat" cmpd="sng" algn="ctr">
-                      <a:solidFill>
-                        <a:schemeClr val="accent2">
-                          <a:lumMod val="75000"/>
-                        </a:schemeClr>
-                      </a:solidFill>
-                      <a:prstDash val="solid"/>
-                      <a:round/>
-                      <a:headEnd type="none" w="med" len="med"/>
-                      <a:tailEnd type="none" w="med" len="med"/>
-                    </a:lnT>
-                    <a:lnB w="12700" cap="flat" cmpd="sng" algn="ctr">
-                      <a:solidFill>
-                        <a:schemeClr val="accent2">
-                          <a:lumMod val="75000"/>
-                        </a:schemeClr>
-                      </a:solidFill>
-                      <a:prstDash val="solid"/>
-                      <a:round/>
-                      <a:headEnd type="none" w="med" len="med"/>
-                      <a:tailEnd type="none" w="med" len="med"/>
-                    </a:lnB>
-                    <a:noFill/>
-                  </a:tcPr>
-                </a:tc>
-                <a:extLst>
-                  <a:ext uri="{0D108BD9-81ED-4DB2-BD59-A6C34878D82A}">
-                    <a16:rowId xmlns:a16="http://schemas.microsoft.com/office/drawing/2014/main" val="3446274366"/>
-                  </a:ext>
-                </a:extLst>
-              </a:tr>
-              <a:tr h="548640">
-                <a:tc>
-                  <a:txBody>
-                    <a:bodyPr/>
-                    <a:lstStyle/>
-                    <a:p>
-                      <a:endParaRPr lang="en-GB" sz="1400" dirty="0">
-                        <a:latin typeface="+mn-lt"/>
-                      </a:endParaRPr>
-                    </a:p>
-                  </a:txBody>
-                  <a:tcPr anchor="ctr">
-                    <a:lnL w="38100" cap="flat" cmpd="sng" algn="ctr">
-                      <a:noFill/>
-                      <a:prstDash val="solid"/>
-                      <a:round/>
-                      <a:headEnd type="none" w="med" len="med"/>
-                      <a:tailEnd type="none" w="med" len="med"/>
-                    </a:lnL>
-                    <a:lnR w="12700" cap="flat" cmpd="sng" algn="ctr">
-                      <a:solidFill>
-                        <a:schemeClr val="accent2">
-                          <a:lumMod val="75000"/>
-                        </a:schemeClr>
-                      </a:solidFill>
-                      <a:prstDash val="solid"/>
-                      <a:round/>
-                      <a:headEnd type="none" w="med" len="med"/>
-                      <a:tailEnd type="none" w="med" len="med"/>
-                    </a:lnR>
-                    <a:lnT w="12700" cap="flat" cmpd="sng" algn="ctr">
-                      <a:solidFill>
-                        <a:schemeClr val="accent2">
-                          <a:lumMod val="75000"/>
-                        </a:schemeClr>
-                      </a:solidFill>
-                      <a:prstDash val="solid"/>
-                      <a:round/>
-                      <a:headEnd type="none" w="med" len="med"/>
-                      <a:tailEnd type="none" w="med" len="med"/>
-                    </a:lnT>
-                    <a:lnB w="12700" cap="flat" cmpd="sng" algn="ctr">
-                      <a:solidFill>
-                        <a:schemeClr val="accent2">
-                          <a:lumMod val="75000"/>
-                        </a:schemeClr>
-                      </a:solidFill>
-                      <a:prstDash val="solid"/>
-                      <a:round/>
-                      <a:headEnd type="none" w="med" len="med"/>
-                      <a:tailEnd type="none" w="med" len="med"/>
-                    </a:lnB>
-                    <a:solidFill>
-                      <a:schemeClr val="accent5"/>
-                    </a:solidFill>
-                  </a:tcPr>
-                </a:tc>
-                <a:tc>
-                  <a:txBody>
-                    <a:bodyPr/>
-                    <a:lstStyle/>
-                    <a:p>
-                      <a:endParaRPr lang="en-GB" sz="1400" dirty="0">
-                        <a:latin typeface="+mn-lt"/>
-                      </a:endParaRPr>
-                    </a:p>
-                  </a:txBody>
-                  <a:tcPr anchor="ctr">
-                    <a:lnL w="12700" cap="flat" cmpd="sng" algn="ctr">
-                      <a:solidFill>
-                        <a:schemeClr val="accent2">
-                          <a:lumMod val="75000"/>
-                        </a:schemeClr>
-                      </a:solidFill>
-                      <a:prstDash val="solid"/>
-                      <a:round/>
-                      <a:headEnd type="none" w="med" len="med"/>
-                      <a:tailEnd type="none" w="med" len="med"/>
-                    </a:lnL>
-                    <a:lnR w="12700" cap="flat" cmpd="sng" algn="ctr">
-                      <a:solidFill>
-                        <a:schemeClr val="accent2">
-                          <a:lumMod val="75000"/>
-                        </a:schemeClr>
-                      </a:solidFill>
-                      <a:prstDash val="solid"/>
-                      <a:round/>
-                      <a:headEnd type="none" w="med" len="med"/>
-                      <a:tailEnd type="none" w="med" len="med"/>
-                    </a:lnR>
-                    <a:lnT w="12700" cap="flat" cmpd="sng" algn="ctr">
-                      <a:solidFill>
-                        <a:schemeClr val="accent2">
-                          <a:lumMod val="75000"/>
-                        </a:schemeClr>
-                      </a:solidFill>
-                      <a:prstDash val="solid"/>
-                      <a:round/>
-                      <a:headEnd type="none" w="med" len="med"/>
-                      <a:tailEnd type="none" w="med" len="med"/>
-                    </a:lnT>
-                    <a:lnB w="12700" cap="flat" cmpd="sng" algn="ctr">
-                      <a:solidFill>
-                        <a:schemeClr val="accent2">
-                          <a:lumMod val="75000"/>
-                        </a:schemeClr>
-                      </a:solidFill>
-                      <a:prstDash val="solid"/>
-                      <a:round/>
-                      <a:headEnd type="none" w="med" len="med"/>
-                      <a:tailEnd type="none" w="med" len="med"/>
-                    </a:lnB>
-                    <a:solidFill>
-                      <a:schemeClr val="accent5"/>
-                    </a:solidFill>
-                  </a:tcPr>
-                </a:tc>
-                <a:tc>
-                  <a:txBody>
-                    <a:bodyPr/>
-                    <a:lstStyle/>
-                    <a:p>
-                      <a:endParaRPr lang="en-GB" sz="1400" dirty="0">
-                        <a:latin typeface="+mn-lt"/>
-                      </a:endParaRPr>
-                    </a:p>
-                  </a:txBody>
-                  <a:tcPr anchor="ctr">
-                    <a:lnL w="12700" cap="flat" cmpd="sng" algn="ctr">
-                      <a:solidFill>
-                        <a:schemeClr val="accent2">
-                          <a:lumMod val="75000"/>
-                        </a:schemeClr>
-                      </a:solidFill>
-                      <a:prstDash val="solid"/>
-                      <a:round/>
-                      <a:headEnd type="none" w="med" len="med"/>
-                      <a:tailEnd type="none" w="med" len="med"/>
-                    </a:lnL>
-                    <a:lnR w="12700" cap="flat" cmpd="sng" algn="ctr">
-                      <a:solidFill>
-                        <a:schemeClr val="accent2">
-                          <a:lumMod val="75000"/>
-                        </a:schemeClr>
-                      </a:solidFill>
-                      <a:prstDash val="solid"/>
-                      <a:round/>
-                      <a:headEnd type="none" w="med" len="med"/>
-                      <a:tailEnd type="none" w="med" len="med"/>
-                    </a:lnR>
-                    <a:lnT w="12700" cap="flat" cmpd="sng" algn="ctr">
-                      <a:solidFill>
-                        <a:schemeClr val="accent2">
-                          <a:lumMod val="75000"/>
-                        </a:schemeClr>
-                      </a:solidFill>
-                      <a:prstDash val="solid"/>
-                      <a:round/>
-                      <a:headEnd type="none" w="med" len="med"/>
-                      <a:tailEnd type="none" w="med" len="med"/>
-                    </a:lnT>
-                    <a:lnB w="12700" cap="flat" cmpd="sng" algn="ctr">
-                      <a:solidFill>
-                        <a:schemeClr val="accent2">
-                          <a:lumMod val="75000"/>
-                        </a:schemeClr>
-                      </a:solidFill>
-                      <a:prstDash val="solid"/>
-                      <a:round/>
-                      <a:headEnd type="none" w="med" len="med"/>
-                      <a:tailEnd type="none" w="med" len="med"/>
-                    </a:lnB>
-                    <a:solidFill>
-                      <a:schemeClr val="accent5"/>
-                    </a:solidFill>
-                  </a:tcPr>
-                </a:tc>
-                <a:tc>
-                  <a:txBody>
-                    <a:bodyPr/>
-                    <a:lstStyle/>
-                    <a:p>
-                      <a:endParaRPr lang="en-GB" sz="1400" dirty="0">
-                        <a:latin typeface="+mn-lt"/>
-                      </a:endParaRPr>
-                    </a:p>
-                  </a:txBody>
-                  <a:tcPr anchor="ctr">
-                    <a:lnL w="12700" cap="flat" cmpd="sng" algn="ctr">
-                      <a:solidFill>
-                        <a:schemeClr val="accent2">
-                          <a:lumMod val="75000"/>
-                        </a:schemeClr>
-                      </a:solidFill>
-                      <a:prstDash val="solid"/>
-                      <a:round/>
-                      <a:headEnd type="none" w="med" len="med"/>
-                      <a:tailEnd type="none" w="med" len="med"/>
-                    </a:lnL>
-                    <a:lnR w="38100" cap="flat" cmpd="sng" algn="ctr">
-                      <a:noFill/>
-                      <a:prstDash val="solid"/>
-                      <a:round/>
-                      <a:headEnd type="none" w="med" len="med"/>
-                      <a:tailEnd type="none" w="med" len="med"/>
-                    </a:lnR>
-                    <a:lnT w="12700" cap="flat" cmpd="sng" algn="ctr">
-                      <a:solidFill>
-                        <a:schemeClr val="accent2">
-                          <a:lumMod val="75000"/>
-                        </a:schemeClr>
-                      </a:solidFill>
-                      <a:prstDash val="solid"/>
-                      <a:round/>
-                      <a:headEnd type="none" w="med" len="med"/>
-                      <a:tailEnd type="none" w="med" len="med"/>
-                    </a:lnT>
-                    <a:lnB w="12700" cap="flat" cmpd="sng" algn="ctr">
-                      <a:solidFill>
-                        <a:schemeClr val="accent2">
-                          <a:lumMod val="75000"/>
-                        </a:schemeClr>
-                      </a:solidFill>
-                      <a:prstDash val="solid"/>
-                      <a:round/>
-                      <a:headEnd type="none" w="med" len="med"/>
-                      <a:tailEnd type="none" w="med" len="med"/>
-                    </a:lnB>
-                    <a:solidFill>
-                      <a:schemeClr val="accent5"/>
-                    </a:solidFill>
-                  </a:tcPr>
-                </a:tc>
-                <a:extLst>
-                  <a:ext uri="{0D108BD9-81ED-4DB2-BD59-A6C34878D82A}">
-                    <a16:rowId xmlns:a16="http://schemas.microsoft.com/office/drawing/2014/main" val="1758271508"/>
-                  </a:ext>
-                </a:extLst>
-              </a:tr>
-              <a:tr h="548640">
-                <a:tc>
-                  <a:txBody>
-                    <a:bodyPr/>
-                    <a:lstStyle/>
-                    <a:p>
-                      <a:endParaRPr lang="en-GB" sz="1400" dirty="0">
-                        <a:latin typeface="+mn-lt"/>
-                      </a:endParaRPr>
-                    </a:p>
-                  </a:txBody>
-                  <a:tcPr anchor="ctr">
-                    <a:lnL w="38100" cap="flat" cmpd="sng" algn="ctr">
-                      <a:noFill/>
-                      <a:prstDash val="solid"/>
-                      <a:round/>
-                      <a:headEnd type="none" w="med" len="med"/>
-                      <a:tailEnd type="none" w="med" len="med"/>
-                    </a:lnL>
-                    <a:lnR w="12700" cap="flat" cmpd="sng" algn="ctr">
-                      <a:solidFill>
-                        <a:schemeClr val="accent2">
-                          <a:lumMod val="75000"/>
-                        </a:schemeClr>
-                      </a:solidFill>
-                      <a:prstDash val="solid"/>
-                      <a:round/>
-                      <a:headEnd type="none" w="med" len="med"/>
-                      <a:tailEnd type="none" w="med" len="med"/>
-                    </a:lnR>
-                    <a:lnT w="12700" cap="flat" cmpd="sng" algn="ctr">
-                      <a:solidFill>
-                        <a:schemeClr val="accent2">
-                          <a:lumMod val="75000"/>
-                        </a:schemeClr>
-                      </a:solidFill>
-                      <a:prstDash val="solid"/>
-                      <a:round/>
-                      <a:headEnd type="none" w="med" len="med"/>
-                      <a:tailEnd type="none" w="med" len="med"/>
-                    </a:lnT>
-                    <a:lnB w="12700" cap="flat" cmpd="sng" algn="ctr">
-                      <a:solidFill>
-                        <a:schemeClr val="accent2">
-                          <a:lumMod val="75000"/>
-                        </a:schemeClr>
-                      </a:solidFill>
-                      <a:prstDash val="solid"/>
-                      <a:round/>
-                      <a:headEnd type="none" w="med" len="med"/>
-                      <a:tailEnd type="none" w="med" len="med"/>
-                    </a:lnB>
-                    <a:noFill/>
-                  </a:tcPr>
-                </a:tc>
-                <a:tc>
-                  <a:txBody>
-                    <a:bodyPr/>
-                    <a:lstStyle/>
-                    <a:p>
-                      <a:endParaRPr lang="en-GB" sz="1400" dirty="0">
-                        <a:latin typeface="+mn-lt"/>
-                      </a:endParaRPr>
-                    </a:p>
-                  </a:txBody>
-                  <a:tcPr anchor="ctr">
-                    <a:lnL w="12700" cap="flat" cmpd="sng" algn="ctr">
-                      <a:solidFill>
-                        <a:schemeClr val="accent2">
-                          <a:lumMod val="75000"/>
-                        </a:schemeClr>
-                      </a:solidFill>
-                      <a:prstDash val="solid"/>
-                      <a:round/>
-                      <a:headEnd type="none" w="med" len="med"/>
-                      <a:tailEnd type="none" w="med" len="med"/>
-                    </a:lnL>
-                    <a:lnR w="12700" cap="flat" cmpd="sng" algn="ctr">
-                      <a:solidFill>
-                        <a:schemeClr val="accent2">
-                          <a:lumMod val="75000"/>
-                        </a:schemeClr>
-                      </a:solidFill>
-                      <a:prstDash val="solid"/>
-                      <a:round/>
-                      <a:headEnd type="none" w="med" len="med"/>
-                      <a:tailEnd type="none" w="med" len="med"/>
-                    </a:lnR>
-                    <a:lnT w="12700" cap="flat" cmpd="sng" algn="ctr">
-                      <a:solidFill>
-                        <a:schemeClr val="accent2">
-                          <a:lumMod val="75000"/>
-                        </a:schemeClr>
-                      </a:solidFill>
-                      <a:prstDash val="solid"/>
-                      <a:round/>
-                      <a:headEnd type="none" w="med" len="med"/>
-                      <a:tailEnd type="none" w="med" len="med"/>
-                    </a:lnT>
-                    <a:lnB w="12700" cap="flat" cmpd="sng" algn="ctr">
-                      <a:solidFill>
-                        <a:schemeClr val="accent2">
-                          <a:lumMod val="75000"/>
-                        </a:schemeClr>
-                      </a:solidFill>
-                      <a:prstDash val="solid"/>
-                      <a:round/>
-                      <a:headEnd type="none" w="med" len="med"/>
-                      <a:tailEnd type="none" w="med" len="med"/>
-                    </a:lnB>
-                    <a:noFill/>
-                  </a:tcPr>
-                </a:tc>
-                <a:tc>
-                  <a:txBody>
-                    <a:bodyPr/>
-                    <a:lstStyle/>
-                    <a:p>
-                      <a:endParaRPr lang="en-GB" sz="1400" dirty="0">
-                        <a:latin typeface="+mn-lt"/>
-                      </a:endParaRPr>
-                    </a:p>
-                  </a:txBody>
-                  <a:tcPr anchor="ctr">
-                    <a:lnL w="12700" cap="flat" cmpd="sng" algn="ctr">
-                      <a:solidFill>
-                        <a:schemeClr val="accent2">
-                          <a:lumMod val="75000"/>
-                        </a:schemeClr>
-                      </a:solidFill>
-                      <a:prstDash val="solid"/>
-                      <a:round/>
-                      <a:headEnd type="none" w="med" len="med"/>
-                      <a:tailEnd type="none" w="med" len="med"/>
-                    </a:lnL>
-                    <a:lnR w="12700" cap="flat" cmpd="sng" algn="ctr">
-                      <a:solidFill>
-                        <a:schemeClr val="accent2">
-                          <a:lumMod val="75000"/>
-                        </a:schemeClr>
-                      </a:solidFill>
-                      <a:prstDash val="solid"/>
-                      <a:round/>
-                      <a:headEnd type="none" w="med" len="med"/>
-                      <a:tailEnd type="none" w="med" len="med"/>
-                    </a:lnR>
-                    <a:lnT w="12700" cap="flat" cmpd="sng" algn="ctr">
-                      <a:solidFill>
-                        <a:schemeClr val="accent2">
-                          <a:lumMod val="75000"/>
-                        </a:schemeClr>
-                      </a:solidFill>
-                      <a:prstDash val="solid"/>
-                      <a:round/>
-                      <a:headEnd type="none" w="med" len="med"/>
-                      <a:tailEnd type="none" w="med" len="med"/>
-                    </a:lnT>
-                    <a:lnB w="12700" cap="flat" cmpd="sng" algn="ctr">
-                      <a:solidFill>
-                        <a:schemeClr val="accent2">
-                          <a:lumMod val="75000"/>
-                        </a:schemeClr>
-                      </a:solidFill>
-                      <a:prstDash val="solid"/>
-                      <a:round/>
-                      <a:headEnd type="none" w="med" len="med"/>
-                      <a:tailEnd type="none" w="med" len="med"/>
-                    </a:lnB>
-                    <a:noFill/>
-                  </a:tcPr>
-                </a:tc>
-                <a:tc>
-                  <a:txBody>
-                    <a:bodyPr/>
-                    <a:lstStyle/>
-                    <a:p>
-                      <a:endParaRPr lang="en-GB" sz="1400" dirty="0">
-                        <a:latin typeface="+mn-lt"/>
-                      </a:endParaRPr>
-                    </a:p>
-                  </a:txBody>
-                  <a:tcPr anchor="ctr">
-                    <a:lnL w="12700" cap="flat" cmpd="sng" algn="ctr">
-                      <a:solidFill>
-                        <a:schemeClr val="accent2">
-                          <a:lumMod val="75000"/>
-                        </a:schemeClr>
-                      </a:solidFill>
-                      <a:prstDash val="solid"/>
-                      <a:round/>
-                      <a:headEnd type="none" w="med" len="med"/>
-                      <a:tailEnd type="none" w="med" len="med"/>
-                    </a:lnL>
-                    <a:lnR w="38100" cap="flat" cmpd="sng" algn="ctr">
-                      <a:noFill/>
-                      <a:prstDash val="solid"/>
-                      <a:round/>
-                      <a:headEnd type="none" w="med" len="med"/>
-                      <a:tailEnd type="none" w="med" len="med"/>
-                    </a:lnR>
-                    <a:lnT w="12700" cap="flat" cmpd="sng" algn="ctr">
-                      <a:solidFill>
-                        <a:schemeClr val="accent2">
-                          <a:lumMod val="75000"/>
-                        </a:schemeClr>
-                      </a:solidFill>
-                      <a:prstDash val="solid"/>
-                      <a:round/>
-                      <a:headEnd type="none" w="med" len="med"/>
-                      <a:tailEnd type="none" w="med" len="med"/>
-                    </a:lnT>
-                    <a:lnB w="12700" cap="flat" cmpd="sng" algn="ctr">
-                      <a:solidFill>
-                        <a:schemeClr val="accent2">
-                          <a:lumMod val="75000"/>
-                        </a:schemeClr>
-                      </a:solidFill>
-                      <a:prstDash val="solid"/>
-                      <a:round/>
-                      <a:headEnd type="none" w="med" len="med"/>
-                      <a:tailEnd type="none" w="med" len="med"/>
-                    </a:lnB>
-                    <a:noFill/>
-                  </a:tcPr>
-                </a:tc>
-                <a:extLst>
-                  <a:ext uri="{0D108BD9-81ED-4DB2-BD59-A6C34878D82A}">
-                    <a16:rowId xmlns:a16="http://schemas.microsoft.com/office/drawing/2014/main" val="3736384641"/>
-                  </a:ext>
-                </a:extLst>
-              </a:tr>
-              <a:tr h="548640">
-                <a:tc>
-                  <a:txBody>
-                    <a:bodyPr/>
-                    <a:lstStyle/>
-                    <a:p>
-                      <a:endParaRPr lang="en-GB" sz="1400" dirty="0">
-                        <a:latin typeface="+mn-lt"/>
-                      </a:endParaRPr>
-                    </a:p>
-                  </a:txBody>
-                  <a:tcPr anchor="ctr">
-                    <a:lnL w="38100" cap="flat" cmpd="sng" algn="ctr">
-                      <a:noFill/>
-                      <a:prstDash val="solid"/>
-                      <a:round/>
-                      <a:headEnd type="none" w="med" len="med"/>
-                      <a:tailEnd type="none" w="med" len="med"/>
-                    </a:lnL>
-                    <a:lnR w="12700" cap="flat" cmpd="sng" algn="ctr">
-                      <a:solidFill>
-                        <a:schemeClr val="accent2">
-                          <a:lumMod val="75000"/>
-                        </a:schemeClr>
-                      </a:solidFill>
-                      <a:prstDash val="solid"/>
-                      <a:round/>
-                      <a:headEnd type="none" w="med" len="med"/>
-                      <a:tailEnd type="none" w="med" len="med"/>
-                    </a:lnR>
-                    <a:lnT w="12700" cap="flat" cmpd="sng" algn="ctr">
-                      <a:solidFill>
-                        <a:schemeClr val="accent2">
-                          <a:lumMod val="75000"/>
-                        </a:schemeClr>
-                      </a:solidFill>
-                      <a:prstDash val="solid"/>
-                      <a:round/>
-                      <a:headEnd type="none" w="med" len="med"/>
-                      <a:tailEnd type="none" w="med" len="med"/>
-                    </a:lnT>
-                    <a:lnB w="12700" cap="flat" cmpd="sng" algn="ctr">
-                      <a:solidFill>
-                        <a:schemeClr val="accent2">
-                          <a:lumMod val="75000"/>
-                        </a:schemeClr>
-                      </a:solidFill>
-                      <a:prstDash val="solid"/>
-                      <a:round/>
-                      <a:headEnd type="none" w="med" len="med"/>
-                      <a:tailEnd type="none" w="med" len="med"/>
-                    </a:lnB>
-                    <a:solidFill>
-                      <a:schemeClr val="accent5"/>
-                    </a:solidFill>
-                  </a:tcPr>
-                </a:tc>
-                <a:tc>
-                  <a:txBody>
-                    <a:bodyPr/>
-                    <a:lstStyle/>
-                    <a:p>
-                      <a:endParaRPr lang="en-GB" sz="1400" dirty="0">
-                        <a:latin typeface="+mn-lt"/>
-                      </a:endParaRPr>
-                    </a:p>
-                  </a:txBody>
-                  <a:tcPr anchor="ctr">
-                    <a:lnL w="12700" cap="flat" cmpd="sng" algn="ctr">
-                      <a:solidFill>
-                        <a:schemeClr val="accent2">
-                          <a:lumMod val="75000"/>
-                        </a:schemeClr>
-                      </a:solidFill>
-                      <a:prstDash val="solid"/>
-                      <a:round/>
-                      <a:headEnd type="none" w="med" len="med"/>
-                      <a:tailEnd type="none" w="med" len="med"/>
-                    </a:lnL>
-                    <a:lnR w="12700" cap="flat" cmpd="sng" algn="ctr">
-                      <a:solidFill>
-                        <a:schemeClr val="accent2">
-                          <a:lumMod val="75000"/>
-                        </a:schemeClr>
-                      </a:solidFill>
-                      <a:prstDash val="solid"/>
-                      <a:round/>
-                      <a:headEnd type="none" w="med" len="med"/>
-                      <a:tailEnd type="none" w="med" len="med"/>
-                    </a:lnR>
-                    <a:lnT w="12700" cap="flat" cmpd="sng" algn="ctr">
-                      <a:solidFill>
-                        <a:schemeClr val="accent2">
-                          <a:lumMod val="75000"/>
-                        </a:schemeClr>
-                      </a:solidFill>
-                      <a:prstDash val="solid"/>
-                      <a:round/>
-                      <a:headEnd type="none" w="med" len="med"/>
-                      <a:tailEnd type="none" w="med" len="med"/>
-                    </a:lnT>
-                    <a:lnB w="12700" cap="flat" cmpd="sng" algn="ctr">
-                      <a:solidFill>
-                        <a:schemeClr val="accent2">
-                          <a:lumMod val="75000"/>
-                        </a:schemeClr>
-                      </a:solidFill>
-                      <a:prstDash val="solid"/>
-                      <a:round/>
-                      <a:headEnd type="none" w="med" len="med"/>
-                      <a:tailEnd type="none" w="med" len="med"/>
-                    </a:lnB>
-                    <a:solidFill>
-                      <a:schemeClr val="accent5"/>
-                    </a:solidFill>
-                  </a:tcPr>
-                </a:tc>
-                <a:tc>
-                  <a:txBody>
-                    <a:bodyPr/>
-                    <a:lstStyle/>
-                    <a:p>
-                      <a:endParaRPr lang="en-GB" sz="1400" dirty="0">
-                        <a:latin typeface="+mn-lt"/>
-                      </a:endParaRPr>
-                    </a:p>
-                  </a:txBody>
-                  <a:tcPr anchor="ctr">
-                    <a:lnL w="12700" cap="flat" cmpd="sng" algn="ctr">
-                      <a:solidFill>
-                        <a:schemeClr val="accent2">
-                          <a:lumMod val="75000"/>
-                        </a:schemeClr>
-                      </a:solidFill>
-                      <a:prstDash val="solid"/>
-                      <a:round/>
-                      <a:headEnd type="none" w="med" len="med"/>
-                      <a:tailEnd type="none" w="med" len="med"/>
-                    </a:lnL>
-                    <a:lnR w="12700" cap="flat" cmpd="sng" algn="ctr">
-                      <a:solidFill>
-                        <a:schemeClr val="accent2">
-                          <a:lumMod val="75000"/>
-                        </a:schemeClr>
-                      </a:solidFill>
-                      <a:prstDash val="solid"/>
-                      <a:round/>
-                      <a:headEnd type="none" w="med" len="med"/>
-                      <a:tailEnd type="none" w="med" len="med"/>
-                    </a:lnR>
-                    <a:lnT w="12700" cap="flat" cmpd="sng" algn="ctr">
-                      <a:solidFill>
-                        <a:schemeClr val="accent2">
-                          <a:lumMod val="75000"/>
-                        </a:schemeClr>
-                      </a:solidFill>
-                      <a:prstDash val="solid"/>
-                      <a:round/>
-                      <a:headEnd type="none" w="med" len="med"/>
-                      <a:tailEnd type="none" w="med" len="med"/>
-                    </a:lnT>
-                    <a:lnB w="12700" cap="flat" cmpd="sng" algn="ctr">
-                      <a:solidFill>
-                        <a:schemeClr val="accent2">
-                          <a:lumMod val="75000"/>
-                        </a:schemeClr>
-                      </a:solidFill>
-                      <a:prstDash val="solid"/>
-                      <a:round/>
-                      <a:headEnd type="none" w="med" len="med"/>
-                      <a:tailEnd type="none" w="med" len="med"/>
-                    </a:lnB>
-                    <a:solidFill>
-                      <a:schemeClr val="accent5"/>
-                    </a:solidFill>
-                  </a:tcPr>
-                </a:tc>
-                <a:tc>
-                  <a:txBody>
-                    <a:bodyPr/>
-                    <a:lstStyle/>
-                    <a:p>
-                      <a:endParaRPr lang="en-GB" sz="1400" dirty="0">
-                        <a:latin typeface="+mn-lt"/>
-                      </a:endParaRPr>
-                    </a:p>
-                  </a:txBody>
-                  <a:tcPr anchor="ctr">
-                    <a:lnL w="12700" cap="flat" cmpd="sng" algn="ctr">
-                      <a:solidFill>
-                        <a:schemeClr val="accent2">
-                          <a:lumMod val="75000"/>
-                        </a:schemeClr>
-                      </a:solidFill>
-                      <a:prstDash val="solid"/>
-                      <a:round/>
-                      <a:headEnd type="none" w="med" len="med"/>
-                      <a:tailEnd type="none" w="med" len="med"/>
-                    </a:lnL>
-                    <a:lnR w="38100" cap="flat" cmpd="sng" algn="ctr">
-                      <a:noFill/>
-                      <a:prstDash val="solid"/>
-                      <a:round/>
-                      <a:headEnd type="none" w="med" len="med"/>
-                      <a:tailEnd type="none" w="med" len="med"/>
-                    </a:lnR>
-                    <a:lnT w="12700" cap="flat" cmpd="sng" algn="ctr">
-                      <a:solidFill>
-                        <a:schemeClr val="accent2">
-                          <a:lumMod val="75000"/>
-                        </a:schemeClr>
-                      </a:solidFill>
-                      <a:prstDash val="solid"/>
-                      <a:round/>
-                      <a:headEnd type="none" w="med" len="med"/>
-                      <a:tailEnd type="none" w="med" len="med"/>
-                    </a:lnT>
-                    <a:lnB w="12700" cap="flat" cmpd="sng" algn="ctr">
-                      <a:solidFill>
-                        <a:schemeClr val="accent2">
-                          <a:lumMod val="75000"/>
-                        </a:schemeClr>
-                      </a:solidFill>
-                      <a:prstDash val="solid"/>
-                      <a:round/>
-                      <a:headEnd type="none" w="med" len="med"/>
-                      <a:tailEnd type="none" w="med" len="med"/>
-                    </a:lnB>
-                    <a:solidFill>
-                      <a:schemeClr val="accent5"/>
-                    </a:solidFill>
-                  </a:tcPr>
-                </a:tc>
-                <a:extLst>
-                  <a:ext uri="{0D108BD9-81ED-4DB2-BD59-A6C34878D82A}">
-                    <a16:rowId xmlns:a16="http://schemas.microsoft.com/office/drawing/2014/main" val="3090935587"/>
-                  </a:ext>
-                </a:extLst>
-              </a:tr>
-              <a:tr h="548640">
-                <a:tc>
-                  <a:txBody>
-                    <a:bodyPr/>
-                    <a:lstStyle/>
-                    <a:p>
-                      <a:endParaRPr lang="en-GB" sz="1400" dirty="0">
-                        <a:latin typeface="+mn-lt"/>
-                      </a:endParaRPr>
-                    </a:p>
-                  </a:txBody>
-                  <a:tcPr anchor="ctr">
-                    <a:lnL w="38100" cap="flat" cmpd="sng" algn="ctr">
-                      <a:noFill/>
-                      <a:prstDash val="solid"/>
-                      <a:round/>
-                      <a:headEnd type="none" w="med" len="med"/>
-                      <a:tailEnd type="none" w="med" len="med"/>
-                    </a:lnL>
-                    <a:lnR w="12700" cap="flat" cmpd="sng" algn="ctr">
-                      <a:solidFill>
-                        <a:schemeClr val="accent2">
-                          <a:lumMod val="75000"/>
-                        </a:schemeClr>
-                      </a:solidFill>
-                      <a:prstDash val="solid"/>
-                      <a:round/>
-                      <a:headEnd type="none" w="med" len="med"/>
-                      <a:tailEnd type="none" w="med" len="med"/>
-                    </a:lnR>
-                    <a:lnT w="12700" cap="flat" cmpd="sng" algn="ctr">
-                      <a:solidFill>
-                        <a:schemeClr val="accent2">
-                          <a:lumMod val="75000"/>
-                        </a:schemeClr>
-                      </a:solidFill>
-                      <a:prstDash val="solid"/>
-                      <a:round/>
-                      <a:headEnd type="none" w="med" len="med"/>
-                      <a:tailEnd type="none" w="med" len="med"/>
-                    </a:lnT>
-                    <a:lnB w="12700" cap="flat" cmpd="sng" algn="ctr">
-                      <a:solidFill>
-                        <a:schemeClr val="accent2">
-                          <a:lumMod val="75000"/>
-                        </a:schemeClr>
-                      </a:solidFill>
-                      <a:prstDash val="solid"/>
-                      <a:round/>
-                      <a:headEnd type="none" w="med" len="med"/>
-                      <a:tailEnd type="none" w="med" len="med"/>
-                    </a:lnB>
-                    <a:noFill/>
-                  </a:tcPr>
-                </a:tc>
-                <a:tc>
-                  <a:txBody>
-                    <a:bodyPr/>
-                    <a:lstStyle/>
-                    <a:p>
-                      <a:endParaRPr lang="en-GB" sz="1400" dirty="0">
-                        <a:latin typeface="+mn-lt"/>
-                      </a:endParaRPr>
-                    </a:p>
-                  </a:txBody>
-                  <a:tcPr anchor="ctr">
-                    <a:lnL w="12700" cap="flat" cmpd="sng" algn="ctr">
-                      <a:solidFill>
-                        <a:schemeClr val="accent2">
-                          <a:lumMod val="75000"/>
-                        </a:schemeClr>
-                      </a:solidFill>
-                      <a:prstDash val="solid"/>
-                      <a:round/>
-                      <a:headEnd type="none" w="med" len="med"/>
-                      <a:tailEnd type="none" w="med" len="med"/>
-                    </a:lnL>
-                    <a:lnR w="12700" cap="flat" cmpd="sng" algn="ctr">
-                      <a:solidFill>
-                        <a:schemeClr val="accent2">
-                          <a:lumMod val="75000"/>
-                        </a:schemeClr>
-                      </a:solidFill>
-                      <a:prstDash val="solid"/>
-                      <a:round/>
-                      <a:headEnd type="none" w="med" len="med"/>
-                      <a:tailEnd type="none" w="med" len="med"/>
-                    </a:lnR>
-                    <a:lnT w="12700" cap="flat" cmpd="sng" algn="ctr">
-                      <a:solidFill>
-                        <a:schemeClr val="accent2">
-                          <a:lumMod val="75000"/>
-                        </a:schemeClr>
-                      </a:solidFill>
-                      <a:prstDash val="solid"/>
-                      <a:round/>
-                      <a:headEnd type="none" w="med" len="med"/>
-                      <a:tailEnd type="none" w="med" len="med"/>
-                    </a:lnT>
-                    <a:lnB w="12700" cap="flat" cmpd="sng" algn="ctr">
-                      <a:solidFill>
-                        <a:schemeClr val="accent2">
-                          <a:lumMod val="75000"/>
-                        </a:schemeClr>
-                      </a:solidFill>
-                      <a:prstDash val="solid"/>
-                      <a:round/>
-                      <a:headEnd type="none" w="med" len="med"/>
-                      <a:tailEnd type="none" w="med" len="med"/>
-                    </a:lnB>
-                    <a:noFill/>
-                  </a:tcPr>
-                </a:tc>
-                <a:tc>
-                  <a:txBody>
-                    <a:bodyPr/>
-                    <a:lstStyle/>
-                    <a:p>
-                      <a:endParaRPr lang="en-GB" sz="1400" dirty="0">
-                        <a:latin typeface="+mn-lt"/>
-                      </a:endParaRPr>
-                    </a:p>
-                  </a:txBody>
-                  <a:tcPr anchor="ctr">
-                    <a:lnL w="12700" cap="flat" cmpd="sng" algn="ctr">
-                      <a:solidFill>
-                        <a:schemeClr val="accent2">
-                          <a:lumMod val="75000"/>
-                        </a:schemeClr>
-                      </a:solidFill>
-                      <a:prstDash val="solid"/>
-                      <a:round/>
-                      <a:headEnd type="none" w="med" len="med"/>
-                      <a:tailEnd type="none" w="med" len="med"/>
-                    </a:lnL>
-                    <a:lnR w="12700" cap="flat" cmpd="sng" algn="ctr">
-                      <a:solidFill>
-                        <a:schemeClr val="accent2">
-                          <a:lumMod val="75000"/>
-                        </a:schemeClr>
-                      </a:solidFill>
-                      <a:prstDash val="solid"/>
-                      <a:round/>
-                      <a:headEnd type="none" w="med" len="med"/>
-                      <a:tailEnd type="none" w="med" len="med"/>
-                    </a:lnR>
-                    <a:lnT w="12700" cap="flat" cmpd="sng" algn="ctr">
-                      <a:solidFill>
-                        <a:schemeClr val="accent2">
-                          <a:lumMod val="75000"/>
-                        </a:schemeClr>
-                      </a:solidFill>
-                      <a:prstDash val="solid"/>
-                      <a:round/>
-                      <a:headEnd type="none" w="med" len="med"/>
-                      <a:tailEnd type="none" w="med" len="med"/>
-                    </a:lnT>
-                    <a:lnB w="12700" cap="flat" cmpd="sng" algn="ctr">
-                      <a:solidFill>
-                        <a:schemeClr val="accent2">
-                          <a:lumMod val="75000"/>
-                        </a:schemeClr>
-                      </a:solidFill>
-                      <a:prstDash val="solid"/>
-                      <a:round/>
-                      <a:headEnd type="none" w="med" len="med"/>
-                      <a:tailEnd type="none" w="med" len="med"/>
-                    </a:lnB>
-                    <a:noFill/>
-                  </a:tcPr>
-                </a:tc>
-                <a:tc>
-                  <a:txBody>
-                    <a:bodyPr/>
-                    <a:lstStyle/>
-                    <a:p>
-                      <a:endParaRPr lang="en-GB" sz="1400" dirty="0">
-                        <a:latin typeface="+mn-lt"/>
-                      </a:endParaRPr>
-                    </a:p>
-                  </a:txBody>
-                  <a:tcPr anchor="ctr">
-                    <a:lnL w="12700" cap="flat" cmpd="sng" algn="ctr">
-                      <a:solidFill>
-                        <a:schemeClr val="accent2">
-                          <a:lumMod val="75000"/>
-                        </a:schemeClr>
-                      </a:solidFill>
-                      <a:prstDash val="solid"/>
-                      <a:round/>
-                      <a:headEnd type="none" w="med" len="med"/>
-                      <a:tailEnd type="none" w="med" len="med"/>
-                    </a:lnL>
-                    <a:lnR w="38100" cap="flat" cmpd="sng" algn="ctr">
-                      <a:noFill/>
-                      <a:prstDash val="solid"/>
-                      <a:round/>
-                      <a:headEnd type="none" w="med" len="med"/>
-                      <a:tailEnd type="none" w="med" len="med"/>
-                    </a:lnR>
-                    <a:lnT w="12700" cap="flat" cmpd="sng" algn="ctr">
-                      <a:solidFill>
-                        <a:schemeClr val="accent2">
-                          <a:lumMod val="75000"/>
-                        </a:schemeClr>
-                      </a:solidFill>
-                      <a:prstDash val="solid"/>
-                      <a:round/>
-                      <a:headEnd type="none" w="med" len="med"/>
-                      <a:tailEnd type="none" w="med" len="med"/>
-                    </a:lnT>
-                    <a:lnB w="12700" cap="flat" cmpd="sng" algn="ctr">
-                      <a:solidFill>
-                        <a:schemeClr val="accent2">
-                          <a:lumMod val="75000"/>
-                        </a:schemeClr>
-                      </a:solidFill>
-                      <a:prstDash val="solid"/>
-                      <a:round/>
-                      <a:headEnd type="none" w="med" len="med"/>
-                      <a:tailEnd type="none" w="med" len="med"/>
-                    </a:lnB>
-                    <a:noFill/>
-                  </a:tcPr>
-                </a:tc>
-                <a:extLst>
-                  <a:ext uri="{0D108BD9-81ED-4DB2-BD59-A6C34878D82A}">
-                    <a16:rowId xmlns:a16="http://schemas.microsoft.com/office/drawing/2014/main" val="446909641"/>
-                  </a:ext>
-                </a:extLst>
-              </a:tr>
-              <a:tr h="548640">
-                <a:tc>
-                  <a:txBody>
-                    <a:bodyPr/>
-                    <a:lstStyle/>
-                    <a:p>
-                      <a:endParaRPr lang="en-GB" sz="1400" dirty="0">
-                        <a:latin typeface="+mn-lt"/>
-                      </a:endParaRPr>
-                    </a:p>
-                  </a:txBody>
-                  <a:tcPr anchor="ctr">
-                    <a:lnL w="38100" cap="flat" cmpd="sng" algn="ctr">
-                      <a:noFill/>
-                      <a:prstDash val="solid"/>
-                      <a:round/>
-                      <a:headEnd type="none" w="med" len="med"/>
-                      <a:tailEnd type="none" w="med" len="med"/>
-                    </a:lnL>
-                    <a:lnR w="12700" cap="flat" cmpd="sng" algn="ctr">
-                      <a:solidFill>
-                        <a:schemeClr val="accent2">
-                          <a:lumMod val="75000"/>
-                        </a:schemeClr>
-                      </a:solidFill>
-                      <a:prstDash val="solid"/>
-                      <a:round/>
-                      <a:headEnd type="none" w="med" len="med"/>
-                      <a:tailEnd type="none" w="med" len="med"/>
-                    </a:lnR>
-                    <a:lnT w="12700" cap="flat" cmpd="sng" algn="ctr">
-                      <a:solidFill>
-                        <a:schemeClr val="accent2">
-                          <a:lumMod val="75000"/>
-                        </a:schemeClr>
-                      </a:solidFill>
-                      <a:prstDash val="solid"/>
-                      <a:round/>
-                      <a:headEnd type="none" w="med" len="med"/>
-                      <a:tailEnd type="none" w="med" len="med"/>
-                    </a:lnT>
-                    <a:lnB w="12700" cap="flat" cmpd="sng" algn="ctr">
-                      <a:solidFill>
-                        <a:schemeClr val="accent2">
-                          <a:lumMod val="75000"/>
-                        </a:schemeClr>
-                      </a:solidFill>
-                      <a:prstDash val="solid"/>
-                      <a:round/>
-                      <a:headEnd type="none" w="med" len="med"/>
-                      <a:tailEnd type="none" w="med" len="med"/>
-                    </a:lnB>
-                    <a:solidFill>
-                      <a:schemeClr val="accent5"/>
-                    </a:solidFill>
-                  </a:tcPr>
-                </a:tc>
-                <a:tc>
-                  <a:txBody>
-                    <a:bodyPr/>
-                    <a:lstStyle/>
-                    <a:p>
-                      <a:endParaRPr lang="en-GB" sz="1400" dirty="0">
-                        <a:latin typeface="+mn-lt"/>
-                      </a:endParaRPr>
-                    </a:p>
-                  </a:txBody>
-                  <a:tcPr anchor="ctr">
-                    <a:lnL w="12700" cap="flat" cmpd="sng" algn="ctr">
-                      <a:solidFill>
-                        <a:schemeClr val="accent2">
-                          <a:lumMod val="75000"/>
-                        </a:schemeClr>
-                      </a:solidFill>
-                      <a:prstDash val="solid"/>
-                      <a:round/>
-                      <a:headEnd type="none" w="med" len="med"/>
-                      <a:tailEnd type="none" w="med" len="med"/>
-                    </a:lnL>
-                    <a:lnR w="12700" cap="flat" cmpd="sng" algn="ctr">
-                      <a:solidFill>
-                        <a:schemeClr val="accent2">
-                          <a:lumMod val="75000"/>
-                        </a:schemeClr>
-                      </a:solidFill>
-                      <a:prstDash val="solid"/>
-                      <a:round/>
-                      <a:headEnd type="none" w="med" len="med"/>
-                      <a:tailEnd type="none" w="med" len="med"/>
-                    </a:lnR>
-                    <a:lnT w="12700" cap="flat" cmpd="sng" algn="ctr">
-                      <a:solidFill>
-                        <a:schemeClr val="accent2">
-                          <a:lumMod val="75000"/>
-                        </a:schemeClr>
-                      </a:solidFill>
-                      <a:prstDash val="solid"/>
-                      <a:round/>
-                      <a:headEnd type="none" w="med" len="med"/>
-                      <a:tailEnd type="none" w="med" len="med"/>
-                    </a:lnT>
-                    <a:lnB w="12700" cap="flat" cmpd="sng" algn="ctr">
-                      <a:solidFill>
-                        <a:schemeClr val="accent2">
-                          <a:lumMod val="75000"/>
-                        </a:schemeClr>
-                      </a:solidFill>
-                      <a:prstDash val="solid"/>
-                      <a:round/>
-                      <a:headEnd type="none" w="med" len="med"/>
-                      <a:tailEnd type="none" w="med" len="med"/>
-                    </a:lnB>
-                    <a:solidFill>
-                      <a:schemeClr val="accent5"/>
-                    </a:solidFill>
-                  </a:tcPr>
-                </a:tc>
-                <a:tc>
-                  <a:txBody>
-                    <a:bodyPr/>
-                    <a:lstStyle/>
-                    <a:p>
-                      <a:endParaRPr lang="en-GB" sz="1400" dirty="0">
-                        <a:latin typeface="+mn-lt"/>
-                      </a:endParaRPr>
-                    </a:p>
-                  </a:txBody>
-                  <a:tcPr anchor="ctr">
-                    <a:lnL w="12700" cap="flat" cmpd="sng" algn="ctr">
-                      <a:solidFill>
-                        <a:schemeClr val="accent2">
-                          <a:lumMod val="75000"/>
-                        </a:schemeClr>
-                      </a:solidFill>
-                      <a:prstDash val="solid"/>
-                      <a:round/>
-                      <a:headEnd type="none" w="med" len="med"/>
-                      <a:tailEnd type="none" w="med" len="med"/>
-                    </a:lnL>
-                    <a:lnR w="12700" cap="flat" cmpd="sng" algn="ctr">
-                      <a:solidFill>
-                        <a:schemeClr val="accent2">
-                          <a:lumMod val="75000"/>
-                        </a:schemeClr>
-                      </a:solidFill>
-                      <a:prstDash val="solid"/>
-                      <a:round/>
-                      <a:headEnd type="none" w="med" len="med"/>
-                      <a:tailEnd type="none" w="med" len="med"/>
-                    </a:lnR>
-                    <a:lnT w="12700" cap="flat" cmpd="sng" algn="ctr">
-                      <a:solidFill>
-                        <a:schemeClr val="accent2">
-                          <a:lumMod val="75000"/>
-                        </a:schemeClr>
-                      </a:solidFill>
-                      <a:prstDash val="solid"/>
-                      <a:round/>
-                      <a:headEnd type="none" w="med" len="med"/>
-                      <a:tailEnd type="none" w="med" len="med"/>
-                    </a:lnT>
-                    <a:lnB w="12700" cap="flat" cmpd="sng" algn="ctr">
-                      <a:solidFill>
-                        <a:schemeClr val="accent2">
-                          <a:lumMod val="75000"/>
-                        </a:schemeClr>
-                      </a:solidFill>
-                      <a:prstDash val="solid"/>
-                      <a:round/>
-                      <a:headEnd type="none" w="med" len="med"/>
-                      <a:tailEnd type="none" w="med" len="med"/>
-                    </a:lnB>
-                    <a:solidFill>
-                      <a:schemeClr val="accent5"/>
-                    </a:solidFill>
-                  </a:tcPr>
-                </a:tc>
-                <a:tc>
-                  <a:txBody>
-                    <a:bodyPr/>
-                    <a:lstStyle/>
-                    <a:p>
-                      <a:endParaRPr lang="en-GB" sz="1400" dirty="0">
-                        <a:latin typeface="+mn-lt"/>
-                      </a:endParaRPr>
-                    </a:p>
-                  </a:txBody>
-                  <a:tcPr anchor="ctr">
-                    <a:lnL w="12700" cap="flat" cmpd="sng" algn="ctr">
-                      <a:solidFill>
-                        <a:schemeClr val="accent2">
-                          <a:lumMod val="75000"/>
-                        </a:schemeClr>
-                      </a:solidFill>
-                      <a:prstDash val="solid"/>
-                      <a:round/>
-                      <a:headEnd type="none" w="med" len="med"/>
-                      <a:tailEnd type="none" w="med" len="med"/>
-                    </a:lnL>
-                    <a:lnR w="38100" cap="flat" cmpd="sng" algn="ctr">
-                      <a:noFill/>
-                      <a:prstDash val="solid"/>
-                      <a:round/>
-                      <a:headEnd type="none" w="med" len="med"/>
-                      <a:tailEnd type="none" w="med" len="med"/>
-                    </a:lnR>
-                    <a:lnT w="12700" cap="flat" cmpd="sng" algn="ctr">
-                      <a:solidFill>
-                        <a:schemeClr val="accent2">
-                          <a:lumMod val="75000"/>
-                        </a:schemeClr>
-                      </a:solidFill>
-                      <a:prstDash val="solid"/>
-                      <a:round/>
-                      <a:headEnd type="none" w="med" len="med"/>
-                      <a:tailEnd type="none" w="med" len="med"/>
-                    </a:lnT>
-                    <a:lnB w="12700" cap="flat" cmpd="sng" algn="ctr">
-                      <a:solidFill>
-                        <a:schemeClr val="accent2">
-                          <a:lumMod val="75000"/>
-                        </a:schemeClr>
-                      </a:solidFill>
-                      <a:prstDash val="solid"/>
-                      <a:round/>
-                      <a:headEnd type="none" w="med" len="med"/>
-                      <a:tailEnd type="none" w="med" len="med"/>
-                    </a:lnB>
-                    <a:solidFill>
-                      <a:schemeClr val="accent5"/>
-                    </a:solidFill>
-                  </a:tcPr>
-                </a:tc>
-                <a:extLst>
-                  <a:ext uri="{0D108BD9-81ED-4DB2-BD59-A6C34878D82A}">
-                    <a16:rowId xmlns:a16="http://schemas.microsoft.com/office/drawing/2014/main" val="3472044516"/>
-                  </a:ext>
-                </a:extLst>
-              </a:tr>
-            </a:tbl>
-          </a:graphicData>
-        </a:graphic>
-      </p:graphicFrame>
       <p:sp>
         <p:nvSpPr>
-          <p:cNvPr id="2" name="Slide Number Placeholder 1">
+          <p:cNvPr id="3" name="Slide Number Placeholder 2">
             <a:extLst>
               <a:ext uri="{FF2B5EF4-FFF2-40B4-BE49-F238E27FC236}">
-                <a16:creationId xmlns:a16="http://schemas.microsoft.com/office/drawing/2014/main" id="{E4398C1C-6656-4A73-A680-62A81CDC27FD}"/>
+                <a16:creationId xmlns:a16="http://schemas.microsoft.com/office/drawing/2014/main" id="{B6EF6BB3-0220-4280-9489-2119881ACAEA}"/>
               </a:ext>
             </a:extLst>
           </p:cNvPr>
@@ -32223,42 +29638,222 @@
             <p:ph type="sldNum" sz="quarter" idx="12"/>
           </p:nvPr>
         </p:nvSpPr>
-        <p:spPr/>
+        <p:spPr>
+          <a:xfrm>
+            <a:off x="11252200" y="6315075"/>
+            <a:ext cx="406400" cy="365125"/>
+          </a:xfrm>
+        </p:spPr>
         <p:txBody>
-          <a:bodyPr/>
+          <a:bodyPr anchor="ctr">
+            <a:normAutofit/>
+          </a:bodyPr>
           <a:lstStyle/>
           <a:p>
+            <a:pPr>
+              <a:spcAft>
+                <a:spcPts val="600"/>
+              </a:spcAft>
+            </a:pPr>
             <a:fld id="{C263D6C4-4840-40CC-AC84-17E24B3B7BDE}" type="slidenum">
-              <a:rPr lang="en-US" smtClean="0"/>
-              <a:pPr/>
+              <a:rPr lang="en-US" noProof="0" smtClean="0"/>
+              <a:pPr>
+                <a:spcAft>
+                  <a:spcPts val="600"/>
+                </a:spcAft>
+              </a:pPr>
               <a:t>28</a:t>
             </a:fld>
-            <a:endParaRPr lang="en-US" dirty="0"/>
+            <a:endParaRPr lang="en-US" noProof="0"/>
           </a:p>
         </p:txBody>
       </p:sp>
+      <p:sp>
+        <p:nvSpPr>
+          <p:cNvPr id="4" name="Content Placeholder 3">
+            <a:extLst>
+              <a:ext uri="{FF2B5EF4-FFF2-40B4-BE49-F238E27FC236}">
+                <a16:creationId xmlns:a16="http://schemas.microsoft.com/office/drawing/2014/main" id="{53FD54AC-B23E-4992-9975-06CEA073A792}"/>
+              </a:ext>
+            </a:extLst>
+          </p:cNvPr>
+          <p:cNvSpPr>
+            <a:spLocks noGrp="1"/>
+          </p:cNvSpPr>
+          <p:nvPr>
+            <p:ph sz="half" idx="1"/>
+          </p:nvPr>
+        </p:nvSpPr>
+        <p:spPr>
+          <a:xfrm>
+            <a:off x="444500" y="1582370"/>
+            <a:ext cx="5184437" cy="4659248"/>
+          </a:xfrm>
+        </p:spPr>
+        <p:txBody>
+          <a:bodyPr>
+            <a:normAutofit fontScale="92500" lnSpcReduction="20000"/>
+          </a:bodyPr>
+          <a:lstStyle/>
+          <a:p>
+            <a:r>
+              <a:rPr lang="en-US" dirty="0"/>
+              <a:t>Two Main “Goals”:</a:t>
+            </a:r>
+          </a:p>
+          <a:p>
+            <a:pPr lvl="1"/>
+            <a:r>
+              <a:rPr lang="en-US" sz="2000" dirty="0"/>
+              <a:t>Increased Data Privacy and </a:t>
+            </a:r>
+          </a:p>
+          <a:p>
+            <a:pPr lvl="1"/>
+            <a:r>
+              <a:rPr lang="en-US" sz="2000" dirty="0"/>
+              <a:t>Increased Data Protection</a:t>
+            </a:r>
+          </a:p>
+          <a:p>
+            <a:r>
+              <a:rPr lang="en-US" sz="2200" dirty="0"/>
+              <a:t>Twitter API Problems</a:t>
+            </a:r>
+          </a:p>
+          <a:p>
+            <a:pPr lvl="1"/>
+            <a:r>
+              <a:rPr lang="en-US" sz="2000" dirty="0"/>
+              <a:t>Easy to get access too. </a:t>
+            </a:r>
+          </a:p>
+          <a:p>
+            <a:pPr lvl="1"/>
+            <a:r>
+              <a:rPr lang="en-US" sz="2000" dirty="0"/>
+              <a:t>Easy to download massive amounts of data.</a:t>
+            </a:r>
+          </a:p>
+          <a:p>
+            <a:pPr lvl="1"/>
+            <a:r>
+              <a:rPr lang="en-US" sz="2000" dirty="0"/>
+              <a:t>No proof of usage. </a:t>
+            </a:r>
+          </a:p>
+          <a:p>
+            <a:r>
+              <a:rPr lang="en-US" sz="2200" dirty="0"/>
+              <a:t>Solutions</a:t>
+            </a:r>
+          </a:p>
+          <a:p>
+            <a:pPr lvl="1"/>
+            <a:r>
+              <a:rPr lang="en-US" sz="2000" dirty="0"/>
+              <a:t>Accounts Set to Default by Private</a:t>
+            </a:r>
+          </a:p>
+          <a:p>
+            <a:pPr lvl="2"/>
+            <a:r>
+              <a:rPr lang="en-US" sz="1800" dirty="0"/>
+              <a:t>Protects smaller “ordinary” users, no issues for “content creators” and celebrities. </a:t>
+            </a:r>
+          </a:p>
+          <a:p>
+            <a:pPr lvl="1"/>
+            <a:r>
+              <a:rPr lang="en-US" sz="2000" dirty="0"/>
+              <a:t>Limiting Developer Access</a:t>
+            </a:r>
+          </a:p>
+          <a:p>
+            <a:pPr lvl="2"/>
+            <a:r>
+              <a:rPr lang="en-US" sz="1800" dirty="0"/>
+              <a:t>Usage Reports</a:t>
+            </a:r>
+          </a:p>
+          <a:p>
+            <a:pPr lvl="2"/>
+            <a:r>
+              <a:rPr lang="en-US" sz="1800" dirty="0"/>
+              <a:t>Academia Only</a:t>
+            </a:r>
+          </a:p>
+          <a:p>
+            <a:pPr lvl="1"/>
+            <a:r>
+              <a:rPr lang="en-US" sz="2000" dirty="0"/>
+              <a:t>In-House Usage</a:t>
+            </a:r>
+            <a:endParaRPr lang="en-US" dirty="0"/>
+          </a:p>
+          <a:p>
+            <a:endParaRPr lang="en-US" dirty="0"/>
+          </a:p>
+        </p:txBody>
+      </p:sp>
+      <p:pic>
+        <p:nvPicPr>
+          <p:cNvPr id="9218" name="Picture 2" descr="Image result for data privacy">
+            <a:extLst>
+              <a:ext uri="{FF2B5EF4-FFF2-40B4-BE49-F238E27FC236}">
+                <a16:creationId xmlns:a16="http://schemas.microsoft.com/office/drawing/2014/main" id="{1980608B-9ACE-449A-9BEB-80F9AD5EA1EE}"/>
+              </a:ext>
+            </a:extLst>
+          </p:cNvPr>
+          <p:cNvPicPr>
+            <a:picLocks noChangeAspect="1" noChangeArrowheads="1"/>
+          </p:cNvPicPr>
+          <p:nvPr/>
+        </p:nvPicPr>
+        <p:blipFill>
+          <a:blip r:embed="rId2">
+            <a:extLst>
+              <a:ext uri="{28A0092B-C50C-407E-A947-70E740481C1C}">
+                <a14:useLocalDpi xmlns:a14="http://schemas.microsoft.com/office/drawing/2010/main" val="0"/>
+              </a:ext>
+            </a:extLst>
+          </a:blip>
+          <a:stretch>
+            <a:fillRect/>
+          </a:stretch>
+        </p:blipFill>
+        <p:spPr bwMode="auto">
+          <a:xfrm>
+            <a:off x="6474163" y="2117033"/>
+            <a:ext cx="5184437" cy="3460611"/>
+          </a:xfrm>
+          <a:prstGeom prst="rect">
+            <a:avLst/>
+          </a:prstGeom>
+          <a:solidFill>
+            <a:srgbClr val="FFFFFF"/>
+          </a:solidFill>
+          <a:extLst>
+            <a:ext uri="{909E8E84-426E-40DD-AFC4-6F175D3DCCD1}">
+              <a14:hiddenFill xmlns:a14="http://schemas.microsoft.com/office/drawing/2010/main">
+                <a:solidFill>
+                  <a:srgbClr val="FFFFFF"/>
+                </a:solidFill>
+              </a14:hiddenFill>
+            </a:ext>
+          </a:extLst>
+        </p:spPr>
+      </p:pic>
     </p:spTree>
     <p:extLst>
       <p:ext uri="{BB962C8B-B14F-4D97-AF65-F5344CB8AC3E}">
-        <p14:creationId xmlns:p14="http://schemas.microsoft.com/office/powerpoint/2010/main" val="1065425595"/>
+        <p14:creationId xmlns:p14="http://schemas.microsoft.com/office/powerpoint/2010/main" val="904406369"/>
       </p:ext>
     </p:extLst>
   </p:cSld>
   <p:clrMapOvr>
     <a:masterClrMapping/>
   </p:clrMapOvr>
-  <mc:AlternateContent xmlns:mc="http://schemas.openxmlformats.org/markup-compatibility/2006" xmlns:p14="http://schemas.microsoft.com/office/powerpoint/2010/main">
-    <mc:Choice Requires="p14">
-      <p:transition spd="med" p14:dur="700">
-        <p:fade/>
-      </p:transition>
-    </mc:Choice>
-    <mc:Fallback xmlns="">
-      <p:transition spd="med">
-        <p:fade/>
-      </p:transition>
-    </mc:Fallback>
-  </mc:AlternateContent>
 </p:sld>
 </file>
 
@@ -32281,10 +29876,10 @@
       </p:grpSpPr>
       <p:sp>
         <p:nvSpPr>
-          <p:cNvPr id="5" name="Title 4">
+          <p:cNvPr id="2" name="Title 1">
             <a:extLst>
               <a:ext uri="{FF2B5EF4-FFF2-40B4-BE49-F238E27FC236}">
-                <a16:creationId xmlns:a16="http://schemas.microsoft.com/office/drawing/2014/main" id="{201323FB-427E-4A8D-B473-AB0657D8D23B}"/>
+                <a16:creationId xmlns:a16="http://schemas.microsoft.com/office/drawing/2014/main" id="{632BE5BF-9922-45FB-8F3F-4446D40A051B}"/>
               </a:ext>
             </a:extLst>
           </p:cNvPr>
@@ -32292,101 +29887,40 @@
             <a:spLocks noGrp="1"/>
           </p:cNvSpPr>
           <p:nvPr>
-            <p:ph type="title"/>
+            <p:ph type="ctrTitle"/>
           </p:nvPr>
         </p:nvSpPr>
-        <p:spPr/>
+        <p:spPr>
+          <a:xfrm>
+            <a:off x="6344706" y="2807208"/>
+            <a:ext cx="4945598" cy="1243584"/>
+          </a:xfrm>
+        </p:spPr>
         <p:txBody>
           <a:bodyPr/>
           <a:lstStyle/>
           <a:p>
             <a:r>
               <a:rPr lang="en-US" dirty="0"/>
-              <a:t>Chart</a:t>
+              <a:t>Thank You For Your Help in this Complex Process!</a:t>
             </a:r>
-          </a:p>
-        </p:txBody>
-      </p:sp>
-      <p:graphicFrame>
-        <p:nvGraphicFramePr>
-          <p:cNvPr id="7" name="Chart 6" title="Gross Revenue Placeholder Chart">
-            <a:extLst>
-              <a:ext uri="{FF2B5EF4-FFF2-40B4-BE49-F238E27FC236}">
-                <a16:creationId xmlns:a16="http://schemas.microsoft.com/office/drawing/2014/main" id="{19AEAA04-4840-FB41-B910-5F3570D85F0A}"/>
-              </a:ext>
-            </a:extLst>
-          </p:cNvPr>
-          <p:cNvGraphicFramePr/>
-          <p:nvPr>
-            <p:extLst>
-              <p:ext uri="{D42A27DB-BD31-4B8C-83A1-F6EECF244321}">
-                <p14:modId xmlns:p14="http://schemas.microsoft.com/office/powerpoint/2010/main" val="654825679"/>
-              </p:ext>
-            </p:extLst>
-          </p:nvPr>
-        </p:nvGraphicFramePr>
-        <p:xfrm>
-          <a:off x="1250950" y="1712075"/>
-          <a:ext cx="9690100" cy="4444199"/>
-        </p:xfrm>
-        <a:graphic>
-          <a:graphicData uri="http://schemas.openxmlformats.org/drawingml/2006/chart">
-            <c:chart xmlns:c="http://schemas.openxmlformats.org/drawingml/2006/chart" xmlns:r="http://schemas.openxmlformats.org/officeDocument/2006/relationships" r:id="rId2"/>
-          </a:graphicData>
-        </a:graphic>
-      </p:graphicFrame>
-      <p:sp>
-        <p:nvSpPr>
-          <p:cNvPr id="2" name="Slide Number Placeholder 1">
-            <a:extLst>
-              <a:ext uri="{FF2B5EF4-FFF2-40B4-BE49-F238E27FC236}">
-                <a16:creationId xmlns:a16="http://schemas.microsoft.com/office/drawing/2014/main" id="{E4398C1C-6656-4A73-A680-62A81CDC27FD}"/>
-              </a:ext>
-            </a:extLst>
-          </p:cNvPr>
-          <p:cNvSpPr>
-            <a:spLocks noGrp="1"/>
-          </p:cNvSpPr>
-          <p:nvPr>
-            <p:ph type="sldNum" sz="quarter" idx="12"/>
-          </p:nvPr>
-        </p:nvSpPr>
-        <p:spPr/>
-        <p:txBody>
-          <a:bodyPr/>
-          <a:lstStyle/>
-          <a:p>
-            <a:fld id="{C263D6C4-4840-40CC-AC84-17E24B3B7BDE}" type="slidenum">
-              <a:rPr lang="en-US" smtClean="0"/>
-              <a:pPr/>
-              <a:t>29</a:t>
-            </a:fld>
-            <a:endParaRPr lang="en-US" dirty="0"/>
+            <a:endParaRPr lang="en-GB" dirty="0"/>
           </a:p>
         </p:txBody>
       </p:sp>
     </p:spTree>
     <p:extLst>
       <p:ext uri="{BB962C8B-B14F-4D97-AF65-F5344CB8AC3E}">
-        <p14:creationId xmlns:p14="http://schemas.microsoft.com/office/powerpoint/2010/main" val="3322300142"/>
+        <p14:creationId xmlns:p14="http://schemas.microsoft.com/office/powerpoint/2010/main" val="429771863"/>
       </p:ext>
     </p:extLst>
   </p:cSld>
   <p:clrMapOvr>
     <a:masterClrMapping/>
   </p:clrMapOvr>
-  <mc:AlternateContent xmlns:mc="http://schemas.openxmlformats.org/markup-compatibility/2006" xmlns:p14="http://schemas.microsoft.com/office/powerpoint/2010/main">
-    <mc:Choice Requires="p14">
-      <p:transition spd="med" p14:dur="700">
-        <p:fade/>
-      </p:transition>
-    </mc:Choice>
-    <mc:Fallback xmlns="">
-      <p:transition spd="med">
-        <p:fade/>
-      </p:transition>
-    </mc:Fallback>
-  </mc:AlternateContent>
+  <p:transition spd="slow">
+    <p:wipe/>
+  </p:transition>
 </p:sld>
 </file>
 
@@ -32540,76 +30074,19 @@
             <p:ph type="ctrTitle"/>
           </p:nvPr>
         </p:nvSpPr>
-        <p:spPr/>
+        <p:spPr>
+          <a:xfrm>
+            <a:off x="6395753" y="2807208"/>
+            <a:ext cx="4945598" cy="1243584"/>
+          </a:xfrm>
+        </p:spPr>
         <p:txBody>
           <a:bodyPr/>
           <a:lstStyle/>
           <a:p>
             <a:r>
               <a:rPr lang="en-US" dirty="0"/>
-              <a:t>Thank You 1</a:t>
-            </a:r>
-            <a:endParaRPr lang="en-GB" dirty="0"/>
-          </a:p>
-        </p:txBody>
-      </p:sp>
-    </p:spTree>
-    <p:extLst>
-      <p:ext uri="{BB962C8B-B14F-4D97-AF65-F5344CB8AC3E}">
-        <p14:creationId xmlns:p14="http://schemas.microsoft.com/office/powerpoint/2010/main" val="429771863"/>
-      </p:ext>
-    </p:extLst>
-  </p:cSld>
-  <p:clrMapOvr>
-    <a:masterClrMapping/>
-  </p:clrMapOvr>
-  <p:transition spd="slow">
-    <p:wipe/>
-  </p:transition>
-</p:sld>
-</file>
-
-<file path=ppt/slides/slide31.xml><?xml version="1.0" encoding="utf-8"?>
-<p:sld xmlns:a="http://schemas.openxmlformats.org/drawingml/2006/main" xmlns:r="http://schemas.openxmlformats.org/officeDocument/2006/relationships" xmlns:p="http://schemas.openxmlformats.org/presentationml/2006/main">
-  <p:cSld>
-    <p:spTree>
-      <p:nvGrpSpPr>
-        <p:cNvPr id="1" name=""/>
-        <p:cNvGrpSpPr/>
-        <p:nvPr/>
-      </p:nvGrpSpPr>
-      <p:grpSpPr>
-        <a:xfrm>
-          <a:off x="0" y="0"/>
-          <a:ext cx="0" cy="0"/>
-          <a:chOff x="0" y="0"/>
-          <a:chExt cx="0" cy="0"/>
-        </a:xfrm>
-      </p:grpSpPr>
-      <p:sp>
-        <p:nvSpPr>
-          <p:cNvPr id="2" name="Title 1">
-            <a:extLst>
-              <a:ext uri="{FF2B5EF4-FFF2-40B4-BE49-F238E27FC236}">
-                <a16:creationId xmlns:a16="http://schemas.microsoft.com/office/drawing/2014/main" id="{632BE5BF-9922-45FB-8F3F-4446D40A051B}"/>
-              </a:ext>
-            </a:extLst>
-          </p:cNvPr>
-          <p:cNvSpPr>
-            <a:spLocks noGrp="1"/>
-          </p:cNvSpPr>
-          <p:nvPr>
-            <p:ph type="ctrTitle"/>
-          </p:nvPr>
-        </p:nvSpPr>
-        <p:spPr/>
-        <p:txBody>
-          <a:bodyPr/>
-          <a:lstStyle/>
-          <a:p>
-            <a:r>
-              <a:rPr lang="en-US" dirty="0"/>
-              <a:t>Thank You 2</a:t>
+              <a:t>Questions?</a:t>
             </a:r>
             <a:endParaRPr lang="en-GB" dirty="0"/>
           </a:p>
@@ -32628,131 +30105,6 @@
   <p:transition spd="slow">
     <p:wipe/>
   </p:transition>
-</p:sld>
-</file>
-
-<file path=ppt/slides/slide32.xml><?xml version="1.0" encoding="utf-8"?>
-<p:sld xmlns:a="http://schemas.openxmlformats.org/drawingml/2006/main" xmlns:r="http://schemas.openxmlformats.org/officeDocument/2006/relationships" xmlns:p="http://schemas.openxmlformats.org/presentationml/2006/main">
-  <p:cSld>
-    <p:spTree>
-      <p:nvGrpSpPr>
-        <p:cNvPr id="1" name=""/>
-        <p:cNvGrpSpPr/>
-        <p:nvPr/>
-      </p:nvGrpSpPr>
-      <p:grpSpPr>
-        <a:xfrm>
-          <a:off x="0" y="0"/>
-          <a:ext cx="0" cy="0"/>
-          <a:chOff x="0" y="0"/>
-          <a:chExt cx="0" cy="0"/>
-        </a:xfrm>
-      </p:grpSpPr>
-      <p:sp>
-        <p:nvSpPr>
-          <p:cNvPr id="4" name="Title 3">
-            <a:extLst>
-              <a:ext uri="{FF2B5EF4-FFF2-40B4-BE49-F238E27FC236}">
-                <a16:creationId xmlns:a16="http://schemas.microsoft.com/office/drawing/2014/main" id="{E98DCA46-603B-4178-8707-30E192CE6B8D}"/>
-              </a:ext>
-            </a:extLst>
-          </p:cNvPr>
-          <p:cNvSpPr>
-            <a:spLocks noGrp="1"/>
-          </p:cNvSpPr>
-          <p:nvPr>
-            <p:ph type="title"/>
-          </p:nvPr>
-        </p:nvSpPr>
-        <p:spPr/>
-        <p:txBody>
-          <a:bodyPr/>
-          <a:lstStyle/>
-          <a:p>
-            <a:r>
-              <a:rPr lang="en-US" dirty="0"/>
-              <a:t>Customize this Template</a:t>
-            </a:r>
-          </a:p>
-        </p:txBody>
-      </p:sp>
-      <p:sp>
-        <p:nvSpPr>
-          <p:cNvPr id="2" name="Slide Number Placeholder 1">
-            <a:extLst>
-              <a:ext uri="{FF2B5EF4-FFF2-40B4-BE49-F238E27FC236}">
-                <a16:creationId xmlns:a16="http://schemas.microsoft.com/office/drawing/2014/main" id="{6D90B5C6-1CB0-445E-99D1-8E2FE8C59B50}"/>
-              </a:ext>
-            </a:extLst>
-          </p:cNvPr>
-          <p:cNvSpPr>
-            <a:spLocks noGrp="1"/>
-          </p:cNvSpPr>
-          <p:nvPr>
-            <p:ph type="sldNum" sz="quarter" idx="12"/>
-          </p:nvPr>
-        </p:nvSpPr>
-        <p:spPr/>
-        <p:txBody>
-          <a:bodyPr/>
-          <a:lstStyle/>
-          <a:p>
-            <a:fld id="{C263D6C4-4840-40CC-AC84-17E24B3B7BDE}" type="slidenum">
-              <a:rPr lang="en-US" smtClean="0"/>
-              <a:pPr/>
-              <a:t>32</a:t>
-            </a:fld>
-            <a:endParaRPr lang="en-US" dirty="0"/>
-          </a:p>
-        </p:txBody>
-      </p:sp>
-      <p:sp>
-        <p:nvSpPr>
-          <p:cNvPr id="3" name="Text Placeholder 2">
-            <a:extLst>
-              <a:ext uri="{FF2B5EF4-FFF2-40B4-BE49-F238E27FC236}">
-                <a16:creationId xmlns:a16="http://schemas.microsoft.com/office/drawing/2014/main" id="{06554A61-D199-469B-AB0C-B68F82B5059F}"/>
-              </a:ext>
-            </a:extLst>
-          </p:cNvPr>
-          <p:cNvSpPr>
-            <a:spLocks noGrp="1"/>
-          </p:cNvSpPr>
-          <p:nvPr>
-            <p:ph type="body" sz="quarter" idx="13"/>
-          </p:nvPr>
-        </p:nvSpPr>
-        <p:spPr/>
-        <p:txBody>
-          <a:bodyPr/>
-          <a:lstStyle/>
-          <a:p>
-            <a:r>
-              <a:rPr lang="en-US" u="sng" dirty="0">
-                <a:hlinkClick r:id="rId2">
-                  <a:extLst>
-                    <a:ext uri="{A12FA001-AC4F-418D-AE19-62706E023703}">
-                      <ahyp:hlinkClr xmlns:ahyp="http://schemas.microsoft.com/office/drawing/2018/hyperlinkcolor" val="tx"/>
-                    </a:ext>
-                  </a:extLst>
-                </a:hlinkClick>
-              </a:rPr>
-              <a:t>Template Editing Instructions and Feedback</a:t>
-            </a:r>
-            <a:endParaRPr lang="en-US" u="sng" dirty="0"/>
-          </a:p>
-        </p:txBody>
-      </p:sp>
-    </p:spTree>
-    <p:extLst>
-      <p:ext uri="{BB962C8B-B14F-4D97-AF65-F5344CB8AC3E}">
-        <p14:creationId xmlns:p14="http://schemas.microsoft.com/office/powerpoint/2010/main" val="59582380"/>
-      </p:ext>
-    </p:extLst>
-  </p:cSld>
-  <p:clrMapOvr>
-    <a:masterClrMapping/>
-  </p:clrMapOvr>
 </p:sld>
 </file>
 
@@ -33047,9 +30399,16 @@
             <p:ph type="title"/>
           </p:nvPr>
         </p:nvSpPr>
-        <p:spPr/>
+        <p:spPr>
+          <a:xfrm>
+            <a:off x="444500" y="542925"/>
+            <a:ext cx="11214100" cy="535531"/>
+          </a:xfrm>
+        </p:spPr>
         <p:txBody>
-          <a:bodyPr/>
+          <a:bodyPr wrap="square" anchor="t">
+            <a:normAutofit/>
+          </a:bodyPr>
           <a:lstStyle/>
           <a:p>
             <a:r>
@@ -33075,17 +30434,33 @@
             <p:ph type="sldNum" sz="quarter" idx="12"/>
           </p:nvPr>
         </p:nvSpPr>
-        <p:spPr/>
+        <p:spPr>
+          <a:xfrm>
+            <a:off x="11252200" y="6315075"/>
+            <a:ext cx="406400" cy="365125"/>
+          </a:xfrm>
+        </p:spPr>
         <p:txBody>
-          <a:bodyPr/>
+          <a:bodyPr anchor="ctr">
+            <a:normAutofit/>
+          </a:bodyPr>
           <a:lstStyle/>
           <a:p>
+            <a:pPr>
+              <a:spcAft>
+                <a:spcPts val="600"/>
+              </a:spcAft>
+            </a:pPr>
             <a:fld id="{C263D6C4-4840-40CC-AC84-17E24B3B7BDE}" type="slidenum">
               <a:rPr lang="en-US" noProof="0" smtClean="0"/>
-              <a:pPr/>
+              <a:pPr>
+                <a:spcAft>
+                  <a:spcPts val="600"/>
+                </a:spcAft>
+              </a:pPr>
               <a:t>5</a:t>
             </a:fld>
-            <a:endParaRPr lang="en-US" noProof="0" dirty="0"/>
+            <a:endParaRPr lang="en-US" noProof="0"/>
           </a:p>
         </p:txBody>
       </p:sp>
@@ -33102,89 +30477,144 @@
             <a:spLocks noGrp="1"/>
           </p:cNvSpPr>
           <p:nvPr>
-            <p:ph type="body" sz="quarter" idx="13"/>
+            <p:ph sz="half" idx="1"/>
           </p:nvPr>
         </p:nvSpPr>
-        <p:spPr/>
+        <p:spPr>
+          <a:xfrm>
+            <a:off x="443365" y="1517715"/>
+            <a:ext cx="5184437" cy="4659248"/>
+          </a:xfrm>
+        </p:spPr>
         <p:txBody>
-          <a:bodyPr/>
+          <a:bodyPr>
+            <a:normAutofit/>
+          </a:bodyPr>
           <a:lstStyle/>
           <a:p>
             <a:r>
-              <a:rPr lang="en-US" dirty="0"/>
+              <a:rPr lang="en-US" sz="1700"/>
               <a:t>With the growing divide in the country and Twitter’s role in this issue, as well as the increasing issues surrounding political polarity in general, I seek to determine if Twitter can be used to identify someone’s political party. </a:t>
             </a:r>
           </a:p>
           <a:p>
             <a:pPr lvl="1"/>
             <a:r>
-              <a:rPr lang="en-US" dirty="0"/>
+              <a:rPr lang="en-US" sz="1700"/>
               <a:t>If so, what does this mean for the world, and are the results good or bad? </a:t>
             </a:r>
           </a:p>
           <a:p>
             <a:pPr lvl="1"/>
             <a:r>
-              <a:rPr lang="en-US" dirty="0"/>
+              <a:rPr lang="en-US" sz="1700"/>
               <a:t>What can we do to prevent misuse of this technology? </a:t>
             </a:r>
           </a:p>
           <a:p>
             <a:r>
-              <a:rPr lang="en-US" dirty="0"/>
+              <a:rPr lang="en-US" sz="1700"/>
               <a:t>Presentation Outline:</a:t>
             </a:r>
           </a:p>
           <a:p>
             <a:pPr lvl="1"/>
             <a:r>
-              <a:rPr lang="en-US" dirty="0"/>
+              <a:rPr lang="en-US" sz="1700"/>
               <a:t>Data Definitions &amp; Literature Review</a:t>
             </a:r>
           </a:p>
           <a:p>
             <a:pPr lvl="1"/>
             <a:r>
-              <a:rPr lang="en-US" dirty="0"/>
+              <a:rPr lang="en-US" sz="1700"/>
               <a:t>Methodology &amp; Implementation of Models</a:t>
             </a:r>
           </a:p>
           <a:p>
             <a:pPr lvl="1"/>
             <a:r>
-              <a:rPr lang="en-US" dirty="0"/>
+              <a:rPr lang="en-US" sz="1700"/>
               <a:t>Results</a:t>
             </a:r>
           </a:p>
           <a:p>
             <a:pPr lvl="1"/>
             <a:r>
-              <a:rPr lang="en-US" dirty="0"/>
+              <a:rPr lang="en-US" sz="1700"/>
               <a:t>Future Work &amp; Complications</a:t>
             </a:r>
           </a:p>
           <a:p>
             <a:pPr lvl="1"/>
             <a:r>
-              <a:rPr lang="en-US" dirty="0"/>
+              <a:rPr lang="en-US" sz="1700"/>
               <a:t>Implications</a:t>
             </a:r>
           </a:p>
           <a:p>
             <a:pPr lvl="1"/>
             <a:r>
-              <a:rPr lang="en-US" dirty="0"/>
+              <a:rPr lang="en-US" sz="1700"/>
               <a:t>Final Thoughts</a:t>
             </a:r>
           </a:p>
           <a:p>
-            <a:endParaRPr lang="en-US" dirty="0"/>
-          </a:p>
-          <a:p>
-            <a:endParaRPr lang="en-US" dirty="0"/>
+            <a:endParaRPr lang="en-US" sz="1700"/>
+          </a:p>
+          <a:p>
+            <a:endParaRPr lang="en-US" sz="1700"/>
           </a:p>
         </p:txBody>
       </p:sp>
+      <p:pic>
+        <p:nvPicPr>
+          <p:cNvPr id="10242" name="Picture 2" descr="Image result for goals">
+            <a:extLst>
+              <a:ext uri="{FF2B5EF4-FFF2-40B4-BE49-F238E27FC236}">
+                <a16:creationId xmlns:a16="http://schemas.microsoft.com/office/drawing/2014/main" id="{332F6956-CC59-49B9-BF76-90B298A45A63}"/>
+              </a:ext>
+            </a:extLst>
+          </p:cNvPr>
+          <p:cNvPicPr>
+            <a:picLocks noChangeAspect="1" noChangeArrowheads="1"/>
+          </p:cNvPicPr>
+          <p:nvPr/>
+        </p:nvPicPr>
+        <p:blipFill>
+          <a:blip r:embed="rId2">
+            <a:extLst>
+              <a:ext uri="{28A0092B-C50C-407E-A947-70E740481C1C}">
+                <a14:useLocalDpi xmlns:a14="http://schemas.microsoft.com/office/drawing/2010/main" val="0"/>
+              </a:ext>
+            </a:extLst>
+          </a:blip>
+          <a:stretch>
+            <a:fillRect/>
+          </a:stretch>
+        </p:blipFill>
+        <p:spPr bwMode="auto">
+          <a:xfrm>
+            <a:off x="6474163" y="2389216"/>
+            <a:ext cx="5184437" cy="2916245"/>
+          </a:xfrm>
+          <a:prstGeom prst="rect">
+            <a:avLst/>
+          </a:prstGeom>
+          <a:solidFill>
+            <a:srgbClr val="FFFFFF"/>
+          </a:solidFill>
+          <a:extLst>
+            <a:ext uri="{909E8E84-426E-40DD-AFC4-6F175D3DCCD1}">
+              <a14:hiddenFill xmlns:a14="http://schemas.microsoft.com/office/drawing/2010/main">
+                <a:solidFill>
+                  <a:srgbClr val="FFFFFF"/>
+                </a:solidFill>
+              </a14:hiddenFill>
+            </a:ext>
+          </a:extLst>
+        </p:spPr>
+      </p:pic>
     </p:spTree>
     <p:extLst>
       <p:ext uri="{BB962C8B-B14F-4D97-AF65-F5344CB8AC3E}">
